--- a/Matches/IDPA - Renton - November 2020/Act Fast.pptx
+++ b/Matches/IDPA - Renton - November 2020/Act Fast.pptx
@@ -4217,3283 +4217,6 @@
           <a:chExt cx="0" cy="0"/>
         </a:xfrm>
       </p:grpSpPr>
-      <p:graphicFrame>
-        <p:nvGraphicFramePr>
-          <p:cNvPr id="56" name="Group 29"/>
-          <p:cNvGraphicFramePr>
-            <a:graphicFrameLocks noGrp="1"/>
-          </p:cNvGraphicFramePr>
-          <p:nvPr>
-            <p:extLst>
-              <p:ext uri="{D42A27DB-BD31-4B8C-83A1-F6EECF244321}">
-                <p14:modId xmlns:p14="http://schemas.microsoft.com/office/powerpoint/2010/main" val="2013359714"/>
-              </p:ext>
-            </p:extLst>
-          </p:nvPr>
-        </p:nvGraphicFramePr>
-        <p:xfrm>
-          <a:off x="152400" y="152400"/>
-          <a:ext cx="7010400" cy="4069916"/>
-        </p:xfrm>
-        <a:graphic>
-          <a:graphicData uri="http://schemas.openxmlformats.org/drawingml/2006/table">
-            <a:tbl>
-              <a:tblPr/>
-              <a:tblGrid>
-                <a:gridCol w="1064871">
-                  <a:extLst>
-                    <a:ext uri="{9D8B030D-6E8A-4147-A177-3AD203B41FA5}">
-                      <a16:colId xmlns:a16="http://schemas.microsoft.com/office/drawing/2014/main" val="20000"/>
-                    </a:ext>
-                  </a:extLst>
-                </a:gridCol>
-                <a:gridCol w="2522730">
-                  <a:extLst>
-                    <a:ext uri="{9D8B030D-6E8A-4147-A177-3AD203B41FA5}">
-                      <a16:colId xmlns:a16="http://schemas.microsoft.com/office/drawing/2014/main" val="20001"/>
-                    </a:ext>
-                  </a:extLst>
-                </a:gridCol>
-                <a:gridCol w="2421313">
-                  <a:extLst>
-                    <a:ext uri="{9D8B030D-6E8A-4147-A177-3AD203B41FA5}">
-                      <a16:colId xmlns:a16="http://schemas.microsoft.com/office/drawing/2014/main" val="20002"/>
-                    </a:ext>
-                  </a:extLst>
-                </a:gridCol>
-                <a:gridCol w="1001486">
-                  <a:extLst>
-                    <a:ext uri="{9D8B030D-6E8A-4147-A177-3AD203B41FA5}">
-                      <a16:colId xmlns:a16="http://schemas.microsoft.com/office/drawing/2014/main" val="20003"/>
-                    </a:ext>
-                  </a:extLst>
-                </a:gridCol>
-              </a:tblGrid>
-              <a:tr h="1082608">
-                <a:tc>
-                  <a:txBody>
-                    <a:bodyPr/>
-                    <a:lstStyle/>
-                    <a:p>
-                      <a:pPr marL="0" marR="0" lvl="0" indent="0" algn="l" defTabSz="966788" rtl="0" eaLnBrk="1" fontAlgn="base" latinLnBrk="0" hangingPunct="1">
-                        <a:lnSpc>
-                          <a:spcPct val="100000"/>
-                        </a:lnSpc>
-                        <a:spcBef>
-                          <a:spcPct val="20000"/>
-                        </a:spcBef>
-                        <a:spcAft>
-                          <a:spcPct val="0"/>
-                        </a:spcAft>
-                        <a:buClrTx/>
-                        <a:buSzTx/>
-                        <a:buFontTx/>
-                        <a:buNone/>
-                        <a:tabLst/>
-                      </a:pPr>
-                      <a:endParaRPr kumimoji="0" lang="en-US" sz="3000" b="0" i="0" u="none" strike="noStrike" cap="none" normalizeH="0" baseline="0" dirty="0">
-                        <a:ln>
-                          <a:noFill/>
-                        </a:ln>
-                        <a:solidFill>
-                          <a:schemeClr val="tx1"/>
-                        </a:solidFill>
-                        <a:effectLst/>
-                        <a:latin typeface="Arial" charset="0"/>
-                        <a:ea typeface="ＭＳ Ｐゴシック" pitchFamily="-112" charset="-128"/>
-                      </a:endParaRPr>
-                    </a:p>
-                  </a:txBody>
-                  <a:tcPr marT="45715" marB="45715" horzOverflow="overflow">
-                    <a:lnL>
-                      <a:noFill/>
-                    </a:lnL>
-                    <a:lnR w="28575" cap="flat" cmpd="sng" algn="ctr">
-                      <a:solidFill>
-                        <a:schemeClr val="tx1"/>
-                      </a:solidFill>
-                      <a:prstDash val="solid"/>
-                      <a:round/>
-                      <a:headEnd type="none" w="med" len="med"/>
-                      <a:tailEnd type="none" w="med" len="med"/>
-                    </a:lnR>
-                    <a:lnT>
-                      <a:noFill/>
-                    </a:lnT>
-                    <a:lnB w="28575" cap="flat" cmpd="sng" algn="ctr">
-                      <a:solidFill>
-                        <a:schemeClr val="tx1"/>
-                      </a:solidFill>
-                      <a:prstDash val="solid"/>
-                      <a:round/>
-                      <a:headEnd type="none" w="med" len="med"/>
-                      <a:tailEnd type="none" w="med" len="med"/>
-                    </a:lnB>
-                    <a:lnTlToBr>
-                      <a:noFill/>
-                    </a:lnTlToBr>
-                    <a:lnBlToTr>
-                      <a:noFill/>
-                    </a:lnBlToTr>
-                    <a:solidFill>
-                      <a:schemeClr val="bg1"/>
-                    </a:solidFill>
-                  </a:tcPr>
-                </a:tc>
-                <a:tc gridSpan="2">
-                  <a:txBody>
-                    <a:bodyPr/>
-                    <a:lstStyle/>
-                    <a:p>
-                      <a:pPr marL="0" marR="0" lvl="0" indent="0" algn="ctr" defTabSz="966788" rtl="0" eaLnBrk="1" fontAlgn="base" latinLnBrk="0" hangingPunct="1">
-                        <a:lnSpc>
-                          <a:spcPct val="100000"/>
-                        </a:lnSpc>
-                        <a:spcBef>
-                          <a:spcPct val="20000"/>
-                        </a:spcBef>
-                        <a:spcAft>
-                          <a:spcPct val="0"/>
-                        </a:spcAft>
-                        <a:buClrTx/>
-                        <a:buSzTx/>
-                        <a:buFontTx/>
-                        <a:buNone/>
-                        <a:tabLst/>
-                      </a:pPr>
-                      <a:r>
-                        <a:rPr kumimoji="0" lang="en-US" sz="1200" b="1" i="0" u="none" strike="noStrike" cap="none" normalizeH="0" baseline="0" dirty="0">
-                          <a:ln>
-                            <a:noFill/>
-                          </a:ln>
-                          <a:solidFill>
-                            <a:schemeClr val="tx1"/>
-                          </a:solidFill>
-                          <a:effectLst/>
-                          <a:latin typeface="Arial" charset="0"/>
-                          <a:cs typeface="Times New Roman" charset="0"/>
-                        </a:rPr>
-                        <a:t>Renton Fish and Game</a:t>
-                      </a:r>
-                      <a:br>
-                        <a:rPr kumimoji="0" lang="en-US" sz="1200" b="1" i="0" u="none" strike="noStrike" cap="none" normalizeH="0" baseline="0" dirty="0">
-                          <a:ln>
-                            <a:noFill/>
-                          </a:ln>
-                          <a:solidFill>
-                            <a:schemeClr val="tx1"/>
-                          </a:solidFill>
-                          <a:effectLst/>
-                          <a:latin typeface="Arial" charset="0"/>
-                          <a:cs typeface="Times New Roman" charset="0"/>
-                        </a:rPr>
-                      </a:br>
-                      <a:r>
-                        <a:rPr kumimoji="0" lang="en-US" sz="1200" b="1" i="0" u="none" strike="noStrike" cap="none" normalizeH="0" baseline="0" dirty="0">
-                          <a:ln>
-                            <a:noFill/>
-                          </a:ln>
-                          <a:solidFill>
-                            <a:schemeClr val="tx1"/>
-                          </a:solidFill>
-                          <a:effectLst/>
-                          <a:latin typeface="Arial" charset="0"/>
-                          <a:cs typeface="Times New Roman" charset="0"/>
-                        </a:rPr>
-                        <a:t>Bay 7</a:t>
-                      </a:r>
-                      <a:br>
-                        <a:rPr kumimoji="0" lang="en-US" sz="1200" b="1" i="0" u="none" strike="noStrike" cap="none" normalizeH="0" baseline="0" dirty="0">
-                          <a:ln>
-                            <a:noFill/>
-                          </a:ln>
-                          <a:solidFill>
-                            <a:schemeClr val="tx1"/>
-                          </a:solidFill>
-                          <a:effectLst/>
-                          <a:latin typeface="Arial" charset="0"/>
-                          <a:cs typeface="Times New Roman" charset="0"/>
-                        </a:rPr>
-                      </a:br>
-                      <a:r>
-                        <a:rPr kumimoji="0" lang="en-US" sz="1200" b="1" i="0" u="none" strike="noStrike" kern="1200" cap="none" normalizeH="0" baseline="0" dirty="0">
-                          <a:ln>
-                            <a:noFill/>
-                          </a:ln>
-                          <a:solidFill>
-                            <a:schemeClr val="tx1"/>
-                          </a:solidFill>
-                          <a:effectLst/>
-                          <a:latin typeface="Arial" charset="0"/>
-                          <a:ea typeface="+mn-ea"/>
-                          <a:cs typeface="+mn-cs"/>
-                        </a:rPr>
-                        <a:t>Stage: Act Fast</a:t>
-                      </a:r>
-                      <a:br>
-                        <a:rPr kumimoji="0" lang="en-US" sz="1200" b="1" i="0" u="none" strike="noStrike" kern="1200" cap="none" normalizeH="0" baseline="0" dirty="0">
-                          <a:ln>
-                            <a:noFill/>
-                          </a:ln>
-                          <a:solidFill>
-                            <a:schemeClr val="tx1"/>
-                          </a:solidFill>
-                          <a:effectLst/>
-                          <a:latin typeface="Arial" charset="0"/>
-                          <a:ea typeface="+mn-ea"/>
-                          <a:cs typeface="+mn-cs"/>
-                        </a:rPr>
-                      </a:br>
-                      <a:r>
-                        <a:rPr kumimoji="0" lang="en-US" sz="1200" b="1" i="0" u="none" strike="noStrike" kern="1200" cap="none" normalizeH="0" baseline="0" dirty="0">
-                          <a:ln>
-                            <a:noFill/>
-                          </a:ln>
-                          <a:solidFill>
-                            <a:schemeClr val="tx1"/>
-                          </a:solidFill>
-                          <a:effectLst/>
-                          <a:latin typeface="Arial" charset="0"/>
-                          <a:ea typeface="+mn-ea"/>
-                          <a:cs typeface="+mn-cs"/>
-                        </a:rPr>
-                        <a:t>C</a:t>
-                      </a:r>
-                      <a:r>
-                        <a:rPr kumimoji="0" lang="en-US" sz="1200" b="1" i="0" u="none" strike="noStrike" cap="none" normalizeH="0" baseline="0" dirty="0">
-                          <a:ln>
-                            <a:noFill/>
-                          </a:ln>
-                          <a:solidFill>
-                            <a:schemeClr val="tx1"/>
-                          </a:solidFill>
-                          <a:effectLst/>
-                          <a:latin typeface="Arial" charset="0"/>
-                        </a:rPr>
-                        <a:t>ourse Designer: Tim Smith</a:t>
-                      </a:r>
-                    </a:p>
-                  </a:txBody>
-                  <a:tcPr marL="45720" marR="45720" marT="45715" marB="45715" anchor="ctr" horzOverflow="overflow">
-                    <a:lnL w="28575" cap="flat" cmpd="sng" algn="ctr">
-                      <a:solidFill>
-                        <a:schemeClr val="tx1"/>
-                      </a:solidFill>
-                      <a:prstDash val="solid"/>
-                      <a:round/>
-                      <a:headEnd type="none" w="med" len="med"/>
-                      <a:tailEnd type="none" w="med" len="med"/>
-                    </a:lnL>
-                    <a:lnR w="28575" cap="flat" cmpd="sng" algn="ctr">
-                      <a:solidFill>
-                        <a:schemeClr val="tx1"/>
-                      </a:solidFill>
-                      <a:prstDash val="solid"/>
-                      <a:round/>
-                      <a:headEnd type="none" w="med" len="med"/>
-                      <a:tailEnd type="none" w="med" len="med"/>
-                    </a:lnR>
-                    <a:lnT w="28575" cap="flat" cmpd="sng" algn="ctr">
-                      <a:solidFill>
-                        <a:schemeClr val="tx1"/>
-                      </a:solidFill>
-                      <a:prstDash val="solid"/>
-                      <a:round/>
-                      <a:headEnd type="none" w="med" len="med"/>
-                      <a:tailEnd type="none" w="med" len="med"/>
-                    </a:lnT>
-                    <a:lnB w="28575" cap="flat" cmpd="sng" algn="ctr">
-                      <a:solidFill>
-                        <a:schemeClr val="tx1"/>
-                      </a:solidFill>
-                      <a:prstDash val="solid"/>
-                      <a:round/>
-                      <a:headEnd type="none" w="med" len="med"/>
-                      <a:tailEnd type="none" w="med" len="med"/>
-                    </a:lnB>
-                    <a:lnTlToBr>
-                      <a:noFill/>
-                    </a:lnTlToBr>
-                    <a:lnBlToTr>
-                      <a:noFill/>
-                    </a:lnBlToTr>
-                    <a:solidFill>
-                      <a:schemeClr val="bg1"/>
-                    </a:solidFill>
-                  </a:tcPr>
-                </a:tc>
-                <a:tc hMerge="1">
-                  <a:txBody>
-                    <a:bodyPr/>
-                    <a:lstStyle/>
-                    <a:p>
-                      <a:endParaRPr lang="en-US"/>
-                    </a:p>
-                  </a:txBody>
-                  <a:tcPr/>
-                </a:tc>
-                <a:tc>
-                  <a:txBody>
-                    <a:bodyPr/>
-                    <a:lstStyle/>
-                    <a:p>
-                      <a:pPr marL="0" marR="0" lvl="0" indent="0" algn="l" defTabSz="966788" rtl="0" eaLnBrk="1" fontAlgn="base" latinLnBrk="0" hangingPunct="1">
-                        <a:lnSpc>
-                          <a:spcPct val="100000"/>
-                        </a:lnSpc>
-                        <a:spcBef>
-                          <a:spcPct val="20000"/>
-                        </a:spcBef>
-                        <a:spcAft>
-                          <a:spcPct val="0"/>
-                        </a:spcAft>
-                        <a:buClrTx/>
-                        <a:buSzTx/>
-                        <a:buFontTx/>
-                        <a:buNone/>
-                        <a:tabLst/>
-                      </a:pPr>
-                      <a:endParaRPr kumimoji="0" lang="en-US" sz="3000" b="0" i="0" u="none" strike="noStrike" cap="none" normalizeH="0" baseline="0" dirty="0">
-                        <a:ln>
-                          <a:noFill/>
-                        </a:ln>
-                        <a:solidFill>
-                          <a:schemeClr val="tx1"/>
-                        </a:solidFill>
-                        <a:effectLst/>
-                        <a:latin typeface="Arial" charset="0"/>
-                        <a:ea typeface="ＭＳ Ｐゴシック" pitchFamily="-112" charset="-128"/>
-                      </a:endParaRPr>
-                    </a:p>
-                  </a:txBody>
-                  <a:tcPr marT="45715" marB="45715" horzOverflow="overflow">
-                    <a:lnL w="28575" cap="flat" cmpd="sng" algn="ctr">
-                      <a:solidFill>
-                        <a:schemeClr val="tx1"/>
-                      </a:solidFill>
-                      <a:prstDash val="solid"/>
-                      <a:round/>
-                      <a:headEnd type="none" w="med" len="med"/>
-                      <a:tailEnd type="none" w="med" len="med"/>
-                    </a:lnL>
-                    <a:lnR>
-                      <a:noFill/>
-                    </a:lnR>
-                    <a:lnT>
-                      <a:noFill/>
-                    </a:lnT>
-                    <a:lnB w="28575" cap="flat" cmpd="sng" algn="ctr">
-                      <a:solidFill>
-                        <a:schemeClr val="tx1"/>
-                      </a:solidFill>
-                      <a:prstDash val="solid"/>
-                      <a:round/>
-                      <a:headEnd type="none" w="med" len="med"/>
-                      <a:tailEnd type="none" w="med" len="med"/>
-                    </a:lnB>
-                    <a:lnTlToBr>
-                      <a:noFill/>
-                    </a:lnTlToBr>
-                    <a:lnBlToTr>
-                      <a:noFill/>
-                    </a:lnBlToTr>
-                    <a:solidFill>
-                      <a:schemeClr val="bg1"/>
-                    </a:solidFill>
-                  </a:tcPr>
-                </a:tc>
-                <a:extLst>
-                  <a:ext uri="{0D108BD9-81ED-4DB2-BD59-A6C34878D82A}">
-                    <a16:rowId xmlns:a16="http://schemas.microsoft.com/office/drawing/2014/main" val="10000"/>
-                  </a:ext>
-                </a:extLst>
-              </a:tr>
-              <a:tr h="693338">
-                <a:tc gridSpan="4">
-                  <a:txBody>
-                    <a:bodyPr/>
-                    <a:lstStyle/>
-                    <a:p>
-                      <a:pPr marL="0" marR="0" lvl="0" indent="0" algn="l" defTabSz="966788" rtl="0" eaLnBrk="1" fontAlgn="base" latinLnBrk="0" hangingPunct="1">
-                        <a:lnSpc>
-                          <a:spcPct val="90000"/>
-                        </a:lnSpc>
-                        <a:spcBef>
-                          <a:spcPct val="10000"/>
-                        </a:spcBef>
-                        <a:spcAft>
-                          <a:spcPct val="0"/>
-                        </a:spcAft>
-                        <a:buClrTx/>
-                        <a:buSzTx/>
-                        <a:buFontTx/>
-                        <a:buNone/>
-                        <a:tabLst/>
-                      </a:pPr>
-                      <a:r>
-                        <a:rPr kumimoji="0" lang="en-US" sz="1100" b="1" i="0" u="none" strike="noStrike" cap="none" normalizeH="0" baseline="0" dirty="0">
-                          <a:ln>
-                            <a:noFill/>
-                          </a:ln>
-                          <a:solidFill>
-                            <a:schemeClr val="tx1"/>
-                          </a:solidFill>
-                          <a:effectLst/>
-                          <a:latin typeface="Arial" charset="0"/>
-                          <a:ea typeface="ＭＳ Ｐゴシック" pitchFamily="-112" charset="-128"/>
-                          <a:cs typeface="Times New Roman" pitchFamily="-112" charset="0"/>
-                        </a:rPr>
-                        <a:t>SCENARIO: You are approached by several slobs walking back to your car. The closet guy to you pulls a knife and demands your briefcase. Act fast and get to safety ….</a:t>
-                      </a:r>
-                    </a:p>
-                  </a:txBody>
-                  <a:tcPr marL="18288" marR="18288" marT="36572" marB="36572" horzOverflow="overflow">
-                    <a:lnL w="28575" cap="flat" cmpd="sng" algn="ctr">
-                      <a:solidFill>
-                        <a:schemeClr val="tx1"/>
-                      </a:solidFill>
-                      <a:prstDash val="solid"/>
-                      <a:round/>
-                      <a:headEnd type="none" w="med" len="med"/>
-                      <a:tailEnd type="none" w="med" len="med"/>
-                    </a:lnL>
-                    <a:lnR w="28575" cap="flat" cmpd="sng" algn="ctr">
-                      <a:solidFill>
-                        <a:schemeClr val="tx1"/>
-                      </a:solidFill>
-                      <a:prstDash val="solid"/>
-                      <a:round/>
-                      <a:headEnd type="none" w="med" len="med"/>
-                      <a:tailEnd type="none" w="med" len="med"/>
-                    </a:lnR>
-                    <a:lnT w="28575" cap="flat" cmpd="sng" algn="ctr">
-                      <a:solidFill>
-                        <a:schemeClr val="tx1"/>
-                      </a:solidFill>
-                      <a:prstDash val="solid"/>
-                      <a:round/>
-                      <a:headEnd type="none" w="med" len="med"/>
-                      <a:tailEnd type="none" w="med" len="med"/>
-                    </a:lnT>
-                    <a:lnB w="28575" cap="flat" cmpd="sng" algn="ctr">
-                      <a:solidFill>
-                        <a:schemeClr val="tx1"/>
-                      </a:solidFill>
-                      <a:prstDash val="solid"/>
-                      <a:round/>
-                      <a:headEnd type="none" w="med" len="med"/>
-                      <a:tailEnd type="none" w="med" len="med"/>
-                    </a:lnB>
-                    <a:lnTlToBr>
-                      <a:noFill/>
-                    </a:lnTlToBr>
-                    <a:lnBlToTr>
-                      <a:noFill/>
-                    </a:lnBlToTr>
-                    <a:solidFill>
-                      <a:schemeClr val="bg1"/>
-                    </a:solidFill>
-                  </a:tcPr>
-                </a:tc>
-                <a:tc hMerge="1">
-                  <a:txBody>
-                    <a:bodyPr/>
-                    <a:lstStyle/>
-                    <a:p>
-                      <a:endParaRPr lang="en-US"/>
-                    </a:p>
-                  </a:txBody>
-                  <a:tcPr/>
-                </a:tc>
-                <a:tc hMerge="1">
-                  <a:txBody>
-                    <a:bodyPr/>
-                    <a:lstStyle/>
-                    <a:p>
-                      <a:endParaRPr lang="en-US"/>
-                    </a:p>
-                  </a:txBody>
-                  <a:tcPr/>
-                </a:tc>
-                <a:tc hMerge="1">
-                  <a:txBody>
-                    <a:bodyPr/>
-                    <a:lstStyle/>
-                    <a:p>
-                      <a:endParaRPr lang="en-US"/>
-                    </a:p>
-                  </a:txBody>
-                  <a:tcPr/>
-                </a:tc>
-                <a:extLst>
-                  <a:ext uri="{0D108BD9-81ED-4DB2-BD59-A6C34878D82A}">
-                    <a16:rowId xmlns:a16="http://schemas.microsoft.com/office/drawing/2014/main" val="10001"/>
-                  </a:ext>
-                </a:extLst>
-              </a:tr>
-              <a:tr h="450103">
-                <a:tc gridSpan="2">
-                  <a:txBody>
-                    <a:bodyPr/>
-                    <a:lstStyle/>
-                    <a:p>
-                      <a:pPr marL="0" marR="0" lvl="0" indent="0" algn="l" defTabSz="966788" rtl="0" eaLnBrk="1" fontAlgn="base" latinLnBrk="0" hangingPunct="1">
-                        <a:lnSpc>
-                          <a:spcPct val="100000"/>
-                        </a:lnSpc>
-                        <a:spcBef>
-                          <a:spcPct val="5000"/>
-                        </a:spcBef>
-                        <a:spcAft>
-                          <a:spcPct val="0"/>
-                        </a:spcAft>
-                        <a:buClrTx/>
-                        <a:buSzTx/>
-                        <a:buFontTx/>
-                        <a:buNone/>
-                        <a:tabLst/>
-                      </a:pPr>
-                      <a:r>
-                        <a:rPr kumimoji="0" lang="en-US" sz="1100" b="1" i="0" u="none" strike="noStrike" cap="none" normalizeH="0" baseline="0" dirty="0">
-                          <a:ln>
-                            <a:noFill/>
-                          </a:ln>
-                          <a:solidFill>
-                            <a:schemeClr val="tx1"/>
-                          </a:solidFill>
-                          <a:effectLst/>
-                          <a:latin typeface="Arial" charset="0"/>
-                          <a:ea typeface="ＭＳ Ｐゴシック" pitchFamily="-112" charset="-128"/>
-                          <a:cs typeface="Times New Roman" pitchFamily="-112" charset="0"/>
-                        </a:rPr>
-                        <a:t>START POSITION: Standing at P1 with bag in weak and strong hand at sides. Concealed garment required</a:t>
-                      </a:r>
-                    </a:p>
-                  </a:txBody>
-                  <a:tcPr marL="18288" marR="18288" marT="27429" marB="27429" horzOverflow="overflow">
-                    <a:lnL w="28575" cap="flat" cmpd="sng" algn="ctr">
-                      <a:solidFill>
-                        <a:schemeClr val="tx1"/>
-                      </a:solidFill>
-                      <a:prstDash val="solid"/>
-                      <a:round/>
-                      <a:headEnd type="none" w="med" len="med"/>
-                      <a:tailEnd type="none" w="med" len="med"/>
-                    </a:lnL>
-                    <a:lnR w="28575" cap="flat" cmpd="sng" algn="ctr">
-                      <a:solidFill>
-                        <a:schemeClr val="tx1"/>
-                      </a:solidFill>
-                      <a:prstDash val="solid"/>
-                      <a:round/>
-                      <a:headEnd type="none" w="med" len="med"/>
-                      <a:tailEnd type="none" w="med" len="med"/>
-                    </a:lnR>
-                    <a:lnT w="28575" cap="flat" cmpd="sng" algn="ctr">
-                      <a:solidFill>
-                        <a:schemeClr val="tx1"/>
-                      </a:solidFill>
-                      <a:prstDash val="solid"/>
-                      <a:round/>
-                      <a:headEnd type="none" w="med" len="med"/>
-                      <a:tailEnd type="none" w="med" len="med"/>
-                    </a:lnT>
-                    <a:lnB w="28575" cap="flat" cmpd="sng" algn="ctr">
-                      <a:solidFill>
-                        <a:schemeClr val="tx1"/>
-                      </a:solidFill>
-                      <a:prstDash val="solid"/>
-                      <a:round/>
-                      <a:headEnd type="none" w="med" len="med"/>
-                      <a:tailEnd type="none" w="med" len="med"/>
-                    </a:lnB>
-                    <a:lnTlToBr>
-                      <a:noFill/>
-                    </a:lnTlToBr>
-                    <a:lnBlToTr>
-                      <a:noFill/>
-                    </a:lnBlToTr>
-                    <a:solidFill>
-                      <a:schemeClr val="bg1"/>
-                    </a:solidFill>
-                  </a:tcPr>
-                </a:tc>
-                <a:tc hMerge="1">
-                  <a:txBody>
-                    <a:bodyPr/>
-                    <a:lstStyle/>
-                    <a:p>
-                      <a:endParaRPr lang="en-US"/>
-                    </a:p>
-                  </a:txBody>
-                  <a:tcPr/>
-                </a:tc>
-                <a:tc rowSpan="2" gridSpan="2">
-                  <a:txBody>
-                    <a:bodyPr/>
-                    <a:lstStyle/>
-                    <a:p>
-                      <a:pPr marL="0" marR="0" lvl="0" indent="0" algn="l" defTabSz="966788" rtl="0" eaLnBrk="0" fontAlgn="base" latinLnBrk="0" hangingPunct="0">
-                        <a:lnSpc>
-                          <a:spcPct val="100000"/>
-                        </a:lnSpc>
-                        <a:spcBef>
-                          <a:spcPct val="0"/>
-                        </a:spcBef>
-                        <a:spcAft>
-                          <a:spcPct val="0"/>
-                        </a:spcAft>
-                        <a:buClrTx/>
-                        <a:buSzTx/>
-                        <a:buFontTx/>
-                        <a:buNone/>
-                        <a:tabLst/>
-                      </a:pPr>
-                      <a:r>
-                        <a:rPr kumimoji="0" lang="en-US" sz="1100" b="1" i="0" u="none" strike="noStrike" cap="none" normalizeH="0" baseline="0" dirty="0">
-                          <a:ln>
-                            <a:noFill/>
-                          </a:ln>
-                          <a:solidFill>
-                            <a:schemeClr val="tx1"/>
-                          </a:solidFill>
-                          <a:effectLst/>
-                          <a:latin typeface="Arial" charset="0"/>
-                          <a:ea typeface="ＭＳ Ｐゴシック" pitchFamily="-112" charset="-128"/>
-                          <a:cs typeface="Times New Roman" pitchFamily="-112" charset="0"/>
-                        </a:rPr>
-                        <a:t>STRINGS:                 1</a:t>
-                      </a:r>
-                    </a:p>
-                    <a:p>
-                      <a:pPr marL="0" marR="0" lvl="0" indent="0" algn="l" defTabSz="966788" rtl="0" eaLnBrk="0" fontAlgn="base" latinLnBrk="0" hangingPunct="0">
-                        <a:lnSpc>
-                          <a:spcPct val="100000"/>
-                        </a:lnSpc>
-                        <a:spcBef>
-                          <a:spcPct val="0"/>
-                        </a:spcBef>
-                        <a:spcAft>
-                          <a:spcPct val="0"/>
-                        </a:spcAft>
-                        <a:buClrTx/>
-                        <a:buSzTx/>
-                        <a:buFontTx/>
-                        <a:buNone/>
-                        <a:tabLst/>
-                      </a:pPr>
-                      <a:r>
-                        <a:rPr kumimoji="0" lang="en-US" sz="1100" b="1" i="0" u="none" strike="noStrike" cap="none" normalizeH="0" baseline="0" dirty="0">
-                          <a:ln>
-                            <a:noFill/>
-                          </a:ln>
-                          <a:solidFill>
-                            <a:schemeClr val="tx1"/>
-                          </a:solidFill>
-                          <a:effectLst/>
-                          <a:latin typeface="Arial" charset="0"/>
-                          <a:ea typeface="ＭＳ Ｐゴシック" pitchFamily="-112" charset="-128"/>
-                          <a:cs typeface="Times New Roman" pitchFamily="-112" charset="0"/>
-                        </a:rPr>
-                        <a:t>SCORING:                Unlimited</a:t>
-                      </a:r>
-                    </a:p>
-                    <a:p>
-                      <a:pPr marL="0" marR="0" lvl="0" indent="0" algn="l" defTabSz="966788" rtl="0" eaLnBrk="0" fontAlgn="base" latinLnBrk="0" hangingPunct="0">
-                        <a:lnSpc>
-                          <a:spcPct val="100000"/>
-                        </a:lnSpc>
-                        <a:spcBef>
-                          <a:spcPct val="0"/>
-                        </a:spcBef>
-                        <a:spcAft>
-                          <a:spcPct val="0"/>
-                        </a:spcAft>
-                        <a:buClrTx/>
-                        <a:buSzTx/>
-                        <a:buFontTx/>
-                        <a:buNone/>
-                        <a:tabLst/>
-                        <a:defRPr/>
-                      </a:pPr>
-                      <a:r>
-                        <a:rPr kumimoji="0" lang="en-US" sz="1100" b="1" i="0" u="none" strike="noStrike" cap="none" normalizeH="0" baseline="0" dirty="0">
-                          <a:ln>
-                            <a:noFill/>
-                          </a:ln>
-                          <a:solidFill>
-                            <a:schemeClr val="tx1"/>
-                          </a:solidFill>
-                          <a:effectLst/>
-                          <a:latin typeface="Arial" charset="0"/>
-                          <a:ea typeface="ＭＳ Ｐゴシック" pitchFamily="-112" charset="-128"/>
-                          <a:cs typeface="Times New Roman" pitchFamily="-112" charset="0"/>
-                        </a:rPr>
-                        <a:t>SCORED HITS:        Best 2</a:t>
-                      </a:r>
-                    </a:p>
-                    <a:p>
-                      <a:pPr marL="0" marR="0" lvl="0" indent="0" algn="l" defTabSz="966788" rtl="0" eaLnBrk="0" fontAlgn="base" latinLnBrk="0" hangingPunct="0">
-                        <a:lnSpc>
-                          <a:spcPct val="100000"/>
-                        </a:lnSpc>
-                        <a:spcBef>
-                          <a:spcPct val="0"/>
-                        </a:spcBef>
-                        <a:spcAft>
-                          <a:spcPct val="0"/>
-                        </a:spcAft>
-                        <a:buClrTx/>
-                        <a:buSzTx/>
-                        <a:buFontTx/>
-                        <a:buNone/>
-                        <a:tabLst/>
-                      </a:pPr>
-                      <a:r>
-                        <a:rPr kumimoji="0" lang="en-US" sz="1100" b="1" i="0" u="none" strike="noStrike" cap="none" normalizeH="0" baseline="0" dirty="0">
-                          <a:ln>
-                            <a:noFill/>
-                          </a:ln>
-                          <a:solidFill>
-                            <a:schemeClr val="tx1"/>
-                          </a:solidFill>
-                          <a:effectLst/>
-                          <a:latin typeface="Arial" charset="0"/>
-                          <a:ea typeface="ＭＳ Ｐゴシック" pitchFamily="-112" charset="-128"/>
-                          <a:cs typeface="Times New Roman" pitchFamily="-112" charset="0"/>
-                        </a:rPr>
-                        <a:t>ROUND COUNT:      18</a:t>
-                      </a:r>
-                    </a:p>
-                    <a:p>
-                      <a:pPr marL="0" marR="0" lvl="0" indent="0" algn="l" defTabSz="966788" rtl="0" eaLnBrk="0" fontAlgn="base" latinLnBrk="0" hangingPunct="0">
-                        <a:lnSpc>
-                          <a:spcPct val="100000"/>
-                        </a:lnSpc>
-                        <a:spcBef>
-                          <a:spcPct val="0"/>
-                        </a:spcBef>
-                        <a:spcAft>
-                          <a:spcPct val="0"/>
-                        </a:spcAft>
-                        <a:buClrTx/>
-                        <a:buSzTx/>
-                        <a:buFontTx/>
-                        <a:buNone/>
-                        <a:tabLst/>
-                      </a:pPr>
-                      <a:r>
-                        <a:rPr kumimoji="0" lang="en-US" sz="1100" b="1" i="0" u="none" strike="noStrike" cap="none" normalizeH="0" baseline="0" dirty="0">
-                          <a:ln>
-                            <a:noFill/>
-                          </a:ln>
-                          <a:solidFill>
-                            <a:schemeClr val="tx1"/>
-                          </a:solidFill>
-                          <a:effectLst/>
-                          <a:latin typeface="Arial" charset="0"/>
-                          <a:ea typeface="ＭＳ Ｐゴシック" pitchFamily="-112" charset="-128"/>
-                          <a:cs typeface="Times New Roman" pitchFamily="-112" charset="0"/>
-                        </a:rPr>
-                        <a:t>TARGETS:	         9 IDPA</a:t>
-                      </a:r>
-                    </a:p>
-                    <a:p>
-                      <a:pPr marL="0" marR="0" lvl="0" indent="0" algn="l" defTabSz="966788" rtl="0" eaLnBrk="0" fontAlgn="base" latinLnBrk="0" hangingPunct="0">
-                        <a:lnSpc>
-                          <a:spcPct val="100000"/>
-                        </a:lnSpc>
-                        <a:spcBef>
-                          <a:spcPct val="0"/>
-                        </a:spcBef>
-                        <a:spcAft>
-                          <a:spcPct val="0"/>
-                        </a:spcAft>
-                        <a:buClrTx/>
-                        <a:buSzTx/>
-                        <a:buFontTx/>
-                        <a:buNone/>
-                        <a:tabLst/>
-                      </a:pPr>
-                      <a:r>
-                        <a:rPr kumimoji="0" lang="en-US" sz="1100" b="1" i="0" u="none" strike="noStrike" cap="none" normalizeH="0" baseline="0" dirty="0">
-                          <a:ln>
-                            <a:noFill/>
-                          </a:ln>
-                          <a:solidFill>
-                            <a:schemeClr val="tx1"/>
-                          </a:solidFill>
-                          <a:effectLst/>
-                          <a:latin typeface="Arial" charset="0"/>
-                          <a:ea typeface="ＭＳ Ｐゴシック" pitchFamily="-112" charset="-128"/>
-                          <a:cs typeface="Times New Roman" pitchFamily="-112" charset="0"/>
-                        </a:rPr>
-                        <a:t>START-STOP:          Audible - Last shot</a:t>
-                      </a:r>
-                    </a:p>
-                    <a:p>
-                      <a:pPr marL="0" marR="0" lvl="0" indent="0" algn="l" defTabSz="966788" rtl="0" eaLnBrk="0" fontAlgn="base" latinLnBrk="0" hangingPunct="0">
-                        <a:lnSpc>
-                          <a:spcPct val="100000"/>
-                        </a:lnSpc>
-                        <a:spcBef>
-                          <a:spcPct val="0"/>
-                        </a:spcBef>
-                        <a:spcAft>
-                          <a:spcPct val="0"/>
-                        </a:spcAft>
-                        <a:buClrTx/>
-                        <a:buSzTx/>
-                        <a:buFontTx/>
-                        <a:buNone/>
-                        <a:tabLst/>
-                      </a:pPr>
-                      <a:r>
-                        <a:rPr kumimoji="0" lang="en-US" sz="1100" b="1" i="0" u="none" strike="noStrike" cap="none" normalizeH="0" baseline="0" dirty="0">
-                          <a:ln>
-                            <a:noFill/>
-                          </a:ln>
-                          <a:solidFill>
-                            <a:schemeClr val="tx1"/>
-                          </a:solidFill>
-                          <a:effectLst/>
-                          <a:latin typeface="Arial" charset="0"/>
-                          <a:ea typeface="ＭＳ Ｐゴシック" pitchFamily="-112" charset="-128"/>
-                          <a:cs typeface="Times New Roman" pitchFamily="-112" charset="0"/>
-                        </a:rPr>
-                        <a:t>CONCEALMENT:     Required</a:t>
-                      </a:r>
-                    </a:p>
-                    <a:p>
-                      <a:pPr marL="0" marR="0" lvl="0" indent="0" algn="l" defTabSz="966788" rtl="0" eaLnBrk="0" fontAlgn="base" latinLnBrk="0" hangingPunct="0">
-                        <a:lnSpc>
-                          <a:spcPct val="100000"/>
-                        </a:lnSpc>
-                        <a:spcBef>
-                          <a:spcPct val="0"/>
-                        </a:spcBef>
-                        <a:spcAft>
-                          <a:spcPct val="0"/>
-                        </a:spcAft>
-                        <a:buClrTx/>
-                        <a:buSzTx/>
-                        <a:buFontTx/>
-                        <a:buNone/>
-                        <a:tabLst/>
-                      </a:pPr>
-                      <a:r>
-                        <a:rPr kumimoji="0" lang="en-US" sz="1100" b="1" i="0" u="none" strike="noStrike" cap="none" normalizeH="0" baseline="0" dirty="0">
-                          <a:ln>
-                            <a:noFill/>
-                          </a:ln>
-                          <a:solidFill>
-                            <a:schemeClr val="tx1"/>
-                          </a:solidFill>
-                          <a:effectLst/>
-                          <a:latin typeface="Arial" charset="0"/>
-                          <a:ea typeface="ＭＳ Ｐゴシック" pitchFamily="-112" charset="-128"/>
-                          <a:cs typeface="Times New Roman" pitchFamily="-112" charset="0"/>
-                        </a:rPr>
-                        <a:t>Muzzle Safe Points: Muzzle safe markers / 180 degree rule</a:t>
-                      </a:r>
-                    </a:p>
-                    <a:p>
-                      <a:pPr marL="0" marR="0" lvl="0" indent="0" algn="l" defTabSz="966788" rtl="0" eaLnBrk="0" fontAlgn="base" latinLnBrk="0" hangingPunct="0">
-                        <a:lnSpc>
-                          <a:spcPct val="100000"/>
-                        </a:lnSpc>
-                        <a:spcBef>
-                          <a:spcPct val="0"/>
-                        </a:spcBef>
-                        <a:spcAft>
-                          <a:spcPct val="0"/>
-                        </a:spcAft>
-                        <a:buClrTx/>
-                        <a:buSzTx/>
-                        <a:buFontTx/>
-                        <a:buNone/>
-                        <a:tabLst/>
-                      </a:pPr>
-                      <a:endParaRPr kumimoji="0" lang="en-US" sz="1100" b="1" i="0" u="none" strike="noStrike" cap="none" normalizeH="0" baseline="0" dirty="0">
-                        <a:ln>
-                          <a:noFill/>
-                        </a:ln>
-                        <a:solidFill>
-                          <a:schemeClr val="tx1"/>
-                        </a:solidFill>
-                        <a:effectLst/>
-                        <a:latin typeface="Arial" charset="0"/>
-                        <a:ea typeface="ＭＳ Ｐゴシック" pitchFamily="-112" charset="-128"/>
-                        <a:cs typeface="Times New Roman" pitchFamily="-112" charset="0"/>
-                      </a:endParaRPr>
-                    </a:p>
-                    <a:p>
-                      <a:pPr marL="0" marR="0" lvl="0" indent="0" algn="l" defTabSz="966788" rtl="0" eaLnBrk="0" fontAlgn="base" latinLnBrk="0" hangingPunct="0">
-                        <a:lnSpc>
-                          <a:spcPct val="100000"/>
-                        </a:lnSpc>
-                        <a:spcBef>
-                          <a:spcPct val="0"/>
-                        </a:spcBef>
-                        <a:spcAft>
-                          <a:spcPct val="0"/>
-                        </a:spcAft>
-                        <a:buClrTx/>
-                        <a:buSzTx/>
-                        <a:buFontTx/>
-                        <a:buNone/>
-                        <a:tabLst/>
-                      </a:pPr>
-                      <a:r>
-                        <a:rPr kumimoji="0" lang="en-US" sz="1100" b="1" i="0" u="none" strike="noStrike" cap="none" normalizeH="0" baseline="0" dirty="0">
-                          <a:ln>
-                            <a:noFill/>
-                          </a:ln>
-                          <a:solidFill>
-                            <a:schemeClr val="tx1"/>
-                          </a:solidFill>
-                          <a:effectLst/>
-                          <a:latin typeface="Arial" charset="0"/>
-                          <a:ea typeface="ＭＳ Ｐゴシック" pitchFamily="-112" charset="-128"/>
-                          <a:cs typeface="Times New Roman" pitchFamily="-112" charset="0"/>
-                        </a:rPr>
-                        <a:t>SO NOTES:PCC start with stock on belt, muzzle pointing downrange.</a:t>
-                      </a:r>
-                    </a:p>
-                  </a:txBody>
-                  <a:tcPr marL="45720" marR="45720" marT="45715" marB="45715" horzOverflow="overflow">
-                    <a:lnL w="28575" cap="flat" cmpd="sng" algn="ctr">
-                      <a:solidFill>
-                        <a:schemeClr val="tx1"/>
-                      </a:solidFill>
-                      <a:prstDash val="solid"/>
-                      <a:round/>
-                      <a:headEnd type="none" w="med" len="med"/>
-                      <a:tailEnd type="none" w="med" len="med"/>
-                    </a:lnL>
-                    <a:lnR w="28575" cap="flat" cmpd="sng" algn="ctr">
-                      <a:solidFill>
-                        <a:schemeClr val="tx1"/>
-                      </a:solidFill>
-                      <a:prstDash val="solid"/>
-                      <a:round/>
-                      <a:headEnd type="none" w="med" len="med"/>
-                      <a:tailEnd type="none" w="med" len="med"/>
-                    </a:lnR>
-                    <a:lnT w="28575" cap="flat" cmpd="sng" algn="ctr">
-                      <a:solidFill>
-                        <a:schemeClr val="tx1"/>
-                      </a:solidFill>
-                      <a:prstDash val="solid"/>
-                      <a:round/>
-                      <a:headEnd type="none" w="med" len="med"/>
-                      <a:tailEnd type="none" w="med" len="med"/>
-                    </a:lnT>
-                    <a:lnB w="28575" cap="flat" cmpd="sng" algn="ctr">
-                      <a:solidFill>
-                        <a:schemeClr val="tx1"/>
-                      </a:solidFill>
-                      <a:prstDash val="solid"/>
-                      <a:round/>
-                      <a:headEnd type="none" w="med" len="med"/>
-                      <a:tailEnd type="none" w="med" len="med"/>
-                    </a:lnB>
-                    <a:lnTlToBr>
-                      <a:noFill/>
-                    </a:lnTlToBr>
-                    <a:lnBlToTr>
-                      <a:noFill/>
-                    </a:lnBlToTr>
-                    <a:solidFill>
-                      <a:schemeClr val="bg1"/>
-                    </a:solidFill>
-                  </a:tcPr>
-                </a:tc>
-                <a:tc rowSpan="2" hMerge="1">
-                  <a:txBody>
-                    <a:bodyPr/>
-                    <a:lstStyle/>
-                    <a:p>
-                      <a:endParaRPr lang="en-US"/>
-                    </a:p>
-                  </a:txBody>
-                  <a:tcPr/>
-                </a:tc>
-                <a:extLst>
-                  <a:ext uri="{0D108BD9-81ED-4DB2-BD59-A6C34878D82A}">
-                    <a16:rowId xmlns:a16="http://schemas.microsoft.com/office/drawing/2014/main" val="10002"/>
-                  </a:ext>
-                </a:extLst>
-              </a:tr>
-              <a:tr h="1736192">
-                <a:tc gridSpan="2">
-                  <a:txBody>
-                    <a:bodyPr/>
-                    <a:lstStyle/>
-                    <a:p>
-                      <a:pPr marL="0" marR="0" lvl="0" indent="0" algn="l" defTabSz="966788" rtl="0" eaLnBrk="1" fontAlgn="base" latinLnBrk="0" hangingPunct="1">
-                        <a:lnSpc>
-                          <a:spcPct val="100000"/>
-                        </a:lnSpc>
-                        <a:spcBef>
-                          <a:spcPct val="20000"/>
-                        </a:spcBef>
-                        <a:spcAft>
-                          <a:spcPct val="0"/>
-                        </a:spcAft>
-                        <a:buClrTx/>
-                        <a:buSzTx/>
-                        <a:buFontTx/>
-                        <a:buNone/>
-                        <a:tabLst/>
-                      </a:pPr>
-                      <a:r>
-                        <a:rPr kumimoji="0" lang="en-US" sz="1100" b="1" i="0" u="none" strike="noStrike" cap="none" normalizeH="0" baseline="0" dirty="0">
-                          <a:ln>
-                            <a:noFill/>
-                          </a:ln>
-                          <a:solidFill>
-                            <a:schemeClr val="tx1"/>
-                          </a:solidFill>
-                          <a:effectLst/>
-                          <a:latin typeface="Arial" charset="0"/>
-                          <a:ea typeface="ＭＳ Ｐゴシック" pitchFamily="-112" charset="-128"/>
-                          <a:cs typeface="Times New Roman" pitchFamily="-112" charset="0"/>
-                        </a:rPr>
-                        <a:t>STAGE PROCEDURE: At the start of the signal, drop the bag and engage T1 with 3 rounds from retention ( ‘the hip’ ) then engage T2 –T3 with 2 rounds each while in retreat to P2. All shots from T1-T3 must be strong hand only. T4 is a surprise slob to be taken in the open on the way to P2. From the cover of P2, Engage T4-T7 from cover. Notes:</a:t>
-                      </a:r>
-                    </a:p>
-                  </a:txBody>
-                  <a:tcPr marL="45720" marR="45720" marT="45715" marB="45715" horzOverflow="overflow">
-                    <a:lnL w="28575" cap="flat" cmpd="sng" algn="ctr">
-                      <a:solidFill>
-                        <a:schemeClr val="tx1"/>
-                      </a:solidFill>
-                      <a:prstDash val="solid"/>
-                      <a:round/>
-                      <a:headEnd type="none" w="med" len="med"/>
-                      <a:tailEnd type="none" w="med" len="med"/>
-                    </a:lnL>
-                    <a:lnR w="28575" cap="flat" cmpd="sng" algn="ctr">
-                      <a:solidFill>
-                        <a:schemeClr val="tx1"/>
-                      </a:solidFill>
-                      <a:prstDash val="solid"/>
-                      <a:round/>
-                      <a:headEnd type="none" w="med" len="med"/>
-                      <a:tailEnd type="none" w="med" len="med"/>
-                    </a:lnR>
-                    <a:lnT w="28575" cap="flat" cmpd="sng" algn="ctr">
-                      <a:solidFill>
-                        <a:schemeClr val="tx1"/>
-                      </a:solidFill>
-                      <a:prstDash val="solid"/>
-                      <a:round/>
-                      <a:headEnd type="none" w="med" len="med"/>
-                      <a:tailEnd type="none" w="med" len="med"/>
-                    </a:lnT>
-                    <a:lnB w="28575" cap="flat" cmpd="sng" algn="ctr">
-                      <a:solidFill>
-                        <a:schemeClr val="tx1"/>
-                      </a:solidFill>
-                      <a:prstDash val="solid"/>
-                      <a:round/>
-                      <a:headEnd type="none" w="med" len="med"/>
-                      <a:tailEnd type="none" w="med" len="med"/>
-                    </a:lnB>
-                    <a:lnTlToBr>
-                      <a:noFill/>
-                    </a:lnTlToBr>
-                    <a:lnBlToTr>
-                      <a:noFill/>
-                    </a:lnBlToTr>
-                    <a:solidFill>
-                      <a:schemeClr val="bg1"/>
-                    </a:solidFill>
-                  </a:tcPr>
-                </a:tc>
-                <a:tc hMerge="1">
-                  <a:txBody>
-                    <a:bodyPr/>
-                    <a:lstStyle/>
-                    <a:p>
-                      <a:endParaRPr lang="en-US"/>
-                    </a:p>
-                  </a:txBody>
-                  <a:tcPr/>
-                </a:tc>
-                <a:tc gridSpan="2" vMerge="1">
-                  <a:txBody>
-                    <a:bodyPr/>
-                    <a:lstStyle/>
-                    <a:p>
-                      <a:endParaRPr lang="en-US"/>
-                    </a:p>
-                  </a:txBody>
-                  <a:tcPr/>
-                </a:tc>
-                <a:tc hMerge="1" vMerge="1">
-                  <a:txBody>
-                    <a:bodyPr/>
-                    <a:lstStyle/>
-                    <a:p>
-                      <a:endParaRPr lang="en-US"/>
-                    </a:p>
-                  </a:txBody>
-                  <a:tcPr/>
-                </a:tc>
-                <a:extLst>
-                  <a:ext uri="{0D108BD9-81ED-4DB2-BD59-A6C34878D82A}">
-                    <a16:rowId xmlns:a16="http://schemas.microsoft.com/office/drawing/2014/main" val="10003"/>
-                  </a:ext>
-                </a:extLst>
-              </a:tr>
-            </a:tbl>
-          </a:graphicData>
-        </a:graphic>
-      </p:graphicFrame>
-      <p:pic>
-        <p:nvPicPr>
-          <p:cNvPr id="15" name="Picture 2" descr="http://www.idpa.com/MISC/Logos/SquareLogo/SquareLOGO-IDPA180.jpg">
-            <a:extLst>
-              <a:ext uri="{FF2B5EF4-FFF2-40B4-BE49-F238E27FC236}">
-                <a16:creationId xmlns:a16="http://schemas.microsoft.com/office/drawing/2014/main" id="{78331418-D313-4EEF-827D-C41821AC6928}"/>
-              </a:ext>
-            </a:extLst>
-          </p:cNvPr>
-          <p:cNvPicPr>
-            <a:picLocks noChangeAspect="1" noChangeArrowheads="1"/>
-          </p:cNvPicPr>
-          <p:nvPr/>
-        </p:nvPicPr>
-        <p:blipFill>
-          <a:blip r:embed="rId3">
-            <a:extLst>
-              <a:ext uri="{28A0092B-C50C-407E-A947-70E740481C1C}">
-                <a14:useLocalDpi xmlns:a14="http://schemas.microsoft.com/office/drawing/2010/main" val="0"/>
-              </a:ext>
-            </a:extLst>
-          </a:blip>
-          <a:srcRect/>
-          <a:stretch>
-            <a:fillRect/>
-          </a:stretch>
-        </p:blipFill>
-        <p:spPr bwMode="auto">
-          <a:xfrm>
-            <a:off x="6249483" y="203200"/>
-            <a:ext cx="930980" cy="930980"/>
-          </a:xfrm>
-          <a:prstGeom prst="rect">
-            <a:avLst/>
-          </a:prstGeom>
-          <a:noFill/>
-          <a:extLst>
-            <a:ext uri="{909E8E84-426E-40DD-AFC4-6F175D3DCCD1}">
-              <a14:hiddenFill xmlns:a14="http://schemas.microsoft.com/office/drawing/2010/main">
-                <a:solidFill>
-                  <a:srgbClr val="FFFFFF"/>
-                </a:solidFill>
-              </a14:hiddenFill>
-            </a:ext>
-          </a:extLst>
-        </p:spPr>
-      </p:pic>
-      <p:pic>
-        <p:nvPicPr>
-          <p:cNvPr id="16" name="Picture 4" descr="http://www.rfgc.org/files/patch.png">
-            <a:extLst>
-              <a:ext uri="{FF2B5EF4-FFF2-40B4-BE49-F238E27FC236}">
-                <a16:creationId xmlns:a16="http://schemas.microsoft.com/office/drawing/2014/main" id="{156EFA39-1A0B-4256-86BF-A6696AF2AE23}"/>
-              </a:ext>
-            </a:extLst>
-          </p:cNvPr>
-          <p:cNvPicPr>
-            <a:picLocks noChangeAspect="1" noChangeArrowheads="1"/>
-          </p:cNvPicPr>
-          <p:nvPr/>
-        </p:nvPicPr>
-        <p:blipFill>
-          <a:blip r:embed="rId4">
-            <a:extLst>
-              <a:ext uri="{28A0092B-C50C-407E-A947-70E740481C1C}">
-                <a14:useLocalDpi xmlns:a14="http://schemas.microsoft.com/office/drawing/2010/main" val="0"/>
-              </a:ext>
-            </a:extLst>
-          </a:blip>
-          <a:srcRect/>
-          <a:stretch>
-            <a:fillRect/>
-          </a:stretch>
-        </p:blipFill>
-        <p:spPr bwMode="auto">
-          <a:xfrm>
-            <a:off x="53780" y="76035"/>
-            <a:ext cx="1134712" cy="1134712"/>
-          </a:xfrm>
-          <a:prstGeom prst="rect">
-            <a:avLst/>
-          </a:prstGeom>
-          <a:noFill/>
-          <a:extLst>
-            <a:ext uri="{909E8E84-426E-40DD-AFC4-6F175D3DCCD1}">
-              <a14:hiddenFill xmlns:a14="http://schemas.microsoft.com/office/drawing/2010/main">
-                <a:solidFill>
-                  <a:srgbClr val="FFFFFF"/>
-                </a:solidFill>
-              </a14:hiddenFill>
-            </a:ext>
-          </a:extLst>
-        </p:spPr>
-      </p:pic>
-      <p:grpSp>
-        <p:nvGrpSpPr>
-          <p:cNvPr id="211" name="Group 134">
-            <a:extLst>
-              <a:ext uri="{FF2B5EF4-FFF2-40B4-BE49-F238E27FC236}">
-                <a16:creationId xmlns:a16="http://schemas.microsoft.com/office/drawing/2014/main" id="{6B437151-0BE6-F64E-AFCC-2E7740056E30}"/>
-              </a:ext>
-            </a:extLst>
-          </p:cNvPr>
-          <p:cNvGrpSpPr>
-            <a:grpSpLocks/>
-          </p:cNvGrpSpPr>
-          <p:nvPr/>
-        </p:nvGrpSpPr>
-        <p:grpSpPr bwMode="auto">
-          <a:xfrm>
-            <a:off x="957263" y="5984875"/>
-            <a:ext cx="381000" cy="866775"/>
-            <a:chOff x="6553200" y="5410200"/>
-            <a:chExt cx="381000" cy="866774"/>
-          </a:xfrm>
-        </p:grpSpPr>
-        <p:grpSp>
-          <p:nvGrpSpPr>
-            <p:cNvPr id="212" name="Group 29">
-              <a:extLst>
-                <a:ext uri="{FF2B5EF4-FFF2-40B4-BE49-F238E27FC236}">
-                  <a16:creationId xmlns:a16="http://schemas.microsoft.com/office/drawing/2014/main" id="{ABC2703D-B2F5-0B40-B63B-34C41793FFA0}"/>
-                </a:ext>
-              </a:extLst>
-            </p:cNvPr>
-            <p:cNvGrpSpPr>
-              <a:grpSpLocks/>
-            </p:cNvGrpSpPr>
-            <p:nvPr/>
-          </p:nvGrpSpPr>
-          <p:grpSpPr bwMode="auto">
-            <a:xfrm>
-              <a:off x="6567675" y="5410200"/>
-              <a:ext cx="304800" cy="866774"/>
-              <a:chOff x="528" y="240"/>
-              <a:chExt cx="181" cy="498"/>
-            </a:xfrm>
-            <a:gradFill>
-              <a:gsLst>
-                <a:gs pos="0">
-                  <a:srgbClr val="FFC000"/>
-                </a:gs>
-                <a:gs pos="30000">
-                  <a:srgbClr val="D49E6C"/>
-                </a:gs>
-                <a:gs pos="70000">
-                  <a:srgbClr val="A65528"/>
-                </a:gs>
-                <a:gs pos="100000">
-                  <a:srgbClr val="663012"/>
-                </a:gs>
-              </a:gsLst>
-              <a:lin ang="5400000" scaled="0"/>
-            </a:gradFill>
-          </p:grpSpPr>
-          <p:sp>
-            <p:nvSpPr>
-              <p:cNvPr id="214" name="Line 30">
-                <a:extLst>
-                  <a:ext uri="{FF2B5EF4-FFF2-40B4-BE49-F238E27FC236}">
-                    <a16:creationId xmlns:a16="http://schemas.microsoft.com/office/drawing/2014/main" id="{13712CFB-9010-764A-9DFA-1152D7125AD8}"/>
-                  </a:ext>
-                </a:extLst>
-              </p:cNvPr>
-              <p:cNvSpPr>
-                <a:spLocks noChangeShapeType="1"/>
-              </p:cNvSpPr>
-              <p:nvPr/>
-            </p:nvSpPr>
-            <p:spPr bwMode="auto">
-              <a:xfrm>
-                <a:off x="535" y="485"/>
-                <a:ext cx="0" cy="253"/>
-              </a:xfrm>
-              <a:prstGeom prst="line">
-                <a:avLst/>
-              </a:prstGeom>
-              <a:grpFill/>
-              <a:ln w="28575">
-                <a:solidFill>
-                  <a:schemeClr val="tx1"/>
-                </a:solidFill>
-                <a:round/>
-                <a:headEnd/>
-                <a:tailEnd/>
-              </a:ln>
-            </p:spPr>
-            <p:txBody>
-              <a:bodyPr wrap="none" anchor="ctr"/>
-              <a:lstStyle/>
-              <a:p>
-                <a:pPr eaLnBrk="1" hangingPunct="1">
-                  <a:defRPr/>
-                </a:pPr>
-                <a:endParaRPr lang="en-US" b="1">
-                  <a:latin typeface="Arial" charset="0"/>
-                  <a:ea typeface="ＭＳ Ｐゴシック" charset="-128"/>
-                </a:endParaRPr>
-              </a:p>
-            </p:txBody>
-          </p:sp>
-          <p:sp>
-            <p:nvSpPr>
-              <p:cNvPr id="215" name="Line 31">
-                <a:extLst>
-                  <a:ext uri="{FF2B5EF4-FFF2-40B4-BE49-F238E27FC236}">
-                    <a16:creationId xmlns:a16="http://schemas.microsoft.com/office/drawing/2014/main" id="{6E06C2CC-7C7A-0F4F-B1FA-39F2DA675631}"/>
-                  </a:ext>
-                </a:extLst>
-              </p:cNvPr>
-              <p:cNvSpPr>
-                <a:spLocks noChangeShapeType="1"/>
-              </p:cNvSpPr>
-              <p:nvPr/>
-            </p:nvSpPr>
-            <p:spPr bwMode="auto">
-              <a:xfrm>
-                <a:off x="701" y="485"/>
-                <a:ext cx="0" cy="253"/>
-              </a:xfrm>
-              <a:prstGeom prst="line">
-                <a:avLst/>
-              </a:prstGeom>
-              <a:grpFill/>
-              <a:ln w="28575">
-                <a:solidFill>
-                  <a:schemeClr val="tx1"/>
-                </a:solidFill>
-                <a:round/>
-                <a:headEnd/>
-                <a:tailEnd/>
-              </a:ln>
-            </p:spPr>
-            <p:txBody>
-              <a:bodyPr wrap="none" anchor="ctr"/>
-              <a:lstStyle/>
-              <a:p>
-                <a:pPr eaLnBrk="1" hangingPunct="1">
-                  <a:defRPr/>
-                </a:pPr>
-                <a:endParaRPr lang="en-US" b="1">
-                  <a:latin typeface="Arial" charset="0"/>
-                  <a:ea typeface="ＭＳ Ｐゴシック" charset="-128"/>
-                </a:endParaRPr>
-              </a:p>
-            </p:txBody>
-          </p:sp>
-          <p:sp>
-            <p:nvSpPr>
-              <p:cNvPr id="216" name="Freeform 32">
-                <a:extLst>
-                  <a:ext uri="{FF2B5EF4-FFF2-40B4-BE49-F238E27FC236}">
-                    <a16:creationId xmlns:a16="http://schemas.microsoft.com/office/drawing/2014/main" id="{58845640-82E4-FA49-B173-449B6F3B6EE2}"/>
-                  </a:ext>
-                </a:extLst>
-              </p:cNvPr>
-              <p:cNvSpPr>
-                <a:spLocks/>
-              </p:cNvSpPr>
-              <p:nvPr/>
-            </p:nvSpPr>
-            <p:spPr bwMode="auto">
-              <a:xfrm>
-                <a:off x="528" y="240"/>
-                <a:ext cx="181" cy="332"/>
-              </a:xfrm>
-              <a:custGeom>
-                <a:avLst/>
-                <a:gdLst>
-                  <a:gd name="T0" fmla="*/ 16 w 277"/>
-                  <a:gd name="T1" fmla="*/ 0 h 517"/>
-                  <a:gd name="T2" fmla="*/ 35 w 277"/>
-                  <a:gd name="T3" fmla="*/ 0 h 517"/>
-                  <a:gd name="T4" fmla="*/ 35 w 277"/>
-                  <a:gd name="T5" fmla="*/ 18 h 517"/>
-                  <a:gd name="T6" fmla="*/ 41 w 277"/>
-                  <a:gd name="T7" fmla="*/ 18 h 517"/>
-                  <a:gd name="T8" fmla="*/ 50 w 277"/>
-                  <a:gd name="T9" fmla="*/ 24 h 517"/>
-                  <a:gd name="T10" fmla="*/ 50 w 277"/>
-                  <a:gd name="T11" fmla="*/ 71 h 517"/>
-                  <a:gd name="T12" fmla="*/ 41 w 277"/>
-                  <a:gd name="T13" fmla="*/ 88 h 517"/>
-                  <a:gd name="T14" fmla="*/ 9 w 277"/>
-                  <a:gd name="T15" fmla="*/ 88 h 517"/>
-                  <a:gd name="T16" fmla="*/ 0 w 277"/>
-                  <a:gd name="T17" fmla="*/ 71 h 517"/>
-                  <a:gd name="T18" fmla="*/ 0 w 277"/>
-                  <a:gd name="T19" fmla="*/ 24 h 517"/>
-                  <a:gd name="T20" fmla="*/ 9 w 277"/>
-                  <a:gd name="T21" fmla="*/ 18 h 517"/>
-                  <a:gd name="T22" fmla="*/ 16 w 277"/>
-                  <a:gd name="T23" fmla="*/ 18 h 517"/>
-                  <a:gd name="T24" fmla="*/ 16 w 277"/>
-                  <a:gd name="T25" fmla="*/ 0 h 517"/>
-                  <a:gd name="T26" fmla="*/ 0 60000 65536"/>
-                  <a:gd name="T27" fmla="*/ 0 60000 65536"/>
-                  <a:gd name="T28" fmla="*/ 0 60000 65536"/>
-                  <a:gd name="T29" fmla="*/ 0 60000 65536"/>
-                  <a:gd name="T30" fmla="*/ 0 60000 65536"/>
-                  <a:gd name="T31" fmla="*/ 0 60000 65536"/>
-                  <a:gd name="T32" fmla="*/ 0 60000 65536"/>
-                  <a:gd name="T33" fmla="*/ 0 60000 65536"/>
-                  <a:gd name="T34" fmla="*/ 0 60000 65536"/>
-                  <a:gd name="T35" fmla="*/ 0 60000 65536"/>
-                  <a:gd name="T36" fmla="*/ 0 60000 65536"/>
-                  <a:gd name="T37" fmla="*/ 0 60000 65536"/>
-                  <a:gd name="T38" fmla="*/ 0 60000 65536"/>
-                  <a:gd name="T39" fmla="*/ 0 w 277"/>
-                  <a:gd name="T40" fmla="*/ 0 h 517"/>
-                  <a:gd name="T41" fmla="*/ 277 w 277"/>
-                  <a:gd name="T42" fmla="*/ 517 h 517"/>
-                </a:gdLst>
-                <a:ahLst/>
-                <a:cxnLst>
-                  <a:cxn ang="T26">
-                    <a:pos x="T0" y="T1"/>
-                  </a:cxn>
-                  <a:cxn ang="T27">
-                    <a:pos x="T2" y="T3"/>
-                  </a:cxn>
-                  <a:cxn ang="T28">
-                    <a:pos x="T4" y="T5"/>
-                  </a:cxn>
-                  <a:cxn ang="T29">
-                    <a:pos x="T6" y="T7"/>
-                  </a:cxn>
-                  <a:cxn ang="T30">
-                    <a:pos x="T8" y="T9"/>
-                  </a:cxn>
-                  <a:cxn ang="T31">
-                    <a:pos x="T10" y="T11"/>
-                  </a:cxn>
-                  <a:cxn ang="T32">
-                    <a:pos x="T12" y="T13"/>
-                  </a:cxn>
-                  <a:cxn ang="T33">
-                    <a:pos x="T14" y="T15"/>
-                  </a:cxn>
-                  <a:cxn ang="T34">
-                    <a:pos x="T16" y="T17"/>
-                  </a:cxn>
-                  <a:cxn ang="T35">
-                    <a:pos x="T18" y="T19"/>
-                  </a:cxn>
-                  <a:cxn ang="T36">
-                    <a:pos x="T20" y="T21"/>
-                  </a:cxn>
-                  <a:cxn ang="T37">
-                    <a:pos x="T22" y="T23"/>
-                  </a:cxn>
-                  <a:cxn ang="T38">
-                    <a:pos x="T24" y="T25"/>
-                  </a:cxn>
-                </a:cxnLst>
-                <a:rect l="T39" t="T40" r="T41" b="T42"/>
-                <a:pathLst>
-                  <a:path w="277" h="517">
-                    <a:moveTo>
-                      <a:pt x="89" y="0"/>
-                    </a:moveTo>
-                    <a:lnTo>
-                      <a:pt x="191" y="0"/>
-                    </a:lnTo>
-                    <a:lnTo>
-                      <a:pt x="191" y="105"/>
-                    </a:lnTo>
-                    <a:lnTo>
-                      <a:pt x="225" y="105"/>
-                    </a:lnTo>
-                    <a:lnTo>
-                      <a:pt x="276" y="139"/>
-                    </a:lnTo>
-                    <a:lnTo>
-                      <a:pt x="276" y="415"/>
-                    </a:lnTo>
-                    <a:lnTo>
-                      <a:pt x="225" y="516"/>
-                    </a:lnTo>
-                    <a:lnTo>
-                      <a:pt x="51" y="516"/>
-                    </a:lnTo>
-                    <a:lnTo>
-                      <a:pt x="0" y="415"/>
-                    </a:lnTo>
-                    <a:lnTo>
-                      <a:pt x="0" y="139"/>
-                    </a:lnTo>
-                    <a:lnTo>
-                      <a:pt x="51" y="105"/>
-                    </a:lnTo>
-                    <a:lnTo>
-                      <a:pt x="89" y="105"/>
-                    </a:lnTo>
-                    <a:lnTo>
-                      <a:pt x="89" y="0"/>
-                    </a:lnTo>
-                  </a:path>
-                </a:pathLst>
-              </a:custGeom>
-              <a:solidFill>
-                <a:srgbClr val="FFCC99"/>
-              </a:solidFill>
-              <a:ln w="12700" cap="rnd">
-                <a:solidFill>
-                  <a:schemeClr val="tx1"/>
-                </a:solidFill>
-                <a:round/>
-                <a:headEnd/>
-                <a:tailEnd/>
-              </a:ln>
-            </p:spPr>
-            <p:txBody>
-              <a:bodyPr/>
-              <a:lstStyle/>
-              <a:p>
-                <a:pPr eaLnBrk="1" hangingPunct="1">
-                  <a:defRPr/>
-                </a:pPr>
-                <a:endParaRPr lang="en-US" sz="1000" b="1" dirty="0">
-                  <a:latin typeface="Arial" charset="0"/>
-                  <a:ea typeface="ＭＳ Ｐゴシック" charset="-128"/>
-                </a:endParaRPr>
-              </a:p>
-            </p:txBody>
-          </p:sp>
-        </p:grpSp>
-        <p:sp>
-          <p:nvSpPr>
-            <p:cNvPr id="213" name="TextBox 114">
-              <a:extLst>
-                <a:ext uri="{FF2B5EF4-FFF2-40B4-BE49-F238E27FC236}">
-                  <a16:creationId xmlns:a16="http://schemas.microsoft.com/office/drawing/2014/main" id="{D9015F8F-4DC1-0748-89B8-8EA47D2F9563}"/>
-                </a:ext>
-              </a:extLst>
-            </p:cNvPr>
-            <p:cNvSpPr txBox="1">
-              <a:spLocks noChangeArrowheads="1"/>
-            </p:cNvSpPr>
-            <p:nvPr/>
-          </p:nvSpPr>
-          <p:spPr bwMode="auto">
-            <a:xfrm>
-              <a:off x="6553200" y="5627688"/>
-              <a:ext cx="381000" cy="246062"/>
-            </a:xfrm>
-            <a:prstGeom prst="rect">
-              <a:avLst/>
-            </a:prstGeom>
-            <a:noFill/>
-            <a:ln>
-              <a:noFill/>
-            </a:ln>
-            <a:extLst>
-              <a:ext uri="{909E8E84-426E-40DD-AFC4-6F175D3DCCD1}">
-                <a14:hiddenFill xmlns:a14="http://schemas.microsoft.com/office/drawing/2010/main">
-                  <a:solidFill>
-                    <a:srgbClr val="FFFFFF"/>
-                  </a:solidFill>
-                </a14:hiddenFill>
-              </a:ext>
-              <a:ext uri="{91240B29-F687-4F45-9708-019B960494DF}">
-                <a14:hiddenLine xmlns:a14="http://schemas.microsoft.com/office/drawing/2010/main" w="9525">
-                  <a:solidFill>
-                    <a:srgbClr val="000000"/>
-                  </a:solidFill>
-                  <a:miter lim="800000"/>
-                  <a:headEnd/>
-                  <a:tailEnd/>
-                </a14:hiddenLine>
-              </a:ext>
-            </a:extLst>
-          </p:spPr>
-          <p:txBody>
-            <a:bodyPr>
-              <a:spAutoFit/>
-            </a:bodyPr>
-            <a:lstStyle>
-              <a:lvl1pPr>
-                <a:spcBef>
-                  <a:spcPct val="20000"/>
-                </a:spcBef>
-                <a:buChar char="•"/>
-                <a:defRPr sz="3400">
-                  <a:solidFill>
-                    <a:schemeClr val="tx1"/>
-                  </a:solidFill>
-                  <a:latin typeface="Arial" panose="020B0604020202020204" pitchFamily="34" charset="0"/>
-                  <a:ea typeface="ＭＳ Ｐゴシック" panose="020B0600070205080204" pitchFamily="34" charset="-128"/>
-                </a:defRPr>
-              </a:lvl1pPr>
-              <a:lvl2pPr marL="742950" indent="-285750">
-                <a:spcBef>
-                  <a:spcPct val="20000"/>
-                </a:spcBef>
-                <a:buChar char="–"/>
-                <a:defRPr sz="3000">
-                  <a:solidFill>
-                    <a:schemeClr val="tx1"/>
-                  </a:solidFill>
-                  <a:latin typeface="Arial" panose="020B0604020202020204" pitchFamily="34" charset="0"/>
-                  <a:ea typeface="ＭＳ Ｐゴシック" panose="020B0600070205080204" pitchFamily="34" charset="-128"/>
-                </a:defRPr>
-              </a:lvl2pPr>
-              <a:lvl3pPr marL="1143000" indent="-228600">
-                <a:spcBef>
-                  <a:spcPct val="20000"/>
-                </a:spcBef>
-                <a:buChar char="•"/>
-                <a:defRPr sz="2500">
-                  <a:solidFill>
-                    <a:schemeClr val="tx1"/>
-                  </a:solidFill>
-                  <a:latin typeface="Arial" panose="020B0604020202020204" pitchFamily="34" charset="0"/>
-                  <a:ea typeface="ＭＳ Ｐゴシック" panose="020B0600070205080204" pitchFamily="34" charset="-128"/>
-                </a:defRPr>
-              </a:lvl3pPr>
-              <a:lvl4pPr marL="1600200" indent="-228600">
-                <a:spcBef>
-                  <a:spcPct val="20000"/>
-                </a:spcBef>
-                <a:buChar char="–"/>
-                <a:defRPr sz="2100">
-                  <a:solidFill>
-                    <a:schemeClr val="tx1"/>
-                  </a:solidFill>
-                  <a:latin typeface="Arial" panose="020B0604020202020204" pitchFamily="34" charset="0"/>
-                  <a:ea typeface="ＭＳ Ｐゴシック" panose="020B0600070205080204" pitchFamily="34" charset="-128"/>
-                </a:defRPr>
-              </a:lvl4pPr>
-              <a:lvl5pPr marL="2057400" indent="-228600">
-                <a:spcBef>
-                  <a:spcPct val="20000"/>
-                </a:spcBef>
-                <a:buChar char="»"/>
-                <a:defRPr sz="2100">
-                  <a:solidFill>
-                    <a:schemeClr val="tx1"/>
-                  </a:solidFill>
-                  <a:latin typeface="Arial" panose="020B0604020202020204" pitchFamily="34" charset="0"/>
-                  <a:ea typeface="ＭＳ Ｐゴシック" panose="020B0600070205080204" pitchFamily="34" charset="-128"/>
-                </a:defRPr>
-              </a:lvl5pPr>
-              <a:lvl6pPr marL="2514600" indent="-228600" eaLnBrk="0" fontAlgn="base" hangingPunct="0">
-                <a:spcBef>
-                  <a:spcPct val="20000"/>
-                </a:spcBef>
-                <a:spcAft>
-                  <a:spcPct val="0"/>
-                </a:spcAft>
-                <a:buChar char="»"/>
-                <a:defRPr sz="2100">
-                  <a:solidFill>
-                    <a:schemeClr val="tx1"/>
-                  </a:solidFill>
-                  <a:latin typeface="Arial" panose="020B0604020202020204" pitchFamily="34" charset="0"/>
-                  <a:ea typeface="ＭＳ Ｐゴシック" panose="020B0600070205080204" pitchFamily="34" charset="-128"/>
-                </a:defRPr>
-              </a:lvl6pPr>
-              <a:lvl7pPr marL="2971800" indent="-228600" eaLnBrk="0" fontAlgn="base" hangingPunct="0">
-                <a:spcBef>
-                  <a:spcPct val="20000"/>
-                </a:spcBef>
-                <a:spcAft>
-                  <a:spcPct val="0"/>
-                </a:spcAft>
-                <a:buChar char="»"/>
-                <a:defRPr sz="2100">
-                  <a:solidFill>
-                    <a:schemeClr val="tx1"/>
-                  </a:solidFill>
-                  <a:latin typeface="Arial" panose="020B0604020202020204" pitchFamily="34" charset="0"/>
-                  <a:ea typeface="ＭＳ Ｐゴシック" panose="020B0600070205080204" pitchFamily="34" charset="-128"/>
-                </a:defRPr>
-              </a:lvl7pPr>
-              <a:lvl8pPr marL="3429000" indent="-228600" eaLnBrk="0" fontAlgn="base" hangingPunct="0">
-                <a:spcBef>
-                  <a:spcPct val="20000"/>
-                </a:spcBef>
-                <a:spcAft>
-                  <a:spcPct val="0"/>
-                </a:spcAft>
-                <a:buChar char="»"/>
-                <a:defRPr sz="2100">
-                  <a:solidFill>
-                    <a:schemeClr val="tx1"/>
-                  </a:solidFill>
-                  <a:latin typeface="Arial" panose="020B0604020202020204" pitchFamily="34" charset="0"/>
-                  <a:ea typeface="ＭＳ Ｐゴシック" panose="020B0600070205080204" pitchFamily="34" charset="-128"/>
-                </a:defRPr>
-              </a:lvl8pPr>
-              <a:lvl9pPr marL="3886200" indent="-228600" eaLnBrk="0" fontAlgn="base" hangingPunct="0">
-                <a:spcBef>
-                  <a:spcPct val="20000"/>
-                </a:spcBef>
-                <a:spcAft>
-                  <a:spcPct val="0"/>
-                </a:spcAft>
-                <a:buChar char="»"/>
-                <a:defRPr sz="2100">
-                  <a:solidFill>
-                    <a:schemeClr val="tx1"/>
-                  </a:solidFill>
-                  <a:latin typeface="Arial" panose="020B0604020202020204" pitchFamily="34" charset="0"/>
-                  <a:ea typeface="ＭＳ Ｐゴシック" panose="020B0600070205080204" pitchFamily="34" charset="-128"/>
-                </a:defRPr>
-              </a:lvl9pPr>
-            </a:lstStyle>
-            <a:p>
-              <a:pPr eaLnBrk="1" hangingPunct="1">
-                <a:spcBef>
-                  <a:spcPct val="0"/>
-                </a:spcBef>
-                <a:buFontTx/>
-                <a:buNone/>
-              </a:pPr>
-              <a:endParaRPr lang="en-US" altLang="en-US" sz="1000" b="1"/>
-            </a:p>
-          </p:txBody>
-        </p:sp>
-      </p:grpSp>
-      <p:grpSp>
-        <p:nvGrpSpPr>
-          <p:cNvPr id="217" name="Group 29">
-            <a:extLst>
-              <a:ext uri="{FF2B5EF4-FFF2-40B4-BE49-F238E27FC236}">
-                <a16:creationId xmlns:a16="http://schemas.microsoft.com/office/drawing/2014/main" id="{73B5D0B0-31BE-6E4A-884F-E4FF319FC132}"/>
-              </a:ext>
-            </a:extLst>
-          </p:cNvPr>
-          <p:cNvGrpSpPr>
-            <a:grpSpLocks/>
-          </p:cNvGrpSpPr>
-          <p:nvPr/>
-        </p:nvGrpSpPr>
-        <p:grpSpPr bwMode="auto">
-          <a:xfrm>
-            <a:off x="502349" y="4759873"/>
-            <a:ext cx="304800" cy="866774"/>
-            <a:chOff x="528" y="240"/>
-            <a:chExt cx="181" cy="498"/>
-          </a:xfrm>
-          <a:gradFill>
-            <a:gsLst>
-              <a:gs pos="0">
-                <a:srgbClr val="FFC000"/>
-              </a:gs>
-              <a:gs pos="30000">
-                <a:srgbClr val="D49E6C"/>
-              </a:gs>
-              <a:gs pos="70000">
-                <a:srgbClr val="A65528"/>
-              </a:gs>
-              <a:gs pos="100000">
-                <a:srgbClr val="663012"/>
-              </a:gs>
-            </a:gsLst>
-            <a:lin ang="5400000" scaled="0"/>
-          </a:gradFill>
-        </p:grpSpPr>
-        <p:sp>
-          <p:nvSpPr>
-            <p:cNvPr id="218" name="Line 30">
-              <a:extLst>
-                <a:ext uri="{FF2B5EF4-FFF2-40B4-BE49-F238E27FC236}">
-                  <a16:creationId xmlns:a16="http://schemas.microsoft.com/office/drawing/2014/main" id="{38A65848-622C-644F-9552-33DA76C02BD0}"/>
-                </a:ext>
-              </a:extLst>
-            </p:cNvPr>
-            <p:cNvSpPr>
-              <a:spLocks noChangeShapeType="1"/>
-            </p:cNvSpPr>
-            <p:nvPr/>
-          </p:nvSpPr>
-          <p:spPr bwMode="auto">
-            <a:xfrm>
-              <a:off x="535" y="485"/>
-              <a:ext cx="0" cy="253"/>
-            </a:xfrm>
-            <a:prstGeom prst="line">
-              <a:avLst/>
-            </a:prstGeom>
-            <a:grpFill/>
-            <a:ln w="28575">
-              <a:solidFill>
-                <a:schemeClr val="tx1"/>
-              </a:solidFill>
-              <a:round/>
-              <a:headEnd/>
-              <a:tailEnd/>
-            </a:ln>
-          </p:spPr>
-          <p:txBody>
-            <a:bodyPr wrap="none" anchor="ctr"/>
-            <a:lstStyle/>
-            <a:p>
-              <a:pPr eaLnBrk="1" hangingPunct="1">
-                <a:defRPr/>
-              </a:pPr>
-              <a:endParaRPr lang="en-US" b="1">
-                <a:latin typeface="Arial" charset="0"/>
-                <a:ea typeface="ＭＳ Ｐゴシック" charset="-128"/>
-              </a:endParaRPr>
-            </a:p>
-          </p:txBody>
-        </p:sp>
-        <p:sp>
-          <p:nvSpPr>
-            <p:cNvPr id="219" name="Line 31">
-              <a:extLst>
-                <a:ext uri="{FF2B5EF4-FFF2-40B4-BE49-F238E27FC236}">
-                  <a16:creationId xmlns:a16="http://schemas.microsoft.com/office/drawing/2014/main" id="{0D176F28-2F52-FE4B-9CBC-3A9B712BCD44}"/>
-                </a:ext>
-              </a:extLst>
-            </p:cNvPr>
-            <p:cNvSpPr>
-              <a:spLocks noChangeShapeType="1"/>
-            </p:cNvSpPr>
-            <p:nvPr/>
-          </p:nvSpPr>
-          <p:spPr bwMode="auto">
-            <a:xfrm>
-              <a:off x="701" y="485"/>
-              <a:ext cx="0" cy="253"/>
-            </a:xfrm>
-            <a:prstGeom prst="line">
-              <a:avLst/>
-            </a:prstGeom>
-            <a:grpFill/>
-            <a:ln w="28575">
-              <a:solidFill>
-                <a:schemeClr val="tx1"/>
-              </a:solidFill>
-              <a:round/>
-              <a:headEnd/>
-              <a:tailEnd/>
-            </a:ln>
-          </p:spPr>
-          <p:txBody>
-            <a:bodyPr wrap="none" anchor="ctr"/>
-            <a:lstStyle/>
-            <a:p>
-              <a:pPr eaLnBrk="1" hangingPunct="1">
-                <a:defRPr/>
-              </a:pPr>
-              <a:endParaRPr lang="en-US" b="1">
-                <a:latin typeface="Arial" charset="0"/>
-                <a:ea typeface="ＭＳ Ｐゴシック" charset="-128"/>
-              </a:endParaRPr>
-            </a:p>
-          </p:txBody>
-        </p:sp>
-        <p:sp>
-          <p:nvSpPr>
-            <p:cNvPr id="220" name="Freeform 32">
-              <a:extLst>
-                <a:ext uri="{FF2B5EF4-FFF2-40B4-BE49-F238E27FC236}">
-                  <a16:creationId xmlns:a16="http://schemas.microsoft.com/office/drawing/2014/main" id="{B0508738-6FA9-0C40-A8AF-8C7D43362239}"/>
-                </a:ext>
-              </a:extLst>
-            </p:cNvPr>
-            <p:cNvSpPr>
-              <a:spLocks/>
-            </p:cNvSpPr>
-            <p:nvPr/>
-          </p:nvSpPr>
-          <p:spPr bwMode="auto">
-            <a:xfrm>
-              <a:off x="528" y="240"/>
-              <a:ext cx="181" cy="332"/>
-            </a:xfrm>
-            <a:custGeom>
-              <a:avLst/>
-              <a:gdLst>
-                <a:gd name="T0" fmla="*/ 16 w 277"/>
-                <a:gd name="T1" fmla="*/ 0 h 517"/>
-                <a:gd name="T2" fmla="*/ 35 w 277"/>
-                <a:gd name="T3" fmla="*/ 0 h 517"/>
-                <a:gd name="T4" fmla="*/ 35 w 277"/>
-                <a:gd name="T5" fmla="*/ 18 h 517"/>
-                <a:gd name="T6" fmla="*/ 41 w 277"/>
-                <a:gd name="T7" fmla="*/ 18 h 517"/>
-                <a:gd name="T8" fmla="*/ 50 w 277"/>
-                <a:gd name="T9" fmla="*/ 24 h 517"/>
-                <a:gd name="T10" fmla="*/ 50 w 277"/>
-                <a:gd name="T11" fmla="*/ 71 h 517"/>
-                <a:gd name="T12" fmla="*/ 41 w 277"/>
-                <a:gd name="T13" fmla="*/ 88 h 517"/>
-                <a:gd name="T14" fmla="*/ 9 w 277"/>
-                <a:gd name="T15" fmla="*/ 88 h 517"/>
-                <a:gd name="T16" fmla="*/ 0 w 277"/>
-                <a:gd name="T17" fmla="*/ 71 h 517"/>
-                <a:gd name="T18" fmla="*/ 0 w 277"/>
-                <a:gd name="T19" fmla="*/ 24 h 517"/>
-                <a:gd name="T20" fmla="*/ 9 w 277"/>
-                <a:gd name="T21" fmla="*/ 18 h 517"/>
-                <a:gd name="T22" fmla="*/ 16 w 277"/>
-                <a:gd name="T23" fmla="*/ 18 h 517"/>
-                <a:gd name="T24" fmla="*/ 16 w 277"/>
-                <a:gd name="T25" fmla="*/ 0 h 517"/>
-                <a:gd name="T26" fmla="*/ 0 60000 65536"/>
-                <a:gd name="T27" fmla="*/ 0 60000 65536"/>
-                <a:gd name="T28" fmla="*/ 0 60000 65536"/>
-                <a:gd name="T29" fmla="*/ 0 60000 65536"/>
-                <a:gd name="T30" fmla="*/ 0 60000 65536"/>
-                <a:gd name="T31" fmla="*/ 0 60000 65536"/>
-                <a:gd name="T32" fmla="*/ 0 60000 65536"/>
-                <a:gd name="T33" fmla="*/ 0 60000 65536"/>
-                <a:gd name="T34" fmla="*/ 0 60000 65536"/>
-                <a:gd name="T35" fmla="*/ 0 60000 65536"/>
-                <a:gd name="T36" fmla="*/ 0 60000 65536"/>
-                <a:gd name="T37" fmla="*/ 0 60000 65536"/>
-                <a:gd name="T38" fmla="*/ 0 60000 65536"/>
-                <a:gd name="T39" fmla="*/ 0 w 277"/>
-                <a:gd name="T40" fmla="*/ 0 h 517"/>
-                <a:gd name="T41" fmla="*/ 277 w 277"/>
-                <a:gd name="T42" fmla="*/ 517 h 517"/>
-              </a:gdLst>
-              <a:ahLst/>
-              <a:cxnLst>
-                <a:cxn ang="T26">
-                  <a:pos x="T0" y="T1"/>
-                </a:cxn>
-                <a:cxn ang="T27">
-                  <a:pos x="T2" y="T3"/>
-                </a:cxn>
-                <a:cxn ang="T28">
-                  <a:pos x="T4" y="T5"/>
-                </a:cxn>
-                <a:cxn ang="T29">
-                  <a:pos x="T6" y="T7"/>
-                </a:cxn>
-                <a:cxn ang="T30">
-                  <a:pos x="T8" y="T9"/>
-                </a:cxn>
-                <a:cxn ang="T31">
-                  <a:pos x="T10" y="T11"/>
-                </a:cxn>
-                <a:cxn ang="T32">
-                  <a:pos x="T12" y="T13"/>
-                </a:cxn>
-                <a:cxn ang="T33">
-                  <a:pos x="T14" y="T15"/>
-                </a:cxn>
-                <a:cxn ang="T34">
-                  <a:pos x="T16" y="T17"/>
-                </a:cxn>
-                <a:cxn ang="T35">
-                  <a:pos x="T18" y="T19"/>
-                </a:cxn>
-                <a:cxn ang="T36">
-                  <a:pos x="T20" y="T21"/>
-                </a:cxn>
-                <a:cxn ang="T37">
-                  <a:pos x="T22" y="T23"/>
-                </a:cxn>
-                <a:cxn ang="T38">
-                  <a:pos x="T24" y="T25"/>
-                </a:cxn>
-              </a:cxnLst>
-              <a:rect l="T39" t="T40" r="T41" b="T42"/>
-              <a:pathLst>
-                <a:path w="277" h="517">
-                  <a:moveTo>
-                    <a:pt x="89" y="0"/>
-                  </a:moveTo>
-                  <a:lnTo>
-                    <a:pt x="191" y="0"/>
-                  </a:lnTo>
-                  <a:lnTo>
-                    <a:pt x="191" y="105"/>
-                  </a:lnTo>
-                  <a:lnTo>
-                    <a:pt x="225" y="105"/>
-                  </a:lnTo>
-                  <a:lnTo>
-                    <a:pt x="276" y="139"/>
-                  </a:lnTo>
-                  <a:lnTo>
-                    <a:pt x="276" y="415"/>
-                  </a:lnTo>
-                  <a:lnTo>
-                    <a:pt x="225" y="516"/>
-                  </a:lnTo>
-                  <a:lnTo>
-                    <a:pt x="51" y="516"/>
-                  </a:lnTo>
-                  <a:lnTo>
-                    <a:pt x="0" y="415"/>
-                  </a:lnTo>
-                  <a:lnTo>
-                    <a:pt x="0" y="139"/>
-                  </a:lnTo>
-                  <a:lnTo>
-                    <a:pt x="51" y="105"/>
-                  </a:lnTo>
-                  <a:lnTo>
-                    <a:pt x="89" y="105"/>
-                  </a:lnTo>
-                  <a:lnTo>
-                    <a:pt x="89" y="0"/>
-                  </a:lnTo>
-                </a:path>
-              </a:pathLst>
-            </a:custGeom>
-            <a:solidFill>
-              <a:srgbClr val="FFCC99"/>
-            </a:solidFill>
-            <a:ln w="12700" cap="rnd">
-              <a:solidFill>
-                <a:schemeClr val="tx1"/>
-              </a:solidFill>
-              <a:round/>
-              <a:headEnd/>
-              <a:tailEnd/>
-            </a:ln>
-          </p:spPr>
-          <p:txBody>
-            <a:bodyPr/>
-            <a:lstStyle/>
-            <a:p>
-              <a:pPr eaLnBrk="1" hangingPunct="1">
-                <a:defRPr/>
-              </a:pPr>
-              <a:endParaRPr lang="en-US" sz="1000" b="1" dirty="0">
-                <a:latin typeface="Arial" charset="0"/>
-                <a:ea typeface="ＭＳ Ｐゴシック" charset="-128"/>
-              </a:endParaRPr>
-            </a:p>
-          </p:txBody>
-        </p:sp>
-      </p:grpSp>
-      <p:sp>
-        <p:nvSpPr>
-          <p:cNvPr id="221" name="TextBox 158">
-            <a:extLst>
-              <a:ext uri="{FF2B5EF4-FFF2-40B4-BE49-F238E27FC236}">
-                <a16:creationId xmlns:a16="http://schemas.microsoft.com/office/drawing/2014/main" id="{C6C6B10E-2697-FA4F-8DBC-84E5DB64E9F2}"/>
-              </a:ext>
-            </a:extLst>
-          </p:cNvPr>
-          <p:cNvSpPr txBox="1">
-            <a:spLocks noChangeArrowheads="1"/>
-          </p:cNvSpPr>
-          <p:nvPr/>
-        </p:nvSpPr>
-        <p:spPr bwMode="auto">
-          <a:xfrm>
-            <a:off x="914400" y="7250112"/>
-            <a:ext cx="914400" cy="261938"/>
-          </a:xfrm>
-          <a:prstGeom prst="rect">
-            <a:avLst/>
-          </a:prstGeom>
-          <a:noFill/>
-          <a:ln>
-            <a:noFill/>
-          </a:ln>
-          <a:extLst>
-            <a:ext uri="{909E8E84-426E-40DD-AFC4-6F175D3DCCD1}">
-              <a14:hiddenFill xmlns:a14="http://schemas.microsoft.com/office/drawing/2010/main">
-                <a:solidFill>
-                  <a:srgbClr val="FFFFFF"/>
-                </a:solidFill>
-              </a14:hiddenFill>
-            </a:ext>
-            <a:ext uri="{91240B29-F687-4F45-9708-019B960494DF}">
-              <a14:hiddenLine xmlns:a14="http://schemas.microsoft.com/office/drawing/2010/main" w="9525">
-                <a:solidFill>
-                  <a:srgbClr val="000000"/>
-                </a:solidFill>
-                <a:miter lim="800000"/>
-                <a:headEnd/>
-                <a:tailEnd/>
-              </a14:hiddenLine>
-            </a:ext>
-          </a:extLst>
-        </p:spPr>
-        <p:txBody>
-          <a:bodyPr>
-            <a:spAutoFit/>
-          </a:bodyPr>
-          <a:lstStyle>
-            <a:lvl1pPr>
-              <a:spcBef>
-                <a:spcPct val="20000"/>
-              </a:spcBef>
-              <a:buChar char="•"/>
-              <a:defRPr sz="3400">
-                <a:solidFill>
-                  <a:schemeClr val="tx1"/>
-                </a:solidFill>
-                <a:latin typeface="Arial" panose="020B0604020202020204" pitchFamily="34" charset="0"/>
-                <a:ea typeface="ＭＳ Ｐゴシック" panose="020B0600070205080204" pitchFamily="34" charset="-128"/>
-              </a:defRPr>
-            </a:lvl1pPr>
-            <a:lvl2pPr marL="742950" indent="-285750">
-              <a:spcBef>
-                <a:spcPct val="20000"/>
-              </a:spcBef>
-              <a:buChar char="–"/>
-              <a:defRPr sz="3000">
-                <a:solidFill>
-                  <a:schemeClr val="tx1"/>
-                </a:solidFill>
-                <a:latin typeface="Arial" panose="020B0604020202020204" pitchFamily="34" charset="0"/>
-                <a:ea typeface="ＭＳ Ｐゴシック" panose="020B0600070205080204" pitchFamily="34" charset="-128"/>
-              </a:defRPr>
-            </a:lvl2pPr>
-            <a:lvl3pPr marL="1143000" indent="-228600">
-              <a:spcBef>
-                <a:spcPct val="20000"/>
-              </a:spcBef>
-              <a:buChar char="•"/>
-              <a:defRPr sz="2500">
-                <a:solidFill>
-                  <a:schemeClr val="tx1"/>
-                </a:solidFill>
-                <a:latin typeface="Arial" panose="020B0604020202020204" pitchFamily="34" charset="0"/>
-                <a:ea typeface="ＭＳ Ｐゴシック" panose="020B0600070205080204" pitchFamily="34" charset="-128"/>
-              </a:defRPr>
-            </a:lvl3pPr>
-            <a:lvl4pPr marL="1600200" indent="-228600">
-              <a:spcBef>
-                <a:spcPct val="20000"/>
-              </a:spcBef>
-              <a:buChar char="–"/>
-              <a:defRPr sz="2100">
-                <a:solidFill>
-                  <a:schemeClr val="tx1"/>
-                </a:solidFill>
-                <a:latin typeface="Arial" panose="020B0604020202020204" pitchFamily="34" charset="0"/>
-                <a:ea typeface="ＭＳ Ｐゴシック" panose="020B0600070205080204" pitchFamily="34" charset="-128"/>
-              </a:defRPr>
-            </a:lvl4pPr>
-            <a:lvl5pPr marL="2057400" indent="-228600">
-              <a:spcBef>
-                <a:spcPct val="20000"/>
-              </a:spcBef>
-              <a:buChar char="»"/>
-              <a:defRPr sz="2100">
-                <a:solidFill>
-                  <a:schemeClr val="tx1"/>
-                </a:solidFill>
-                <a:latin typeface="Arial" panose="020B0604020202020204" pitchFamily="34" charset="0"/>
-                <a:ea typeface="ＭＳ Ｐゴシック" panose="020B0600070205080204" pitchFamily="34" charset="-128"/>
-              </a:defRPr>
-            </a:lvl5pPr>
-            <a:lvl6pPr marL="2514600" indent="-228600" eaLnBrk="0" fontAlgn="base" hangingPunct="0">
-              <a:spcBef>
-                <a:spcPct val="20000"/>
-              </a:spcBef>
-              <a:spcAft>
-                <a:spcPct val="0"/>
-              </a:spcAft>
-              <a:buChar char="»"/>
-              <a:defRPr sz="2100">
-                <a:solidFill>
-                  <a:schemeClr val="tx1"/>
-                </a:solidFill>
-                <a:latin typeface="Arial" panose="020B0604020202020204" pitchFamily="34" charset="0"/>
-                <a:ea typeface="ＭＳ Ｐゴシック" panose="020B0600070205080204" pitchFamily="34" charset="-128"/>
-              </a:defRPr>
-            </a:lvl6pPr>
-            <a:lvl7pPr marL="2971800" indent="-228600" eaLnBrk="0" fontAlgn="base" hangingPunct="0">
-              <a:spcBef>
-                <a:spcPct val="20000"/>
-              </a:spcBef>
-              <a:spcAft>
-                <a:spcPct val="0"/>
-              </a:spcAft>
-              <a:buChar char="»"/>
-              <a:defRPr sz="2100">
-                <a:solidFill>
-                  <a:schemeClr val="tx1"/>
-                </a:solidFill>
-                <a:latin typeface="Arial" panose="020B0604020202020204" pitchFamily="34" charset="0"/>
-                <a:ea typeface="ＭＳ Ｐゴシック" panose="020B0600070205080204" pitchFamily="34" charset="-128"/>
-              </a:defRPr>
-            </a:lvl7pPr>
-            <a:lvl8pPr marL="3429000" indent="-228600" eaLnBrk="0" fontAlgn="base" hangingPunct="0">
-              <a:spcBef>
-                <a:spcPct val="20000"/>
-              </a:spcBef>
-              <a:spcAft>
-                <a:spcPct val="0"/>
-              </a:spcAft>
-              <a:buChar char="»"/>
-              <a:defRPr sz="2100">
-                <a:solidFill>
-                  <a:schemeClr val="tx1"/>
-                </a:solidFill>
-                <a:latin typeface="Arial" panose="020B0604020202020204" pitchFamily="34" charset="0"/>
-                <a:ea typeface="ＭＳ Ｐゴシック" panose="020B0600070205080204" pitchFamily="34" charset="-128"/>
-              </a:defRPr>
-            </a:lvl8pPr>
-            <a:lvl9pPr marL="3886200" indent="-228600" eaLnBrk="0" fontAlgn="base" hangingPunct="0">
-              <a:spcBef>
-                <a:spcPct val="20000"/>
-              </a:spcBef>
-              <a:spcAft>
-                <a:spcPct val="0"/>
-              </a:spcAft>
-              <a:buChar char="»"/>
-              <a:defRPr sz="2100">
-                <a:solidFill>
-                  <a:schemeClr val="tx1"/>
-                </a:solidFill>
-                <a:latin typeface="Arial" panose="020B0604020202020204" pitchFamily="34" charset="0"/>
-                <a:ea typeface="ＭＳ Ｐゴシック" panose="020B0600070205080204" pitchFamily="34" charset="-128"/>
-              </a:defRPr>
-            </a:lvl9pPr>
-          </a:lstStyle>
-          <a:p>
-            <a:pPr eaLnBrk="1" hangingPunct="1">
-              <a:spcBef>
-                <a:spcPct val="0"/>
-              </a:spcBef>
-              <a:buFontTx/>
-              <a:buNone/>
-            </a:pPr>
-            <a:r>
-              <a:rPr lang="en-US" altLang="en-US" sz="1100" b="1"/>
-              <a:t> </a:t>
-            </a:r>
-          </a:p>
-        </p:txBody>
-      </p:sp>
-      <p:sp>
-        <p:nvSpPr>
-          <p:cNvPr id="222" name="TextBox 114">
-            <a:extLst>
-              <a:ext uri="{FF2B5EF4-FFF2-40B4-BE49-F238E27FC236}">
-                <a16:creationId xmlns:a16="http://schemas.microsoft.com/office/drawing/2014/main" id="{110800E1-2661-024E-A5B9-A1DB937227A8}"/>
-              </a:ext>
-            </a:extLst>
-          </p:cNvPr>
-          <p:cNvSpPr txBox="1">
-            <a:spLocks noChangeArrowheads="1"/>
-          </p:cNvSpPr>
-          <p:nvPr/>
-        </p:nvSpPr>
-        <p:spPr bwMode="auto">
-          <a:xfrm>
-            <a:off x="665163" y="8027987"/>
-            <a:ext cx="381000" cy="246063"/>
-          </a:xfrm>
-          <a:prstGeom prst="rect">
-            <a:avLst/>
-          </a:prstGeom>
-          <a:noFill/>
-          <a:ln>
-            <a:noFill/>
-          </a:ln>
-          <a:extLst>
-            <a:ext uri="{909E8E84-426E-40DD-AFC4-6F175D3DCCD1}">
-              <a14:hiddenFill xmlns:a14="http://schemas.microsoft.com/office/drawing/2010/main">
-                <a:solidFill>
-                  <a:srgbClr val="FFFFFF"/>
-                </a:solidFill>
-              </a14:hiddenFill>
-            </a:ext>
-            <a:ext uri="{91240B29-F687-4F45-9708-019B960494DF}">
-              <a14:hiddenLine xmlns:a14="http://schemas.microsoft.com/office/drawing/2010/main" w="9525">
-                <a:solidFill>
-                  <a:srgbClr val="000000"/>
-                </a:solidFill>
-                <a:miter lim="800000"/>
-                <a:headEnd/>
-                <a:tailEnd/>
-              </a14:hiddenLine>
-            </a:ext>
-          </a:extLst>
-        </p:spPr>
-        <p:txBody>
-          <a:bodyPr>
-            <a:spAutoFit/>
-          </a:bodyPr>
-          <a:lstStyle>
-            <a:lvl1pPr>
-              <a:spcBef>
-                <a:spcPct val="20000"/>
-              </a:spcBef>
-              <a:buChar char="•"/>
-              <a:defRPr sz="3400">
-                <a:solidFill>
-                  <a:schemeClr val="tx1"/>
-                </a:solidFill>
-                <a:latin typeface="Arial" panose="020B0604020202020204" pitchFamily="34" charset="0"/>
-                <a:ea typeface="ＭＳ Ｐゴシック" panose="020B0600070205080204" pitchFamily="34" charset="-128"/>
-              </a:defRPr>
-            </a:lvl1pPr>
-            <a:lvl2pPr marL="742950" indent="-285750">
-              <a:spcBef>
-                <a:spcPct val="20000"/>
-              </a:spcBef>
-              <a:buChar char="–"/>
-              <a:defRPr sz="3000">
-                <a:solidFill>
-                  <a:schemeClr val="tx1"/>
-                </a:solidFill>
-                <a:latin typeface="Arial" panose="020B0604020202020204" pitchFamily="34" charset="0"/>
-                <a:ea typeface="ＭＳ Ｐゴシック" panose="020B0600070205080204" pitchFamily="34" charset="-128"/>
-              </a:defRPr>
-            </a:lvl2pPr>
-            <a:lvl3pPr marL="1143000" indent="-228600">
-              <a:spcBef>
-                <a:spcPct val="20000"/>
-              </a:spcBef>
-              <a:buChar char="•"/>
-              <a:defRPr sz="2500">
-                <a:solidFill>
-                  <a:schemeClr val="tx1"/>
-                </a:solidFill>
-                <a:latin typeface="Arial" panose="020B0604020202020204" pitchFamily="34" charset="0"/>
-                <a:ea typeface="ＭＳ Ｐゴシック" panose="020B0600070205080204" pitchFamily="34" charset="-128"/>
-              </a:defRPr>
-            </a:lvl3pPr>
-            <a:lvl4pPr marL="1600200" indent="-228600">
-              <a:spcBef>
-                <a:spcPct val="20000"/>
-              </a:spcBef>
-              <a:buChar char="–"/>
-              <a:defRPr sz="2100">
-                <a:solidFill>
-                  <a:schemeClr val="tx1"/>
-                </a:solidFill>
-                <a:latin typeface="Arial" panose="020B0604020202020204" pitchFamily="34" charset="0"/>
-                <a:ea typeface="ＭＳ Ｐゴシック" panose="020B0600070205080204" pitchFamily="34" charset="-128"/>
-              </a:defRPr>
-            </a:lvl4pPr>
-            <a:lvl5pPr marL="2057400" indent="-228600">
-              <a:spcBef>
-                <a:spcPct val="20000"/>
-              </a:spcBef>
-              <a:buChar char="»"/>
-              <a:defRPr sz="2100">
-                <a:solidFill>
-                  <a:schemeClr val="tx1"/>
-                </a:solidFill>
-                <a:latin typeface="Arial" panose="020B0604020202020204" pitchFamily="34" charset="0"/>
-                <a:ea typeface="ＭＳ Ｐゴシック" panose="020B0600070205080204" pitchFamily="34" charset="-128"/>
-              </a:defRPr>
-            </a:lvl5pPr>
-            <a:lvl6pPr marL="2514600" indent="-228600" eaLnBrk="0" fontAlgn="base" hangingPunct="0">
-              <a:spcBef>
-                <a:spcPct val="20000"/>
-              </a:spcBef>
-              <a:spcAft>
-                <a:spcPct val="0"/>
-              </a:spcAft>
-              <a:buChar char="»"/>
-              <a:defRPr sz="2100">
-                <a:solidFill>
-                  <a:schemeClr val="tx1"/>
-                </a:solidFill>
-                <a:latin typeface="Arial" panose="020B0604020202020204" pitchFamily="34" charset="0"/>
-                <a:ea typeface="ＭＳ Ｐゴシック" panose="020B0600070205080204" pitchFamily="34" charset="-128"/>
-              </a:defRPr>
-            </a:lvl6pPr>
-            <a:lvl7pPr marL="2971800" indent="-228600" eaLnBrk="0" fontAlgn="base" hangingPunct="0">
-              <a:spcBef>
-                <a:spcPct val="20000"/>
-              </a:spcBef>
-              <a:spcAft>
-                <a:spcPct val="0"/>
-              </a:spcAft>
-              <a:buChar char="»"/>
-              <a:defRPr sz="2100">
-                <a:solidFill>
-                  <a:schemeClr val="tx1"/>
-                </a:solidFill>
-                <a:latin typeface="Arial" panose="020B0604020202020204" pitchFamily="34" charset="0"/>
-                <a:ea typeface="ＭＳ Ｐゴシック" panose="020B0600070205080204" pitchFamily="34" charset="-128"/>
-              </a:defRPr>
-            </a:lvl7pPr>
-            <a:lvl8pPr marL="3429000" indent="-228600" eaLnBrk="0" fontAlgn="base" hangingPunct="0">
-              <a:spcBef>
-                <a:spcPct val="20000"/>
-              </a:spcBef>
-              <a:spcAft>
-                <a:spcPct val="0"/>
-              </a:spcAft>
-              <a:buChar char="»"/>
-              <a:defRPr sz="2100">
-                <a:solidFill>
-                  <a:schemeClr val="tx1"/>
-                </a:solidFill>
-                <a:latin typeface="Arial" panose="020B0604020202020204" pitchFamily="34" charset="0"/>
-                <a:ea typeface="ＭＳ Ｐゴシック" panose="020B0600070205080204" pitchFamily="34" charset="-128"/>
-              </a:defRPr>
-            </a:lvl8pPr>
-            <a:lvl9pPr marL="3886200" indent="-228600" eaLnBrk="0" fontAlgn="base" hangingPunct="0">
-              <a:spcBef>
-                <a:spcPct val="20000"/>
-              </a:spcBef>
-              <a:spcAft>
-                <a:spcPct val="0"/>
-              </a:spcAft>
-              <a:buChar char="»"/>
-              <a:defRPr sz="2100">
-                <a:solidFill>
-                  <a:schemeClr val="tx1"/>
-                </a:solidFill>
-                <a:latin typeface="Arial" panose="020B0604020202020204" pitchFamily="34" charset="0"/>
-                <a:ea typeface="ＭＳ Ｐゴシック" panose="020B0600070205080204" pitchFamily="34" charset="-128"/>
-              </a:defRPr>
-            </a:lvl9pPr>
-          </a:lstStyle>
-          <a:p>
-            <a:pPr eaLnBrk="1" hangingPunct="1">
-              <a:spcBef>
-                <a:spcPct val="0"/>
-              </a:spcBef>
-              <a:buFontTx/>
-              <a:buNone/>
-            </a:pPr>
-            <a:r>
-              <a:rPr lang="en-US" altLang="en-US" sz="1000" b="1"/>
-              <a:t> </a:t>
-            </a:r>
-          </a:p>
-        </p:txBody>
-      </p:sp>
-      <p:grpSp>
-        <p:nvGrpSpPr>
-          <p:cNvPr id="223" name="Group 29">
-            <a:extLst>
-              <a:ext uri="{FF2B5EF4-FFF2-40B4-BE49-F238E27FC236}">
-                <a16:creationId xmlns:a16="http://schemas.microsoft.com/office/drawing/2014/main" id="{AD6B9FB5-8AAD-8E40-9133-F495079627F8}"/>
-              </a:ext>
-            </a:extLst>
-          </p:cNvPr>
-          <p:cNvGrpSpPr>
-            <a:grpSpLocks/>
-          </p:cNvGrpSpPr>
-          <p:nvPr/>
-        </p:nvGrpSpPr>
-        <p:grpSpPr bwMode="auto">
-          <a:xfrm>
-            <a:off x="5085622" y="5023316"/>
-            <a:ext cx="304800" cy="866774"/>
-            <a:chOff x="528" y="240"/>
-            <a:chExt cx="181" cy="498"/>
-          </a:xfrm>
-          <a:gradFill>
-            <a:gsLst>
-              <a:gs pos="0">
-                <a:srgbClr val="FFC000"/>
-              </a:gs>
-              <a:gs pos="30000">
-                <a:srgbClr val="D49E6C"/>
-              </a:gs>
-              <a:gs pos="70000">
-                <a:srgbClr val="A65528"/>
-              </a:gs>
-              <a:gs pos="100000">
-                <a:srgbClr val="663012"/>
-              </a:gs>
-            </a:gsLst>
-            <a:lin ang="5400000" scaled="0"/>
-          </a:gradFill>
-        </p:grpSpPr>
-        <p:sp>
-          <p:nvSpPr>
-            <p:cNvPr id="224" name="Line 30">
-              <a:extLst>
-                <a:ext uri="{FF2B5EF4-FFF2-40B4-BE49-F238E27FC236}">
-                  <a16:creationId xmlns:a16="http://schemas.microsoft.com/office/drawing/2014/main" id="{474D8ED0-D520-6A46-8233-A0BEB257309E}"/>
-                </a:ext>
-              </a:extLst>
-            </p:cNvPr>
-            <p:cNvSpPr>
-              <a:spLocks noChangeShapeType="1"/>
-            </p:cNvSpPr>
-            <p:nvPr/>
-          </p:nvSpPr>
-          <p:spPr bwMode="auto">
-            <a:xfrm>
-              <a:off x="535" y="485"/>
-              <a:ext cx="0" cy="253"/>
-            </a:xfrm>
-            <a:prstGeom prst="line">
-              <a:avLst/>
-            </a:prstGeom>
-            <a:grpFill/>
-            <a:ln w="28575">
-              <a:solidFill>
-                <a:schemeClr val="tx1"/>
-              </a:solidFill>
-              <a:round/>
-              <a:headEnd/>
-              <a:tailEnd/>
-            </a:ln>
-          </p:spPr>
-          <p:txBody>
-            <a:bodyPr wrap="none" anchor="ctr"/>
-            <a:lstStyle/>
-            <a:p>
-              <a:pPr eaLnBrk="1" hangingPunct="1">
-                <a:defRPr/>
-              </a:pPr>
-              <a:endParaRPr lang="en-US" b="1">
-                <a:latin typeface="Arial" charset="0"/>
-                <a:ea typeface="ＭＳ Ｐゴシック" charset="-128"/>
-              </a:endParaRPr>
-            </a:p>
-          </p:txBody>
-        </p:sp>
-        <p:sp>
-          <p:nvSpPr>
-            <p:cNvPr id="225" name="Line 31">
-              <a:extLst>
-                <a:ext uri="{FF2B5EF4-FFF2-40B4-BE49-F238E27FC236}">
-                  <a16:creationId xmlns:a16="http://schemas.microsoft.com/office/drawing/2014/main" id="{1BC8D938-E837-BC4C-A4DF-A0E41B786238}"/>
-                </a:ext>
-              </a:extLst>
-            </p:cNvPr>
-            <p:cNvSpPr>
-              <a:spLocks noChangeShapeType="1"/>
-            </p:cNvSpPr>
-            <p:nvPr/>
-          </p:nvSpPr>
-          <p:spPr bwMode="auto">
-            <a:xfrm>
-              <a:off x="701" y="485"/>
-              <a:ext cx="0" cy="253"/>
-            </a:xfrm>
-            <a:prstGeom prst="line">
-              <a:avLst/>
-            </a:prstGeom>
-            <a:grpFill/>
-            <a:ln w="28575">
-              <a:solidFill>
-                <a:schemeClr val="tx1"/>
-              </a:solidFill>
-              <a:round/>
-              <a:headEnd/>
-              <a:tailEnd/>
-            </a:ln>
-          </p:spPr>
-          <p:txBody>
-            <a:bodyPr wrap="none" anchor="ctr"/>
-            <a:lstStyle/>
-            <a:p>
-              <a:pPr eaLnBrk="1" hangingPunct="1">
-                <a:defRPr/>
-              </a:pPr>
-              <a:endParaRPr lang="en-US" b="1">
-                <a:latin typeface="Arial" charset="0"/>
-                <a:ea typeface="ＭＳ Ｐゴシック" charset="-128"/>
-              </a:endParaRPr>
-            </a:p>
-          </p:txBody>
-        </p:sp>
-        <p:sp>
-          <p:nvSpPr>
-            <p:cNvPr id="226" name="Freeform 32">
-              <a:extLst>
-                <a:ext uri="{FF2B5EF4-FFF2-40B4-BE49-F238E27FC236}">
-                  <a16:creationId xmlns:a16="http://schemas.microsoft.com/office/drawing/2014/main" id="{8F37C180-A1DC-6448-A602-A9A809052279}"/>
-                </a:ext>
-              </a:extLst>
-            </p:cNvPr>
-            <p:cNvSpPr>
-              <a:spLocks/>
-            </p:cNvSpPr>
-            <p:nvPr/>
-          </p:nvSpPr>
-          <p:spPr bwMode="auto">
-            <a:xfrm>
-              <a:off x="528" y="240"/>
-              <a:ext cx="181" cy="332"/>
-            </a:xfrm>
-            <a:custGeom>
-              <a:avLst/>
-              <a:gdLst>
-                <a:gd name="T0" fmla="*/ 16 w 277"/>
-                <a:gd name="T1" fmla="*/ 0 h 517"/>
-                <a:gd name="T2" fmla="*/ 35 w 277"/>
-                <a:gd name="T3" fmla="*/ 0 h 517"/>
-                <a:gd name="T4" fmla="*/ 35 w 277"/>
-                <a:gd name="T5" fmla="*/ 18 h 517"/>
-                <a:gd name="T6" fmla="*/ 41 w 277"/>
-                <a:gd name="T7" fmla="*/ 18 h 517"/>
-                <a:gd name="T8" fmla="*/ 50 w 277"/>
-                <a:gd name="T9" fmla="*/ 24 h 517"/>
-                <a:gd name="T10" fmla="*/ 50 w 277"/>
-                <a:gd name="T11" fmla="*/ 71 h 517"/>
-                <a:gd name="T12" fmla="*/ 41 w 277"/>
-                <a:gd name="T13" fmla="*/ 88 h 517"/>
-                <a:gd name="T14" fmla="*/ 9 w 277"/>
-                <a:gd name="T15" fmla="*/ 88 h 517"/>
-                <a:gd name="T16" fmla="*/ 0 w 277"/>
-                <a:gd name="T17" fmla="*/ 71 h 517"/>
-                <a:gd name="T18" fmla="*/ 0 w 277"/>
-                <a:gd name="T19" fmla="*/ 24 h 517"/>
-                <a:gd name="T20" fmla="*/ 9 w 277"/>
-                <a:gd name="T21" fmla="*/ 18 h 517"/>
-                <a:gd name="T22" fmla="*/ 16 w 277"/>
-                <a:gd name="T23" fmla="*/ 18 h 517"/>
-                <a:gd name="T24" fmla="*/ 16 w 277"/>
-                <a:gd name="T25" fmla="*/ 0 h 517"/>
-                <a:gd name="T26" fmla="*/ 0 60000 65536"/>
-                <a:gd name="T27" fmla="*/ 0 60000 65536"/>
-                <a:gd name="T28" fmla="*/ 0 60000 65536"/>
-                <a:gd name="T29" fmla="*/ 0 60000 65536"/>
-                <a:gd name="T30" fmla="*/ 0 60000 65536"/>
-                <a:gd name="T31" fmla="*/ 0 60000 65536"/>
-                <a:gd name="T32" fmla="*/ 0 60000 65536"/>
-                <a:gd name="T33" fmla="*/ 0 60000 65536"/>
-                <a:gd name="T34" fmla="*/ 0 60000 65536"/>
-                <a:gd name="T35" fmla="*/ 0 60000 65536"/>
-                <a:gd name="T36" fmla="*/ 0 60000 65536"/>
-                <a:gd name="T37" fmla="*/ 0 60000 65536"/>
-                <a:gd name="T38" fmla="*/ 0 60000 65536"/>
-                <a:gd name="T39" fmla="*/ 0 w 277"/>
-                <a:gd name="T40" fmla="*/ 0 h 517"/>
-                <a:gd name="T41" fmla="*/ 277 w 277"/>
-                <a:gd name="T42" fmla="*/ 517 h 517"/>
-              </a:gdLst>
-              <a:ahLst/>
-              <a:cxnLst>
-                <a:cxn ang="T26">
-                  <a:pos x="T0" y="T1"/>
-                </a:cxn>
-                <a:cxn ang="T27">
-                  <a:pos x="T2" y="T3"/>
-                </a:cxn>
-                <a:cxn ang="T28">
-                  <a:pos x="T4" y="T5"/>
-                </a:cxn>
-                <a:cxn ang="T29">
-                  <a:pos x="T6" y="T7"/>
-                </a:cxn>
-                <a:cxn ang="T30">
-                  <a:pos x="T8" y="T9"/>
-                </a:cxn>
-                <a:cxn ang="T31">
-                  <a:pos x="T10" y="T11"/>
-                </a:cxn>
-                <a:cxn ang="T32">
-                  <a:pos x="T12" y="T13"/>
-                </a:cxn>
-                <a:cxn ang="T33">
-                  <a:pos x="T14" y="T15"/>
-                </a:cxn>
-                <a:cxn ang="T34">
-                  <a:pos x="T16" y="T17"/>
-                </a:cxn>
-                <a:cxn ang="T35">
-                  <a:pos x="T18" y="T19"/>
-                </a:cxn>
-                <a:cxn ang="T36">
-                  <a:pos x="T20" y="T21"/>
-                </a:cxn>
-                <a:cxn ang="T37">
-                  <a:pos x="T22" y="T23"/>
-                </a:cxn>
-                <a:cxn ang="T38">
-                  <a:pos x="T24" y="T25"/>
-                </a:cxn>
-              </a:cxnLst>
-              <a:rect l="T39" t="T40" r="T41" b="T42"/>
-              <a:pathLst>
-                <a:path w="277" h="517">
-                  <a:moveTo>
-                    <a:pt x="89" y="0"/>
-                  </a:moveTo>
-                  <a:lnTo>
-                    <a:pt x="191" y="0"/>
-                  </a:lnTo>
-                  <a:lnTo>
-                    <a:pt x="191" y="105"/>
-                  </a:lnTo>
-                  <a:lnTo>
-                    <a:pt x="225" y="105"/>
-                  </a:lnTo>
-                  <a:lnTo>
-                    <a:pt x="276" y="139"/>
-                  </a:lnTo>
-                  <a:lnTo>
-                    <a:pt x="276" y="415"/>
-                  </a:lnTo>
-                  <a:lnTo>
-                    <a:pt x="225" y="516"/>
-                  </a:lnTo>
-                  <a:lnTo>
-                    <a:pt x="51" y="516"/>
-                  </a:lnTo>
-                  <a:lnTo>
-                    <a:pt x="0" y="415"/>
-                  </a:lnTo>
-                  <a:lnTo>
-                    <a:pt x="0" y="139"/>
-                  </a:lnTo>
-                  <a:lnTo>
-                    <a:pt x="51" y="105"/>
-                  </a:lnTo>
-                  <a:lnTo>
-                    <a:pt x="89" y="105"/>
-                  </a:lnTo>
-                  <a:lnTo>
-                    <a:pt x="89" y="0"/>
-                  </a:lnTo>
-                </a:path>
-              </a:pathLst>
-            </a:custGeom>
-            <a:solidFill>
-              <a:srgbClr val="FFCC99"/>
-            </a:solidFill>
-            <a:ln w="12700" cap="rnd">
-              <a:solidFill>
-                <a:schemeClr val="tx1"/>
-              </a:solidFill>
-              <a:round/>
-              <a:headEnd/>
-              <a:tailEnd/>
-            </a:ln>
-          </p:spPr>
-          <p:txBody>
-            <a:bodyPr/>
-            <a:lstStyle/>
-            <a:p>
-              <a:pPr eaLnBrk="1" hangingPunct="1">
-                <a:defRPr/>
-              </a:pPr>
-              <a:endParaRPr lang="en-US" sz="1000" b="1" dirty="0">
-                <a:latin typeface="Arial" charset="0"/>
-                <a:ea typeface="ＭＳ Ｐゴシック" charset="-128"/>
-              </a:endParaRPr>
-            </a:p>
-          </p:txBody>
-        </p:sp>
-      </p:grpSp>
-      <p:grpSp>
-        <p:nvGrpSpPr>
-          <p:cNvPr id="227" name="Group 29">
-            <a:extLst>
-              <a:ext uri="{FF2B5EF4-FFF2-40B4-BE49-F238E27FC236}">
-                <a16:creationId xmlns:a16="http://schemas.microsoft.com/office/drawing/2014/main" id="{0087D02D-A1EF-B94F-A20B-4F779C1C99EE}"/>
-              </a:ext>
-            </a:extLst>
-          </p:cNvPr>
-          <p:cNvGrpSpPr>
-            <a:grpSpLocks/>
-          </p:cNvGrpSpPr>
-          <p:nvPr/>
-        </p:nvGrpSpPr>
-        <p:grpSpPr bwMode="auto">
-          <a:xfrm>
-            <a:off x="5344109" y="6300788"/>
-            <a:ext cx="304800" cy="866774"/>
-            <a:chOff x="528" y="240"/>
-            <a:chExt cx="181" cy="498"/>
-          </a:xfrm>
-          <a:gradFill>
-            <a:gsLst>
-              <a:gs pos="0">
-                <a:srgbClr val="FFC000"/>
-              </a:gs>
-              <a:gs pos="30000">
-                <a:srgbClr val="D49E6C"/>
-              </a:gs>
-              <a:gs pos="70000">
-                <a:srgbClr val="A65528"/>
-              </a:gs>
-              <a:gs pos="100000">
-                <a:srgbClr val="663012"/>
-              </a:gs>
-            </a:gsLst>
-            <a:lin ang="5400000" scaled="0"/>
-          </a:gradFill>
-        </p:grpSpPr>
-        <p:sp>
-          <p:nvSpPr>
-            <p:cNvPr id="228" name="Line 30">
-              <a:extLst>
-                <a:ext uri="{FF2B5EF4-FFF2-40B4-BE49-F238E27FC236}">
-                  <a16:creationId xmlns:a16="http://schemas.microsoft.com/office/drawing/2014/main" id="{755BEDAB-4989-FF4D-AF89-9936099AC4C9}"/>
-                </a:ext>
-              </a:extLst>
-            </p:cNvPr>
-            <p:cNvSpPr>
-              <a:spLocks noChangeShapeType="1"/>
-            </p:cNvSpPr>
-            <p:nvPr/>
-          </p:nvSpPr>
-          <p:spPr bwMode="auto">
-            <a:xfrm>
-              <a:off x="535" y="485"/>
-              <a:ext cx="0" cy="253"/>
-            </a:xfrm>
-            <a:prstGeom prst="line">
-              <a:avLst/>
-            </a:prstGeom>
-            <a:grpFill/>
-            <a:ln w="28575">
-              <a:solidFill>
-                <a:schemeClr val="tx1"/>
-              </a:solidFill>
-              <a:round/>
-              <a:headEnd/>
-              <a:tailEnd/>
-            </a:ln>
-          </p:spPr>
-          <p:txBody>
-            <a:bodyPr wrap="none" anchor="ctr"/>
-            <a:lstStyle/>
-            <a:p>
-              <a:pPr eaLnBrk="1" hangingPunct="1">
-                <a:defRPr/>
-              </a:pPr>
-              <a:endParaRPr lang="en-US" b="1">
-                <a:latin typeface="Arial" charset="0"/>
-                <a:ea typeface="ＭＳ Ｐゴシック" charset="-128"/>
-              </a:endParaRPr>
-            </a:p>
-          </p:txBody>
-        </p:sp>
-        <p:sp>
-          <p:nvSpPr>
-            <p:cNvPr id="229" name="Line 31">
-              <a:extLst>
-                <a:ext uri="{FF2B5EF4-FFF2-40B4-BE49-F238E27FC236}">
-                  <a16:creationId xmlns:a16="http://schemas.microsoft.com/office/drawing/2014/main" id="{4C6BA49D-441A-DA40-B1CC-EEC1BB6F38D2}"/>
-                </a:ext>
-              </a:extLst>
-            </p:cNvPr>
-            <p:cNvSpPr>
-              <a:spLocks noChangeShapeType="1"/>
-            </p:cNvSpPr>
-            <p:nvPr/>
-          </p:nvSpPr>
-          <p:spPr bwMode="auto">
-            <a:xfrm>
-              <a:off x="701" y="485"/>
-              <a:ext cx="0" cy="253"/>
-            </a:xfrm>
-            <a:prstGeom prst="line">
-              <a:avLst/>
-            </a:prstGeom>
-            <a:grpFill/>
-            <a:ln w="28575">
-              <a:solidFill>
-                <a:schemeClr val="tx1"/>
-              </a:solidFill>
-              <a:round/>
-              <a:headEnd/>
-              <a:tailEnd/>
-            </a:ln>
-          </p:spPr>
-          <p:txBody>
-            <a:bodyPr wrap="none" anchor="ctr"/>
-            <a:lstStyle/>
-            <a:p>
-              <a:pPr eaLnBrk="1" hangingPunct="1">
-                <a:defRPr/>
-              </a:pPr>
-              <a:endParaRPr lang="en-US" b="1">
-                <a:latin typeface="Arial" charset="0"/>
-                <a:ea typeface="ＭＳ Ｐゴシック" charset="-128"/>
-              </a:endParaRPr>
-            </a:p>
-          </p:txBody>
-        </p:sp>
-        <p:sp>
-          <p:nvSpPr>
-            <p:cNvPr id="230" name="Freeform 32">
-              <a:extLst>
-                <a:ext uri="{FF2B5EF4-FFF2-40B4-BE49-F238E27FC236}">
-                  <a16:creationId xmlns:a16="http://schemas.microsoft.com/office/drawing/2014/main" id="{96C2A4A2-927B-7A49-9836-F1B65BB63EBC}"/>
-                </a:ext>
-              </a:extLst>
-            </p:cNvPr>
-            <p:cNvSpPr>
-              <a:spLocks/>
-            </p:cNvSpPr>
-            <p:nvPr/>
-          </p:nvSpPr>
-          <p:spPr bwMode="auto">
-            <a:xfrm>
-              <a:off x="528" y="240"/>
-              <a:ext cx="181" cy="332"/>
-            </a:xfrm>
-            <a:custGeom>
-              <a:avLst/>
-              <a:gdLst>
-                <a:gd name="T0" fmla="*/ 16 w 277"/>
-                <a:gd name="T1" fmla="*/ 0 h 517"/>
-                <a:gd name="T2" fmla="*/ 35 w 277"/>
-                <a:gd name="T3" fmla="*/ 0 h 517"/>
-                <a:gd name="T4" fmla="*/ 35 w 277"/>
-                <a:gd name="T5" fmla="*/ 18 h 517"/>
-                <a:gd name="T6" fmla="*/ 41 w 277"/>
-                <a:gd name="T7" fmla="*/ 18 h 517"/>
-                <a:gd name="T8" fmla="*/ 50 w 277"/>
-                <a:gd name="T9" fmla="*/ 24 h 517"/>
-                <a:gd name="T10" fmla="*/ 50 w 277"/>
-                <a:gd name="T11" fmla="*/ 71 h 517"/>
-                <a:gd name="T12" fmla="*/ 41 w 277"/>
-                <a:gd name="T13" fmla="*/ 88 h 517"/>
-                <a:gd name="T14" fmla="*/ 9 w 277"/>
-                <a:gd name="T15" fmla="*/ 88 h 517"/>
-                <a:gd name="T16" fmla="*/ 0 w 277"/>
-                <a:gd name="T17" fmla="*/ 71 h 517"/>
-                <a:gd name="T18" fmla="*/ 0 w 277"/>
-                <a:gd name="T19" fmla="*/ 24 h 517"/>
-                <a:gd name="T20" fmla="*/ 9 w 277"/>
-                <a:gd name="T21" fmla="*/ 18 h 517"/>
-                <a:gd name="T22" fmla="*/ 16 w 277"/>
-                <a:gd name="T23" fmla="*/ 18 h 517"/>
-                <a:gd name="T24" fmla="*/ 16 w 277"/>
-                <a:gd name="T25" fmla="*/ 0 h 517"/>
-                <a:gd name="T26" fmla="*/ 0 60000 65536"/>
-                <a:gd name="T27" fmla="*/ 0 60000 65536"/>
-                <a:gd name="T28" fmla="*/ 0 60000 65536"/>
-                <a:gd name="T29" fmla="*/ 0 60000 65536"/>
-                <a:gd name="T30" fmla="*/ 0 60000 65536"/>
-                <a:gd name="T31" fmla="*/ 0 60000 65536"/>
-                <a:gd name="T32" fmla="*/ 0 60000 65536"/>
-                <a:gd name="T33" fmla="*/ 0 60000 65536"/>
-                <a:gd name="T34" fmla="*/ 0 60000 65536"/>
-                <a:gd name="T35" fmla="*/ 0 60000 65536"/>
-                <a:gd name="T36" fmla="*/ 0 60000 65536"/>
-                <a:gd name="T37" fmla="*/ 0 60000 65536"/>
-                <a:gd name="T38" fmla="*/ 0 60000 65536"/>
-                <a:gd name="T39" fmla="*/ 0 w 277"/>
-                <a:gd name="T40" fmla="*/ 0 h 517"/>
-                <a:gd name="T41" fmla="*/ 277 w 277"/>
-                <a:gd name="T42" fmla="*/ 517 h 517"/>
-              </a:gdLst>
-              <a:ahLst/>
-              <a:cxnLst>
-                <a:cxn ang="T26">
-                  <a:pos x="T0" y="T1"/>
-                </a:cxn>
-                <a:cxn ang="T27">
-                  <a:pos x="T2" y="T3"/>
-                </a:cxn>
-                <a:cxn ang="T28">
-                  <a:pos x="T4" y="T5"/>
-                </a:cxn>
-                <a:cxn ang="T29">
-                  <a:pos x="T6" y="T7"/>
-                </a:cxn>
-                <a:cxn ang="T30">
-                  <a:pos x="T8" y="T9"/>
-                </a:cxn>
-                <a:cxn ang="T31">
-                  <a:pos x="T10" y="T11"/>
-                </a:cxn>
-                <a:cxn ang="T32">
-                  <a:pos x="T12" y="T13"/>
-                </a:cxn>
-                <a:cxn ang="T33">
-                  <a:pos x="T14" y="T15"/>
-                </a:cxn>
-                <a:cxn ang="T34">
-                  <a:pos x="T16" y="T17"/>
-                </a:cxn>
-                <a:cxn ang="T35">
-                  <a:pos x="T18" y="T19"/>
-                </a:cxn>
-                <a:cxn ang="T36">
-                  <a:pos x="T20" y="T21"/>
-                </a:cxn>
-                <a:cxn ang="T37">
-                  <a:pos x="T22" y="T23"/>
-                </a:cxn>
-                <a:cxn ang="T38">
-                  <a:pos x="T24" y="T25"/>
-                </a:cxn>
-              </a:cxnLst>
-              <a:rect l="T39" t="T40" r="T41" b="T42"/>
-              <a:pathLst>
-                <a:path w="277" h="517">
-                  <a:moveTo>
-                    <a:pt x="89" y="0"/>
-                  </a:moveTo>
-                  <a:lnTo>
-                    <a:pt x="191" y="0"/>
-                  </a:lnTo>
-                  <a:lnTo>
-                    <a:pt x="191" y="105"/>
-                  </a:lnTo>
-                  <a:lnTo>
-                    <a:pt x="225" y="105"/>
-                  </a:lnTo>
-                  <a:lnTo>
-                    <a:pt x="276" y="139"/>
-                  </a:lnTo>
-                  <a:lnTo>
-                    <a:pt x="276" y="415"/>
-                  </a:lnTo>
-                  <a:lnTo>
-                    <a:pt x="225" y="516"/>
-                  </a:lnTo>
-                  <a:lnTo>
-                    <a:pt x="51" y="516"/>
-                  </a:lnTo>
-                  <a:lnTo>
-                    <a:pt x="0" y="415"/>
-                  </a:lnTo>
-                  <a:lnTo>
-                    <a:pt x="0" y="139"/>
-                  </a:lnTo>
-                  <a:lnTo>
-                    <a:pt x="51" y="105"/>
-                  </a:lnTo>
-                  <a:lnTo>
-                    <a:pt x="89" y="105"/>
-                  </a:lnTo>
-                  <a:lnTo>
-                    <a:pt x="89" y="0"/>
-                  </a:lnTo>
-                </a:path>
-              </a:pathLst>
-            </a:custGeom>
-            <a:solidFill>
-              <a:srgbClr val="FFCC99"/>
-            </a:solidFill>
-            <a:ln w="12700" cap="rnd">
-              <a:solidFill>
-                <a:schemeClr val="tx1"/>
-              </a:solidFill>
-              <a:round/>
-              <a:headEnd/>
-              <a:tailEnd/>
-            </a:ln>
-          </p:spPr>
-          <p:txBody>
-            <a:bodyPr/>
-            <a:lstStyle/>
-            <a:p>
-              <a:pPr eaLnBrk="1" hangingPunct="1">
-                <a:defRPr/>
-              </a:pPr>
-              <a:endParaRPr lang="en-US" sz="1000" b="1" dirty="0">
-                <a:latin typeface="Arial" charset="0"/>
-                <a:ea typeface="ＭＳ Ｐゴシック" charset="-128"/>
-              </a:endParaRPr>
-            </a:p>
-          </p:txBody>
-        </p:sp>
-      </p:grpSp>
-      <p:sp>
-        <p:nvSpPr>
-          <p:cNvPr id="231" name="TextBox 9">
-            <a:extLst>
-              <a:ext uri="{FF2B5EF4-FFF2-40B4-BE49-F238E27FC236}">
-                <a16:creationId xmlns:a16="http://schemas.microsoft.com/office/drawing/2014/main" id="{F15A304E-346A-AA44-BABE-D2C60C602D6A}"/>
-              </a:ext>
-            </a:extLst>
-          </p:cNvPr>
-          <p:cNvSpPr txBox="1">
-            <a:spLocks noChangeArrowheads="1"/>
-          </p:cNvSpPr>
-          <p:nvPr/>
-        </p:nvSpPr>
-        <p:spPr bwMode="auto">
-          <a:xfrm>
-            <a:off x="3733800" y="8147050"/>
-            <a:ext cx="390525" cy="247650"/>
-          </a:xfrm>
-          <a:prstGeom prst="rect">
-            <a:avLst/>
-          </a:prstGeom>
-          <a:noFill/>
-          <a:ln>
-            <a:noFill/>
-          </a:ln>
-          <a:extLst>
-            <a:ext uri="{909E8E84-426E-40DD-AFC4-6F175D3DCCD1}">
-              <a14:hiddenFill xmlns:a14="http://schemas.microsoft.com/office/drawing/2010/main">
-                <a:solidFill>
-                  <a:srgbClr val="FFFFFF"/>
-                </a:solidFill>
-              </a14:hiddenFill>
-            </a:ext>
-            <a:ext uri="{91240B29-F687-4F45-9708-019B960494DF}">
-              <a14:hiddenLine xmlns:a14="http://schemas.microsoft.com/office/drawing/2010/main" w="9525">
-                <a:solidFill>
-                  <a:srgbClr val="000000"/>
-                </a:solidFill>
-                <a:miter lim="800000"/>
-                <a:headEnd/>
-                <a:tailEnd/>
-              </a14:hiddenLine>
-            </a:ext>
-          </a:extLst>
-        </p:spPr>
-        <p:txBody>
-          <a:bodyPr>
-            <a:spAutoFit/>
-          </a:bodyPr>
-          <a:lstStyle>
-            <a:lvl1pPr>
-              <a:spcBef>
-                <a:spcPct val="20000"/>
-              </a:spcBef>
-              <a:buChar char="•"/>
-              <a:defRPr sz="3400">
-                <a:solidFill>
-                  <a:schemeClr val="tx1"/>
-                </a:solidFill>
-                <a:latin typeface="Arial" panose="020B0604020202020204" pitchFamily="34" charset="0"/>
-                <a:ea typeface="ＭＳ Ｐゴシック" panose="020B0600070205080204" pitchFamily="34" charset="-128"/>
-              </a:defRPr>
-            </a:lvl1pPr>
-            <a:lvl2pPr marL="742950" indent="-285750">
-              <a:spcBef>
-                <a:spcPct val="20000"/>
-              </a:spcBef>
-              <a:buChar char="–"/>
-              <a:defRPr sz="3000">
-                <a:solidFill>
-                  <a:schemeClr val="tx1"/>
-                </a:solidFill>
-                <a:latin typeface="Arial" panose="020B0604020202020204" pitchFamily="34" charset="0"/>
-                <a:ea typeface="ＭＳ Ｐゴシック" panose="020B0600070205080204" pitchFamily="34" charset="-128"/>
-              </a:defRPr>
-            </a:lvl2pPr>
-            <a:lvl3pPr marL="1143000" indent="-228600">
-              <a:spcBef>
-                <a:spcPct val="20000"/>
-              </a:spcBef>
-              <a:buChar char="•"/>
-              <a:defRPr sz="2500">
-                <a:solidFill>
-                  <a:schemeClr val="tx1"/>
-                </a:solidFill>
-                <a:latin typeface="Arial" panose="020B0604020202020204" pitchFamily="34" charset="0"/>
-                <a:ea typeface="ＭＳ Ｐゴシック" panose="020B0600070205080204" pitchFamily="34" charset="-128"/>
-              </a:defRPr>
-            </a:lvl3pPr>
-            <a:lvl4pPr marL="1600200" indent="-228600">
-              <a:spcBef>
-                <a:spcPct val="20000"/>
-              </a:spcBef>
-              <a:buChar char="–"/>
-              <a:defRPr sz="2100">
-                <a:solidFill>
-                  <a:schemeClr val="tx1"/>
-                </a:solidFill>
-                <a:latin typeface="Arial" panose="020B0604020202020204" pitchFamily="34" charset="0"/>
-                <a:ea typeface="ＭＳ Ｐゴシック" panose="020B0600070205080204" pitchFamily="34" charset="-128"/>
-              </a:defRPr>
-            </a:lvl4pPr>
-            <a:lvl5pPr marL="2057400" indent="-228600">
-              <a:spcBef>
-                <a:spcPct val="20000"/>
-              </a:spcBef>
-              <a:buChar char="»"/>
-              <a:defRPr sz="2100">
-                <a:solidFill>
-                  <a:schemeClr val="tx1"/>
-                </a:solidFill>
-                <a:latin typeface="Arial" panose="020B0604020202020204" pitchFamily="34" charset="0"/>
-                <a:ea typeface="ＭＳ Ｐゴシック" panose="020B0600070205080204" pitchFamily="34" charset="-128"/>
-              </a:defRPr>
-            </a:lvl5pPr>
-            <a:lvl6pPr marL="2514600" indent="-228600" eaLnBrk="0" fontAlgn="base" hangingPunct="0">
-              <a:spcBef>
-                <a:spcPct val="20000"/>
-              </a:spcBef>
-              <a:spcAft>
-                <a:spcPct val="0"/>
-              </a:spcAft>
-              <a:buChar char="»"/>
-              <a:defRPr sz="2100">
-                <a:solidFill>
-                  <a:schemeClr val="tx1"/>
-                </a:solidFill>
-                <a:latin typeface="Arial" panose="020B0604020202020204" pitchFamily="34" charset="0"/>
-                <a:ea typeface="ＭＳ Ｐゴシック" panose="020B0600070205080204" pitchFamily="34" charset="-128"/>
-              </a:defRPr>
-            </a:lvl6pPr>
-            <a:lvl7pPr marL="2971800" indent="-228600" eaLnBrk="0" fontAlgn="base" hangingPunct="0">
-              <a:spcBef>
-                <a:spcPct val="20000"/>
-              </a:spcBef>
-              <a:spcAft>
-                <a:spcPct val="0"/>
-              </a:spcAft>
-              <a:buChar char="»"/>
-              <a:defRPr sz="2100">
-                <a:solidFill>
-                  <a:schemeClr val="tx1"/>
-                </a:solidFill>
-                <a:latin typeface="Arial" panose="020B0604020202020204" pitchFamily="34" charset="0"/>
-                <a:ea typeface="ＭＳ Ｐゴシック" panose="020B0600070205080204" pitchFamily="34" charset="-128"/>
-              </a:defRPr>
-            </a:lvl7pPr>
-            <a:lvl8pPr marL="3429000" indent="-228600" eaLnBrk="0" fontAlgn="base" hangingPunct="0">
-              <a:spcBef>
-                <a:spcPct val="20000"/>
-              </a:spcBef>
-              <a:spcAft>
-                <a:spcPct val="0"/>
-              </a:spcAft>
-              <a:buChar char="»"/>
-              <a:defRPr sz="2100">
-                <a:solidFill>
-                  <a:schemeClr val="tx1"/>
-                </a:solidFill>
-                <a:latin typeface="Arial" panose="020B0604020202020204" pitchFamily="34" charset="0"/>
-                <a:ea typeface="ＭＳ Ｐゴシック" panose="020B0600070205080204" pitchFamily="34" charset="-128"/>
-              </a:defRPr>
-            </a:lvl8pPr>
-            <a:lvl9pPr marL="3886200" indent="-228600" eaLnBrk="0" fontAlgn="base" hangingPunct="0">
-              <a:spcBef>
-                <a:spcPct val="20000"/>
-              </a:spcBef>
-              <a:spcAft>
-                <a:spcPct val="0"/>
-              </a:spcAft>
-              <a:buChar char="»"/>
-              <a:defRPr sz="2100">
-                <a:solidFill>
-                  <a:schemeClr val="tx1"/>
-                </a:solidFill>
-                <a:latin typeface="Arial" panose="020B0604020202020204" pitchFamily="34" charset="0"/>
-                <a:ea typeface="ＭＳ Ｐゴシック" panose="020B0600070205080204" pitchFamily="34" charset="-128"/>
-              </a:defRPr>
-            </a:lvl9pPr>
-          </a:lstStyle>
-          <a:p>
-            <a:pPr eaLnBrk="1" hangingPunct="1">
-              <a:spcBef>
-                <a:spcPct val="0"/>
-              </a:spcBef>
-              <a:buFontTx/>
-              <a:buNone/>
-            </a:pPr>
-            <a:r>
-              <a:rPr lang="en-US" altLang="en-US" sz="1000" b="1"/>
-              <a:t>P2</a:t>
-            </a:r>
-          </a:p>
-        </p:txBody>
-      </p:sp>
       <p:grpSp>
         <p:nvGrpSpPr>
           <p:cNvPr id="232" name="Group 101">
@@ -7510,7 +4233,7 @@
         </p:nvGrpSpPr>
         <p:grpSpPr bwMode="auto">
           <a:xfrm>
-            <a:off x="5705475" y="6135687"/>
+            <a:off x="5550329" y="5921366"/>
             <a:ext cx="381000" cy="762000"/>
             <a:chOff x="4098925" y="5054600"/>
             <a:chExt cx="347663" cy="736600"/>
@@ -10185,12 +6908,2169 @@
           </p:txBody>
         </p:sp>
       </p:grpSp>
+      <p:graphicFrame>
+        <p:nvGraphicFramePr>
+          <p:cNvPr id="56" name="Group 29"/>
+          <p:cNvGraphicFramePr>
+            <a:graphicFrameLocks noGrp="1"/>
+          </p:cNvGraphicFramePr>
+          <p:nvPr>
+            <p:extLst>
+              <p:ext uri="{D42A27DB-BD31-4B8C-83A1-F6EECF244321}">
+                <p14:modId xmlns:p14="http://schemas.microsoft.com/office/powerpoint/2010/main" val="554730099"/>
+              </p:ext>
+            </p:extLst>
+          </p:nvPr>
+        </p:nvGraphicFramePr>
+        <p:xfrm>
+          <a:off x="152400" y="152400"/>
+          <a:ext cx="7010400" cy="3962241"/>
+        </p:xfrm>
+        <a:graphic>
+          <a:graphicData uri="http://schemas.openxmlformats.org/drawingml/2006/table">
+            <a:tbl>
+              <a:tblPr/>
+              <a:tblGrid>
+                <a:gridCol w="1064871">
+                  <a:extLst>
+                    <a:ext uri="{9D8B030D-6E8A-4147-A177-3AD203B41FA5}">
+                      <a16:colId xmlns:a16="http://schemas.microsoft.com/office/drawing/2014/main" val="20000"/>
+                    </a:ext>
+                  </a:extLst>
+                </a:gridCol>
+                <a:gridCol w="2522730">
+                  <a:extLst>
+                    <a:ext uri="{9D8B030D-6E8A-4147-A177-3AD203B41FA5}">
+                      <a16:colId xmlns:a16="http://schemas.microsoft.com/office/drawing/2014/main" val="20001"/>
+                    </a:ext>
+                  </a:extLst>
+                </a:gridCol>
+                <a:gridCol w="2421313">
+                  <a:extLst>
+                    <a:ext uri="{9D8B030D-6E8A-4147-A177-3AD203B41FA5}">
+                      <a16:colId xmlns:a16="http://schemas.microsoft.com/office/drawing/2014/main" val="20002"/>
+                    </a:ext>
+                  </a:extLst>
+                </a:gridCol>
+                <a:gridCol w="1001486">
+                  <a:extLst>
+                    <a:ext uri="{9D8B030D-6E8A-4147-A177-3AD203B41FA5}">
+                      <a16:colId xmlns:a16="http://schemas.microsoft.com/office/drawing/2014/main" val="20003"/>
+                    </a:ext>
+                  </a:extLst>
+                </a:gridCol>
+              </a:tblGrid>
+              <a:tr h="1082608">
+                <a:tc>
+                  <a:txBody>
+                    <a:bodyPr/>
+                    <a:lstStyle/>
+                    <a:p>
+                      <a:pPr marL="0" marR="0" lvl="0" indent="0" algn="l" defTabSz="966788" rtl="0" eaLnBrk="1" fontAlgn="base" latinLnBrk="0" hangingPunct="1">
+                        <a:lnSpc>
+                          <a:spcPct val="100000"/>
+                        </a:lnSpc>
+                        <a:spcBef>
+                          <a:spcPct val="20000"/>
+                        </a:spcBef>
+                        <a:spcAft>
+                          <a:spcPct val="0"/>
+                        </a:spcAft>
+                        <a:buClrTx/>
+                        <a:buSzTx/>
+                        <a:buFontTx/>
+                        <a:buNone/>
+                        <a:tabLst/>
+                      </a:pPr>
+                      <a:endParaRPr kumimoji="0" lang="en-US" sz="3000" b="0" i="0" u="none" strike="noStrike" cap="none" normalizeH="0" baseline="0" dirty="0">
+                        <a:ln>
+                          <a:noFill/>
+                        </a:ln>
+                        <a:solidFill>
+                          <a:schemeClr val="tx1"/>
+                        </a:solidFill>
+                        <a:effectLst/>
+                        <a:latin typeface="Arial" charset="0"/>
+                        <a:ea typeface="ＭＳ Ｐゴシック" pitchFamily="-112" charset="-128"/>
+                      </a:endParaRPr>
+                    </a:p>
+                  </a:txBody>
+                  <a:tcPr marT="45715" marB="45715" horzOverflow="overflow">
+                    <a:lnL>
+                      <a:noFill/>
+                    </a:lnL>
+                    <a:lnR w="28575" cap="flat" cmpd="sng" algn="ctr">
+                      <a:solidFill>
+                        <a:schemeClr val="tx1"/>
+                      </a:solidFill>
+                      <a:prstDash val="solid"/>
+                      <a:round/>
+                      <a:headEnd type="none" w="med" len="med"/>
+                      <a:tailEnd type="none" w="med" len="med"/>
+                    </a:lnR>
+                    <a:lnT>
+                      <a:noFill/>
+                    </a:lnT>
+                    <a:lnB w="28575" cap="flat" cmpd="sng" algn="ctr">
+                      <a:solidFill>
+                        <a:schemeClr val="tx1"/>
+                      </a:solidFill>
+                      <a:prstDash val="solid"/>
+                      <a:round/>
+                      <a:headEnd type="none" w="med" len="med"/>
+                      <a:tailEnd type="none" w="med" len="med"/>
+                    </a:lnB>
+                    <a:lnTlToBr>
+                      <a:noFill/>
+                    </a:lnTlToBr>
+                    <a:lnBlToTr>
+                      <a:noFill/>
+                    </a:lnBlToTr>
+                    <a:solidFill>
+                      <a:schemeClr val="bg1"/>
+                    </a:solidFill>
+                  </a:tcPr>
+                </a:tc>
+                <a:tc gridSpan="2">
+                  <a:txBody>
+                    <a:bodyPr/>
+                    <a:lstStyle/>
+                    <a:p>
+                      <a:pPr marL="0" marR="0" lvl="0" indent="0" algn="ctr" defTabSz="966788" rtl="0" eaLnBrk="1" fontAlgn="base" latinLnBrk="0" hangingPunct="1">
+                        <a:lnSpc>
+                          <a:spcPct val="100000"/>
+                        </a:lnSpc>
+                        <a:spcBef>
+                          <a:spcPct val="20000"/>
+                        </a:spcBef>
+                        <a:spcAft>
+                          <a:spcPct val="0"/>
+                        </a:spcAft>
+                        <a:buClrTx/>
+                        <a:buSzTx/>
+                        <a:buFontTx/>
+                        <a:buNone/>
+                        <a:tabLst/>
+                      </a:pPr>
+                      <a:r>
+                        <a:rPr kumimoji="0" lang="en-US" sz="1200" b="1" i="0" u="none" strike="noStrike" cap="none" normalizeH="0" baseline="0" dirty="0">
+                          <a:ln>
+                            <a:noFill/>
+                          </a:ln>
+                          <a:solidFill>
+                            <a:schemeClr val="tx1"/>
+                          </a:solidFill>
+                          <a:effectLst/>
+                          <a:latin typeface="Arial" charset="0"/>
+                          <a:cs typeface="Times New Roman" charset="0"/>
+                        </a:rPr>
+                        <a:t>Renton Fish and Game</a:t>
+                      </a:r>
+                      <a:br>
+                        <a:rPr kumimoji="0" lang="en-US" sz="1200" b="1" i="0" u="none" strike="noStrike" cap="none" normalizeH="0" baseline="0" dirty="0">
+                          <a:ln>
+                            <a:noFill/>
+                          </a:ln>
+                          <a:solidFill>
+                            <a:schemeClr val="tx1"/>
+                          </a:solidFill>
+                          <a:effectLst/>
+                          <a:latin typeface="Arial" charset="0"/>
+                          <a:cs typeface="Times New Roman" charset="0"/>
+                        </a:rPr>
+                      </a:br>
+                      <a:r>
+                        <a:rPr kumimoji="0" lang="en-US" sz="1200" b="1" i="0" u="none" strike="noStrike" cap="none" normalizeH="0" baseline="0" dirty="0">
+                          <a:ln>
+                            <a:noFill/>
+                          </a:ln>
+                          <a:solidFill>
+                            <a:schemeClr val="tx1"/>
+                          </a:solidFill>
+                          <a:effectLst/>
+                          <a:latin typeface="Arial" charset="0"/>
+                          <a:cs typeface="Times New Roman" charset="0"/>
+                        </a:rPr>
+                        <a:t>Bay 7</a:t>
+                      </a:r>
+                      <a:br>
+                        <a:rPr kumimoji="0" lang="en-US" sz="1200" b="1" i="0" u="none" strike="noStrike" cap="none" normalizeH="0" baseline="0" dirty="0">
+                          <a:ln>
+                            <a:noFill/>
+                          </a:ln>
+                          <a:solidFill>
+                            <a:schemeClr val="tx1"/>
+                          </a:solidFill>
+                          <a:effectLst/>
+                          <a:latin typeface="Arial" charset="0"/>
+                          <a:cs typeface="Times New Roman" charset="0"/>
+                        </a:rPr>
+                      </a:br>
+                      <a:r>
+                        <a:rPr kumimoji="0" lang="en-US" sz="1200" b="1" i="0" u="none" strike="noStrike" kern="1200" cap="none" normalizeH="0" baseline="0" dirty="0">
+                          <a:ln>
+                            <a:noFill/>
+                          </a:ln>
+                          <a:solidFill>
+                            <a:schemeClr val="tx1"/>
+                          </a:solidFill>
+                          <a:effectLst/>
+                          <a:latin typeface="Arial" charset="0"/>
+                          <a:ea typeface="+mn-ea"/>
+                          <a:cs typeface="+mn-cs"/>
+                        </a:rPr>
+                        <a:t>Stage: Act Fast</a:t>
+                      </a:r>
+                      <a:br>
+                        <a:rPr kumimoji="0" lang="en-US" sz="1200" b="1" i="0" u="none" strike="noStrike" kern="1200" cap="none" normalizeH="0" baseline="0" dirty="0">
+                          <a:ln>
+                            <a:noFill/>
+                          </a:ln>
+                          <a:solidFill>
+                            <a:schemeClr val="tx1"/>
+                          </a:solidFill>
+                          <a:effectLst/>
+                          <a:latin typeface="Arial" charset="0"/>
+                          <a:ea typeface="+mn-ea"/>
+                          <a:cs typeface="+mn-cs"/>
+                        </a:rPr>
+                      </a:br>
+                      <a:r>
+                        <a:rPr kumimoji="0" lang="en-US" sz="1200" b="1" i="0" u="none" strike="noStrike" kern="1200" cap="none" normalizeH="0" baseline="0" dirty="0">
+                          <a:ln>
+                            <a:noFill/>
+                          </a:ln>
+                          <a:solidFill>
+                            <a:schemeClr val="tx1"/>
+                          </a:solidFill>
+                          <a:effectLst/>
+                          <a:latin typeface="Arial" charset="0"/>
+                          <a:ea typeface="+mn-ea"/>
+                          <a:cs typeface="+mn-cs"/>
+                        </a:rPr>
+                        <a:t>C</a:t>
+                      </a:r>
+                      <a:r>
+                        <a:rPr kumimoji="0" lang="en-US" sz="1200" b="1" i="0" u="none" strike="noStrike" cap="none" normalizeH="0" baseline="0" dirty="0">
+                          <a:ln>
+                            <a:noFill/>
+                          </a:ln>
+                          <a:solidFill>
+                            <a:schemeClr val="tx1"/>
+                          </a:solidFill>
+                          <a:effectLst/>
+                          <a:latin typeface="Arial" charset="0"/>
+                        </a:rPr>
+                        <a:t>ourse Designer: Tim Smith</a:t>
+                      </a:r>
+                    </a:p>
+                  </a:txBody>
+                  <a:tcPr marL="45720" marR="45720" marT="45715" marB="45715" anchor="ctr" horzOverflow="overflow">
+                    <a:lnL w="28575" cap="flat" cmpd="sng" algn="ctr">
+                      <a:solidFill>
+                        <a:schemeClr val="tx1"/>
+                      </a:solidFill>
+                      <a:prstDash val="solid"/>
+                      <a:round/>
+                      <a:headEnd type="none" w="med" len="med"/>
+                      <a:tailEnd type="none" w="med" len="med"/>
+                    </a:lnL>
+                    <a:lnR w="28575" cap="flat" cmpd="sng" algn="ctr">
+                      <a:solidFill>
+                        <a:schemeClr val="tx1"/>
+                      </a:solidFill>
+                      <a:prstDash val="solid"/>
+                      <a:round/>
+                      <a:headEnd type="none" w="med" len="med"/>
+                      <a:tailEnd type="none" w="med" len="med"/>
+                    </a:lnR>
+                    <a:lnT w="28575" cap="flat" cmpd="sng" algn="ctr">
+                      <a:solidFill>
+                        <a:schemeClr val="tx1"/>
+                      </a:solidFill>
+                      <a:prstDash val="solid"/>
+                      <a:round/>
+                      <a:headEnd type="none" w="med" len="med"/>
+                      <a:tailEnd type="none" w="med" len="med"/>
+                    </a:lnT>
+                    <a:lnB w="28575" cap="flat" cmpd="sng" algn="ctr">
+                      <a:solidFill>
+                        <a:schemeClr val="tx1"/>
+                      </a:solidFill>
+                      <a:prstDash val="solid"/>
+                      <a:round/>
+                      <a:headEnd type="none" w="med" len="med"/>
+                      <a:tailEnd type="none" w="med" len="med"/>
+                    </a:lnB>
+                    <a:lnTlToBr>
+                      <a:noFill/>
+                    </a:lnTlToBr>
+                    <a:lnBlToTr>
+                      <a:noFill/>
+                    </a:lnBlToTr>
+                    <a:solidFill>
+                      <a:schemeClr val="bg1"/>
+                    </a:solidFill>
+                  </a:tcPr>
+                </a:tc>
+                <a:tc hMerge="1">
+                  <a:txBody>
+                    <a:bodyPr/>
+                    <a:lstStyle/>
+                    <a:p>
+                      <a:endParaRPr lang="en-US"/>
+                    </a:p>
+                  </a:txBody>
+                  <a:tcPr/>
+                </a:tc>
+                <a:tc>
+                  <a:txBody>
+                    <a:bodyPr/>
+                    <a:lstStyle/>
+                    <a:p>
+                      <a:pPr marL="0" marR="0" lvl="0" indent="0" algn="l" defTabSz="966788" rtl="0" eaLnBrk="1" fontAlgn="base" latinLnBrk="0" hangingPunct="1">
+                        <a:lnSpc>
+                          <a:spcPct val="100000"/>
+                        </a:lnSpc>
+                        <a:spcBef>
+                          <a:spcPct val="20000"/>
+                        </a:spcBef>
+                        <a:spcAft>
+                          <a:spcPct val="0"/>
+                        </a:spcAft>
+                        <a:buClrTx/>
+                        <a:buSzTx/>
+                        <a:buFontTx/>
+                        <a:buNone/>
+                        <a:tabLst/>
+                      </a:pPr>
+                      <a:endParaRPr kumimoji="0" lang="en-US" sz="3000" b="0" i="0" u="none" strike="noStrike" cap="none" normalizeH="0" baseline="0" dirty="0">
+                        <a:ln>
+                          <a:noFill/>
+                        </a:ln>
+                        <a:solidFill>
+                          <a:schemeClr val="tx1"/>
+                        </a:solidFill>
+                        <a:effectLst/>
+                        <a:latin typeface="Arial" charset="0"/>
+                        <a:ea typeface="ＭＳ Ｐゴシック" pitchFamily="-112" charset="-128"/>
+                      </a:endParaRPr>
+                    </a:p>
+                  </a:txBody>
+                  <a:tcPr marT="45715" marB="45715" horzOverflow="overflow">
+                    <a:lnL w="28575" cap="flat" cmpd="sng" algn="ctr">
+                      <a:solidFill>
+                        <a:schemeClr val="tx1"/>
+                      </a:solidFill>
+                      <a:prstDash val="solid"/>
+                      <a:round/>
+                      <a:headEnd type="none" w="med" len="med"/>
+                      <a:tailEnd type="none" w="med" len="med"/>
+                    </a:lnL>
+                    <a:lnR>
+                      <a:noFill/>
+                    </a:lnR>
+                    <a:lnT>
+                      <a:noFill/>
+                    </a:lnT>
+                    <a:lnB w="28575" cap="flat" cmpd="sng" algn="ctr">
+                      <a:solidFill>
+                        <a:schemeClr val="tx1"/>
+                      </a:solidFill>
+                      <a:prstDash val="solid"/>
+                      <a:round/>
+                      <a:headEnd type="none" w="med" len="med"/>
+                      <a:tailEnd type="none" w="med" len="med"/>
+                    </a:lnB>
+                    <a:lnTlToBr>
+                      <a:noFill/>
+                    </a:lnTlToBr>
+                    <a:lnBlToTr>
+                      <a:noFill/>
+                    </a:lnBlToTr>
+                    <a:solidFill>
+                      <a:schemeClr val="bg1"/>
+                    </a:solidFill>
+                  </a:tcPr>
+                </a:tc>
+                <a:extLst>
+                  <a:ext uri="{0D108BD9-81ED-4DB2-BD59-A6C34878D82A}">
+                    <a16:rowId xmlns:a16="http://schemas.microsoft.com/office/drawing/2014/main" val="10000"/>
+                  </a:ext>
+                </a:extLst>
+              </a:tr>
+              <a:tr h="693338">
+                <a:tc gridSpan="4">
+                  <a:txBody>
+                    <a:bodyPr/>
+                    <a:lstStyle/>
+                    <a:p>
+                      <a:pPr marL="0" marR="0" lvl="0" indent="0" algn="l" defTabSz="966788" rtl="0" eaLnBrk="1" fontAlgn="base" latinLnBrk="0" hangingPunct="1">
+                        <a:lnSpc>
+                          <a:spcPct val="90000"/>
+                        </a:lnSpc>
+                        <a:spcBef>
+                          <a:spcPct val="10000"/>
+                        </a:spcBef>
+                        <a:spcAft>
+                          <a:spcPct val="0"/>
+                        </a:spcAft>
+                        <a:buClrTx/>
+                        <a:buSzTx/>
+                        <a:buFontTx/>
+                        <a:buNone/>
+                        <a:tabLst/>
+                      </a:pPr>
+                      <a:r>
+                        <a:rPr kumimoji="0" lang="en-US" sz="1100" b="1" i="0" u="none" strike="noStrike" cap="none" normalizeH="0" baseline="0" dirty="0">
+                          <a:ln>
+                            <a:noFill/>
+                          </a:ln>
+                          <a:solidFill>
+                            <a:schemeClr val="tx1"/>
+                          </a:solidFill>
+                          <a:effectLst/>
+                          <a:latin typeface="Arial" charset="0"/>
+                          <a:ea typeface="ＭＳ Ｐゴシック" pitchFamily="-112" charset="-128"/>
+                          <a:cs typeface="Times New Roman" pitchFamily="-112" charset="0"/>
+                        </a:rPr>
+                        <a:t>SCENARIO: </a:t>
+                      </a:r>
+                      <a:r>
+                        <a:rPr kumimoji="0" lang="en-US" sz="1100" b="0" i="0" u="none" strike="noStrike" cap="none" normalizeH="0" baseline="0" dirty="0">
+                          <a:ln>
+                            <a:noFill/>
+                          </a:ln>
+                          <a:solidFill>
+                            <a:schemeClr val="tx1"/>
+                          </a:solidFill>
+                          <a:effectLst/>
+                          <a:latin typeface="Arial" charset="0"/>
+                          <a:ea typeface="ＭＳ Ｐゴシック" pitchFamily="-112" charset="-128"/>
+                          <a:cs typeface="Times New Roman" pitchFamily="-112" charset="0"/>
+                        </a:rPr>
+                        <a:t>You are approached by several slobs walking back to your car. The closest guy to you pulls a knife and demands your briefcase. Act fast and get to safety.</a:t>
+                      </a:r>
+                    </a:p>
+                  </a:txBody>
+                  <a:tcPr marL="18288" marR="18288" marT="36572" marB="36572" horzOverflow="overflow">
+                    <a:lnL w="28575" cap="flat" cmpd="sng" algn="ctr">
+                      <a:solidFill>
+                        <a:schemeClr val="tx1"/>
+                      </a:solidFill>
+                      <a:prstDash val="solid"/>
+                      <a:round/>
+                      <a:headEnd type="none" w="med" len="med"/>
+                      <a:tailEnd type="none" w="med" len="med"/>
+                    </a:lnL>
+                    <a:lnR w="28575" cap="flat" cmpd="sng" algn="ctr">
+                      <a:solidFill>
+                        <a:schemeClr val="tx1"/>
+                      </a:solidFill>
+                      <a:prstDash val="solid"/>
+                      <a:round/>
+                      <a:headEnd type="none" w="med" len="med"/>
+                      <a:tailEnd type="none" w="med" len="med"/>
+                    </a:lnR>
+                    <a:lnT w="28575" cap="flat" cmpd="sng" algn="ctr">
+                      <a:solidFill>
+                        <a:schemeClr val="tx1"/>
+                      </a:solidFill>
+                      <a:prstDash val="solid"/>
+                      <a:round/>
+                      <a:headEnd type="none" w="med" len="med"/>
+                      <a:tailEnd type="none" w="med" len="med"/>
+                    </a:lnT>
+                    <a:lnB w="28575" cap="flat" cmpd="sng" algn="ctr">
+                      <a:solidFill>
+                        <a:schemeClr val="tx1"/>
+                      </a:solidFill>
+                      <a:prstDash val="solid"/>
+                      <a:round/>
+                      <a:headEnd type="none" w="med" len="med"/>
+                      <a:tailEnd type="none" w="med" len="med"/>
+                    </a:lnB>
+                    <a:lnTlToBr>
+                      <a:noFill/>
+                    </a:lnTlToBr>
+                    <a:lnBlToTr>
+                      <a:noFill/>
+                    </a:lnBlToTr>
+                    <a:solidFill>
+                      <a:schemeClr val="bg1"/>
+                    </a:solidFill>
+                  </a:tcPr>
+                </a:tc>
+                <a:tc hMerge="1">
+                  <a:txBody>
+                    <a:bodyPr/>
+                    <a:lstStyle/>
+                    <a:p>
+                      <a:endParaRPr lang="en-US"/>
+                    </a:p>
+                  </a:txBody>
+                  <a:tcPr/>
+                </a:tc>
+                <a:tc hMerge="1">
+                  <a:txBody>
+                    <a:bodyPr/>
+                    <a:lstStyle/>
+                    <a:p>
+                      <a:endParaRPr lang="en-US"/>
+                    </a:p>
+                  </a:txBody>
+                  <a:tcPr/>
+                </a:tc>
+                <a:tc hMerge="1">
+                  <a:txBody>
+                    <a:bodyPr/>
+                    <a:lstStyle/>
+                    <a:p>
+                      <a:endParaRPr lang="en-US"/>
+                    </a:p>
+                  </a:txBody>
+                  <a:tcPr/>
+                </a:tc>
+                <a:extLst>
+                  <a:ext uri="{0D108BD9-81ED-4DB2-BD59-A6C34878D82A}">
+                    <a16:rowId xmlns:a16="http://schemas.microsoft.com/office/drawing/2014/main" val="10001"/>
+                  </a:ext>
+                </a:extLst>
+              </a:tr>
+              <a:tr h="450103">
+                <a:tc gridSpan="2">
+                  <a:txBody>
+                    <a:bodyPr/>
+                    <a:lstStyle/>
+                    <a:p>
+                      <a:pPr marL="0" marR="0" lvl="0" indent="0" algn="l" defTabSz="966788" rtl="0" eaLnBrk="1" fontAlgn="base" latinLnBrk="0" hangingPunct="1">
+                        <a:lnSpc>
+                          <a:spcPct val="100000"/>
+                        </a:lnSpc>
+                        <a:spcBef>
+                          <a:spcPct val="5000"/>
+                        </a:spcBef>
+                        <a:spcAft>
+                          <a:spcPct val="0"/>
+                        </a:spcAft>
+                        <a:buClrTx/>
+                        <a:buSzTx/>
+                        <a:buFontTx/>
+                        <a:buNone/>
+                        <a:tabLst/>
+                      </a:pPr>
+                      <a:r>
+                        <a:rPr kumimoji="0" lang="en-US" sz="1100" b="1" i="0" u="none" strike="noStrike" cap="none" normalizeH="0" baseline="0" dirty="0">
+                          <a:ln>
+                            <a:noFill/>
+                          </a:ln>
+                          <a:solidFill>
+                            <a:schemeClr val="tx1"/>
+                          </a:solidFill>
+                          <a:effectLst/>
+                          <a:latin typeface="Arial" charset="0"/>
+                          <a:ea typeface="ＭＳ Ｐゴシック" pitchFamily="-112" charset="-128"/>
+                          <a:cs typeface="Times New Roman" pitchFamily="-112" charset="0"/>
+                        </a:rPr>
+                        <a:t>START POSITION: </a:t>
+                      </a:r>
+                      <a:r>
+                        <a:rPr kumimoji="0" lang="en-US" sz="1100" b="0" i="0" u="none" strike="noStrike" cap="none" normalizeH="0" baseline="0" dirty="0">
+                          <a:ln>
+                            <a:noFill/>
+                          </a:ln>
+                          <a:solidFill>
+                            <a:schemeClr val="tx1"/>
+                          </a:solidFill>
+                          <a:effectLst/>
+                          <a:latin typeface="Arial" charset="0"/>
+                          <a:ea typeface="ＭＳ Ｐゴシック" pitchFamily="-112" charset="-128"/>
+                          <a:cs typeface="Times New Roman" pitchFamily="-112" charset="0"/>
+                        </a:rPr>
+                        <a:t>Standing at P1 with bag in weak hand and strong hand above your shoulders.</a:t>
+                      </a:r>
+                    </a:p>
+                  </a:txBody>
+                  <a:tcPr marL="18288" marR="18288" marT="27429" marB="27429" horzOverflow="overflow">
+                    <a:lnL w="28575" cap="flat" cmpd="sng" algn="ctr">
+                      <a:solidFill>
+                        <a:schemeClr val="tx1"/>
+                      </a:solidFill>
+                      <a:prstDash val="solid"/>
+                      <a:round/>
+                      <a:headEnd type="none" w="med" len="med"/>
+                      <a:tailEnd type="none" w="med" len="med"/>
+                    </a:lnL>
+                    <a:lnR w="28575" cap="flat" cmpd="sng" algn="ctr">
+                      <a:solidFill>
+                        <a:schemeClr val="tx1"/>
+                      </a:solidFill>
+                      <a:prstDash val="solid"/>
+                      <a:round/>
+                      <a:headEnd type="none" w="med" len="med"/>
+                      <a:tailEnd type="none" w="med" len="med"/>
+                    </a:lnR>
+                    <a:lnT w="28575" cap="flat" cmpd="sng" algn="ctr">
+                      <a:solidFill>
+                        <a:schemeClr val="tx1"/>
+                      </a:solidFill>
+                      <a:prstDash val="solid"/>
+                      <a:round/>
+                      <a:headEnd type="none" w="med" len="med"/>
+                      <a:tailEnd type="none" w="med" len="med"/>
+                    </a:lnT>
+                    <a:lnB w="28575" cap="flat" cmpd="sng" algn="ctr">
+                      <a:solidFill>
+                        <a:schemeClr val="tx1"/>
+                      </a:solidFill>
+                      <a:prstDash val="solid"/>
+                      <a:round/>
+                      <a:headEnd type="none" w="med" len="med"/>
+                      <a:tailEnd type="none" w="med" len="med"/>
+                    </a:lnB>
+                    <a:lnTlToBr>
+                      <a:noFill/>
+                    </a:lnTlToBr>
+                    <a:lnBlToTr>
+                      <a:noFill/>
+                    </a:lnBlToTr>
+                    <a:solidFill>
+                      <a:schemeClr val="bg1"/>
+                    </a:solidFill>
+                  </a:tcPr>
+                </a:tc>
+                <a:tc hMerge="1">
+                  <a:txBody>
+                    <a:bodyPr/>
+                    <a:lstStyle/>
+                    <a:p>
+                      <a:endParaRPr lang="en-US"/>
+                    </a:p>
+                  </a:txBody>
+                  <a:tcPr/>
+                </a:tc>
+                <a:tc rowSpan="2" gridSpan="2">
+                  <a:txBody>
+                    <a:bodyPr/>
+                    <a:lstStyle/>
+                    <a:p>
+                      <a:pPr marL="0" marR="0" lvl="0" indent="0" algn="l" defTabSz="966788" rtl="0" eaLnBrk="0" fontAlgn="base" latinLnBrk="0" hangingPunct="0">
+                        <a:lnSpc>
+                          <a:spcPct val="100000"/>
+                        </a:lnSpc>
+                        <a:spcBef>
+                          <a:spcPct val="0"/>
+                        </a:spcBef>
+                        <a:spcAft>
+                          <a:spcPct val="0"/>
+                        </a:spcAft>
+                        <a:buClrTx/>
+                        <a:buSzTx/>
+                        <a:buFontTx/>
+                        <a:buNone/>
+                        <a:tabLst/>
+                      </a:pPr>
+                      <a:r>
+                        <a:rPr kumimoji="0" lang="en-US" sz="1100" b="1" i="0" u="none" strike="noStrike" cap="none" normalizeH="0" baseline="0" dirty="0">
+                          <a:ln>
+                            <a:noFill/>
+                          </a:ln>
+                          <a:solidFill>
+                            <a:schemeClr val="tx1"/>
+                          </a:solidFill>
+                          <a:effectLst/>
+                          <a:latin typeface="Arial" charset="0"/>
+                          <a:ea typeface="ＭＳ Ｐゴシック" pitchFamily="-112" charset="-128"/>
+                          <a:cs typeface="Times New Roman" pitchFamily="-112" charset="0"/>
+                        </a:rPr>
+                        <a:t>STRINGS:                 1</a:t>
+                      </a:r>
+                    </a:p>
+                    <a:p>
+                      <a:pPr marL="0" marR="0" lvl="0" indent="0" algn="l" defTabSz="966788" rtl="0" eaLnBrk="0" fontAlgn="base" latinLnBrk="0" hangingPunct="0">
+                        <a:lnSpc>
+                          <a:spcPct val="100000"/>
+                        </a:lnSpc>
+                        <a:spcBef>
+                          <a:spcPct val="0"/>
+                        </a:spcBef>
+                        <a:spcAft>
+                          <a:spcPct val="0"/>
+                        </a:spcAft>
+                        <a:buClrTx/>
+                        <a:buSzTx/>
+                        <a:buFontTx/>
+                        <a:buNone/>
+                        <a:tabLst/>
+                      </a:pPr>
+                      <a:r>
+                        <a:rPr kumimoji="0" lang="en-US" sz="1100" b="1" i="0" u="none" strike="noStrike" cap="none" normalizeH="0" baseline="0" dirty="0">
+                          <a:ln>
+                            <a:noFill/>
+                          </a:ln>
+                          <a:solidFill>
+                            <a:schemeClr val="tx1"/>
+                          </a:solidFill>
+                          <a:effectLst/>
+                          <a:latin typeface="Arial" charset="0"/>
+                          <a:ea typeface="ＭＳ Ｐゴシック" pitchFamily="-112" charset="-128"/>
+                          <a:cs typeface="Times New Roman" pitchFamily="-112" charset="0"/>
+                        </a:rPr>
+                        <a:t>SCORING:                Unlimited</a:t>
+                      </a:r>
+                    </a:p>
+                    <a:p>
+                      <a:pPr marL="0" marR="0" lvl="0" indent="0" algn="l" defTabSz="966788" rtl="0" eaLnBrk="0" fontAlgn="base" latinLnBrk="0" hangingPunct="0">
+                        <a:lnSpc>
+                          <a:spcPct val="100000"/>
+                        </a:lnSpc>
+                        <a:spcBef>
+                          <a:spcPct val="0"/>
+                        </a:spcBef>
+                        <a:spcAft>
+                          <a:spcPct val="0"/>
+                        </a:spcAft>
+                        <a:buClrTx/>
+                        <a:buSzTx/>
+                        <a:buFontTx/>
+                        <a:buNone/>
+                        <a:tabLst/>
+                        <a:defRPr/>
+                      </a:pPr>
+                      <a:r>
+                        <a:rPr kumimoji="0" lang="en-US" sz="1100" b="1" i="0" u="none" strike="noStrike" cap="none" normalizeH="0" baseline="0" dirty="0">
+                          <a:ln>
+                            <a:noFill/>
+                          </a:ln>
+                          <a:solidFill>
+                            <a:schemeClr val="tx1"/>
+                          </a:solidFill>
+                          <a:effectLst/>
+                          <a:latin typeface="Arial" charset="0"/>
+                          <a:ea typeface="ＭＳ Ｐゴシック" pitchFamily="-112" charset="-128"/>
+                          <a:cs typeface="Times New Roman" pitchFamily="-112" charset="0"/>
+                        </a:rPr>
+                        <a:t>SCORED HITS:        Best 2</a:t>
+                      </a:r>
+                    </a:p>
+                    <a:p>
+                      <a:pPr marL="0" marR="0" lvl="0" indent="0" algn="l" defTabSz="966788" rtl="0" eaLnBrk="0" fontAlgn="base" latinLnBrk="0" hangingPunct="0">
+                        <a:lnSpc>
+                          <a:spcPct val="100000"/>
+                        </a:lnSpc>
+                        <a:spcBef>
+                          <a:spcPct val="0"/>
+                        </a:spcBef>
+                        <a:spcAft>
+                          <a:spcPct val="0"/>
+                        </a:spcAft>
+                        <a:buClrTx/>
+                        <a:buSzTx/>
+                        <a:buFontTx/>
+                        <a:buNone/>
+                        <a:tabLst/>
+                      </a:pPr>
+                      <a:r>
+                        <a:rPr kumimoji="0" lang="en-US" sz="1100" b="1" i="0" u="none" strike="noStrike" cap="none" normalizeH="0" baseline="0" dirty="0">
+                          <a:ln>
+                            <a:noFill/>
+                          </a:ln>
+                          <a:solidFill>
+                            <a:schemeClr val="tx1"/>
+                          </a:solidFill>
+                          <a:effectLst/>
+                          <a:latin typeface="Arial" charset="0"/>
+                          <a:ea typeface="ＭＳ Ｐゴシック" pitchFamily="-112" charset="-128"/>
+                          <a:cs typeface="Times New Roman" pitchFamily="-112" charset="0"/>
+                        </a:rPr>
+                        <a:t>ROUND COUNT:      14</a:t>
+                      </a:r>
+                    </a:p>
+                    <a:p>
+                      <a:pPr marL="0" marR="0" lvl="0" indent="0" algn="l" defTabSz="966788" rtl="0" eaLnBrk="0" fontAlgn="base" latinLnBrk="0" hangingPunct="0">
+                        <a:lnSpc>
+                          <a:spcPct val="100000"/>
+                        </a:lnSpc>
+                        <a:spcBef>
+                          <a:spcPct val="0"/>
+                        </a:spcBef>
+                        <a:spcAft>
+                          <a:spcPct val="0"/>
+                        </a:spcAft>
+                        <a:buClrTx/>
+                        <a:buSzTx/>
+                        <a:buFontTx/>
+                        <a:buNone/>
+                        <a:tabLst/>
+                      </a:pPr>
+                      <a:r>
+                        <a:rPr kumimoji="0" lang="en-US" sz="1100" b="1" i="0" u="none" strike="noStrike" cap="none" normalizeH="0" baseline="0" dirty="0">
+                          <a:ln>
+                            <a:noFill/>
+                          </a:ln>
+                          <a:solidFill>
+                            <a:schemeClr val="tx1"/>
+                          </a:solidFill>
+                          <a:effectLst/>
+                          <a:latin typeface="Arial" charset="0"/>
+                          <a:ea typeface="ＭＳ Ｐゴシック" pitchFamily="-112" charset="-128"/>
+                          <a:cs typeface="Times New Roman" pitchFamily="-112" charset="0"/>
+                        </a:rPr>
+                        <a:t>TARGETS:	</a:t>
+                      </a:r>
+                      <a:r>
+                        <a:rPr kumimoji="0" lang="en-US" sz="1100" b="1" i="0" u="none" strike="noStrike" cap="none" normalizeH="0" baseline="0">
+                          <a:ln>
+                            <a:noFill/>
+                          </a:ln>
+                          <a:solidFill>
+                            <a:schemeClr val="tx1"/>
+                          </a:solidFill>
+                          <a:effectLst/>
+                          <a:latin typeface="Arial" charset="0"/>
+                          <a:ea typeface="ＭＳ Ｐゴシック" pitchFamily="-112" charset="-128"/>
+                          <a:cs typeface="Times New Roman" pitchFamily="-112" charset="0"/>
+                        </a:rPr>
+                        <a:t>         7 </a:t>
+                      </a:r>
+                      <a:r>
+                        <a:rPr kumimoji="0" lang="en-US" sz="1100" b="1" i="0" u="none" strike="noStrike" cap="none" normalizeH="0" baseline="0" dirty="0">
+                          <a:ln>
+                            <a:noFill/>
+                          </a:ln>
+                          <a:solidFill>
+                            <a:schemeClr val="tx1"/>
+                          </a:solidFill>
+                          <a:effectLst/>
+                          <a:latin typeface="Arial" charset="0"/>
+                          <a:ea typeface="ＭＳ Ｐゴシック" pitchFamily="-112" charset="-128"/>
+                          <a:cs typeface="Times New Roman" pitchFamily="-112" charset="0"/>
+                        </a:rPr>
+                        <a:t>IDPA</a:t>
+                      </a:r>
+                    </a:p>
+                    <a:p>
+                      <a:pPr marL="0" marR="0" lvl="0" indent="0" algn="l" defTabSz="966788" rtl="0" eaLnBrk="0" fontAlgn="base" latinLnBrk="0" hangingPunct="0">
+                        <a:lnSpc>
+                          <a:spcPct val="100000"/>
+                        </a:lnSpc>
+                        <a:spcBef>
+                          <a:spcPct val="0"/>
+                        </a:spcBef>
+                        <a:spcAft>
+                          <a:spcPct val="0"/>
+                        </a:spcAft>
+                        <a:buClrTx/>
+                        <a:buSzTx/>
+                        <a:buFontTx/>
+                        <a:buNone/>
+                        <a:tabLst/>
+                      </a:pPr>
+                      <a:r>
+                        <a:rPr kumimoji="0" lang="en-US" sz="1100" b="1" i="0" u="none" strike="noStrike" cap="none" normalizeH="0" baseline="0" dirty="0">
+                          <a:ln>
+                            <a:noFill/>
+                          </a:ln>
+                          <a:solidFill>
+                            <a:schemeClr val="tx1"/>
+                          </a:solidFill>
+                          <a:effectLst/>
+                          <a:latin typeface="Arial" charset="0"/>
+                          <a:ea typeface="ＭＳ Ｐゴシック" pitchFamily="-112" charset="-128"/>
+                          <a:cs typeface="Times New Roman" pitchFamily="-112" charset="0"/>
+                        </a:rPr>
+                        <a:t>START-STOP:          Audible - Last shot</a:t>
+                      </a:r>
+                    </a:p>
+                    <a:p>
+                      <a:pPr marL="0" marR="0" lvl="0" indent="0" algn="l" defTabSz="966788" rtl="0" eaLnBrk="0" fontAlgn="base" latinLnBrk="0" hangingPunct="0">
+                        <a:lnSpc>
+                          <a:spcPct val="100000"/>
+                        </a:lnSpc>
+                        <a:spcBef>
+                          <a:spcPct val="0"/>
+                        </a:spcBef>
+                        <a:spcAft>
+                          <a:spcPct val="0"/>
+                        </a:spcAft>
+                        <a:buClrTx/>
+                        <a:buSzTx/>
+                        <a:buFontTx/>
+                        <a:buNone/>
+                        <a:tabLst/>
+                      </a:pPr>
+                      <a:r>
+                        <a:rPr kumimoji="0" lang="en-US" sz="1100" b="1" i="0" u="none" strike="noStrike" cap="none" normalizeH="0" baseline="0" dirty="0">
+                          <a:ln>
+                            <a:noFill/>
+                          </a:ln>
+                          <a:solidFill>
+                            <a:schemeClr val="tx1"/>
+                          </a:solidFill>
+                          <a:effectLst/>
+                          <a:latin typeface="Arial" charset="0"/>
+                          <a:ea typeface="ＭＳ Ｐゴシック" pitchFamily="-112" charset="-128"/>
+                          <a:cs typeface="Times New Roman" pitchFamily="-112" charset="0"/>
+                        </a:rPr>
+                        <a:t>CONCEALMENT:     Required</a:t>
+                      </a:r>
+                    </a:p>
+                    <a:p>
+                      <a:pPr marL="0" marR="0" lvl="0" indent="0" algn="l" defTabSz="966788" rtl="0" eaLnBrk="0" fontAlgn="base" latinLnBrk="0" hangingPunct="0">
+                        <a:lnSpc>
+                          <a:spcPct val="100000"/>
+                        </a:lnSpc>
+                        <a:spcBef>
+                          <a:spcPct val="0"/>
+                        </a:spcBef>
+                        <a:spcAft>
+                          <a:spcPct val="0"/>
+                        </a:spcAft>
+                        <a:buClrTx/>
+                        <a:buSzTx/>
+                        <a:buFontTx/>
+                        <a:buNone/>
+                        <a:tabLst/>
+                      </a:pPr>
+                      <a:r>
+                        <a:rPr kumimoji="0" lang="en-US" sz="1100" b="1" i="0" u="none" strike="noStrike" cap="none" normalizeH="0" baseline="0" dirty="0">
+                          <a:ln>
+                            <a:noFill/>
+                          </a:ln>
+                          <a:solidFill>
+                            <a:schemeClr val="tx1"/>
+                          </a:solidFill>
+                          <a:effectLst/>
+                          <a:latin typeface="Arial" charset="0"/>
+                          <a:ea typeface="ＭＳ Ｐゴシック" pitchFamily="-112" charset="-128"/>
+                          <a:cs typeface="Times New Roman" pitchFamily="-112" charset="0"/>
+                        </a:rPr>
+                        <a:t>Muzzle Safe Points: Muzzle safe markers / 180 degree rule</a:t>
+                      </a:r>
+                    </a:p>
+                    <a:p>
+                      <a:pPr marL="0" marR="0" lvl="0" indent="0" algn="l" defTabSz="966788" rtl="0" eaLnBrk="0" fontAlgn="base" latinLnBrk="0" hangingPunct="0">
+                        <a:lnSpc>
+                          <a:spcPct val="100000"/>
+                        </a:lnSpc>
+                        <a:spcBef>
+                          <a:spcPct val="0"/>
+                        </a:spcBef>
+                        <a:spcAft>
+                          <a:spcPct val="0"/>
+                        </a:spcAft>
+                        <a:buClrTx/>
+                        <a:buSzTx/>
+                        <a:buFontTx/>
+                        <a:buNone/>
+                        <a:tabLst/>
+                      </a:pPr>
+                      <a:endParaRPr kumimoji="0" lang="en-US" sz="1100" b="1" i="0" u="none" strike="noStrike" cap="none" normalizeH="0" baseline="0" dirty="0">
+                        <a:ln>
+                          <a:noFill/>
+                        </a:ln>
+                        <a:solidFill>
+                          <a:schemeClr val="tx1"/>
+                        </a:solidFill>
+                        <a:effectLst/>
+                        <a:latin typeface="Arial" charset="0"/>
+                        <a:ea typeface="ＭＳ Ｐゴシック" pitchFamily="-112" charset="-128"/>
+                        <a:cs typeface="Times New Roman" pitchFamily="-112" charset="0"/>
+                      </a:endParaRPr>
+                    </a:p>
+                    <a:p>
+                      <a:pPr marL="0" marR="0" lvl="0" indent="0" algn="l" defTabSz="966788" rtl="0" eaLnBrk="0" fontAlgn="base" latinLnBrk="0" hangingPunct="0">
+                        <a:lnSpc>
+                          <a:spcPct val="100000"/>
+                        </a:lnSpc>
+                        <a:spcBef>
+                          <a:spcPct val="0"/>
+                        </a:spcBef>
+                        <a:spcAft>
+                          <a:spcPct val="0"/>
+                        </a:spcAft>
+                        <a:buClrTx/>
+                        <a:buSzTx/>
+                        <a:buFontTx/>
+                        <a:buNone/>
+                        <a:tabLst/>
+                      </a:pPr>
+                      <a:r>
+                        <a:rPr kumimoji="0" lang="en-US" sz="1100" b="1" i="0" u="none" strike="noStrike" cap="none" normalizeH="0" baseline="0" dirty="0">
+                          <a:ln>
+                            <a:noFill/>
+                          </a:ln>
+                          <a:solidFill>
+                            <a:schemeClr val="tx1"/>
+                          </a:solidFill>
+                          <a:effectLst/>
+                          <a:latin typeface="Arial" charset="0"/>
+                          <a:ea typeface="ＭＳ Ｐゴシック" pitchFamily="-112" charset="-128"/>
+                          <a:cs typeface="Times New Roman" pitchFamily="-112" charset="0"/>
+                        </a:rPr>
+                        <a:t>SO NOTES:</a:t>
+                      </a:r>
+                      <a:r>
+                        <a:rPr kumimoji="0" lang="en-US" sz="1100" b="0" i="0" u="none" strike="noStrike" cap="none" normalizeH="0" baseline="0" dirty="0">
+                          <a:ln>
+                            <a:noFill/>
+                          </a:ln>
+                          <a:solidFill>
+                            <a:schemeClr val="tx1"/>
+                          </a:solidFill>
+                          <a:effectLst/>
+                          <a:latin typeface="Arial" charset="0"/>
+                          <a:ea typeface="ＭＳ Ｐゴシック" pitchFamily="-112" charset="-128"/>
+                          <a:cs typeface="Times New Roman" pitchFamily="-112" charset="0"/>
+                        </a:rPr>
+                        <a:t>PCC start with stock on belt, muzzle pointing downrange. Weak hand holding bag</a:t>
+                      </a:r>
+                    </a:p>
+                  </a:txBody>
+                  <a:tcPr marL="45720" marR="45720" marT="45715" marB="45715" horzOverflow="overflow">
+                    <a:lnL w="28575" cap="flat" cmpd="sng" algn="ctr">
+                      <a:solidFill>
+                        <a:schemeClr val="tx1"/>
+                      </a:solidFill>
+                      <a:prstDash val="solid"/>
+                      <a:round/>
+                      <a:headEnd type="none" w="med" len="med"/>
+                      <a:tailEnd type="none" w="med" len="med"/>
+                    </a:lnL>
+                    <a:lnR w="28575" cap="flat" cmpd="sng" algn="ctr">
+                      <a:solidFill>
+                        <a:schemeClr val="tx1"/>
+                      </a:solidFill>
+                      <a:prstDash val="solid"/>
+                      <a:round/>
+                      <a:headEnd type="none" w="med" len="med"/>
+                      <a:tailEnd type="none" w="med" len="med"/>
+                    </a:lnR>
+                    <a:lnT w="28575" cap="flat" cmpd="sng" algn="ctr">
+                      <a:solidFill>
+                        <a:schemeClr val="tx1"/>
+                      </a:solidFill>
+                      <a:prstDash val="solid"/>
+                      <a:round/>
+                      <a:headEnd type="none" w="med" len="med"/>
+                      <a:tailEnd type="none" w="med" len="med"/>
+                    </a:lnT>
+                    <a:lnB w="28575" cap="flat" cmpd="sng" algn="ctr">
+                      <a:solidFill>
+                        <a:schemeClr val="tx1"/>
+                      </a:solidFill>
+                      <a:prstDash val="solid"/>
+                      <a:round/>
+                      <a:headEnd type="none" w="med" len="med"/>
+                      <a:tailEnd type="none" w="med" len="med"/>
+                    </a:lnB>
+                    <a:lnTlToBr>
+                      <a:noFill/>
+                    </a:lnTlToBr>
+                    <a:lnBlToTr>
+                      <a:noFill/>
+                    </a:lnBlToTr>
+                    <a:solidFill>
+                      <a:schemeClr val="bg1"/>
+                    </a:solidFill>
+                  </a:tcPr>
+                </a:tc>
+                <a:tc rowSpan="2" hMerge="1">
+                  <a:txBody>
+                    <a:bodyPr/>
+                    <a:lstStyle/>
+                    <a:p>
+                      <a:endParaRPr lang="en-US"/>
+                    </a:p>
+                  </a:txBody>
+                  <a:tcPr/>
+                </a:tc>
+                <a:extLst>
+                  <a:ext uri="{0D108BD9-81ED-4DB2-BD59-A6C34878D82A}">
+                    <a16:rowId xmlns:a16="http://schemas.microsoft.com/office/drawing/2014/main" val="10002"/>
+                  </a:ext>
+                </a:extLst>
+              </a:tr>
+              <a:tr h="1736192">
+                <a:tc gridSpan="2">
+                  <a:txBody>
+                    <a:bodyPr/>
+                    <a:lstStyle/>
+                    <a:p>
+                      <a:pPr marL="0" marR="0" lvl="0" indent="0" algn="l" defTabSz="966788" rtl="0" eaLnBrk="1" fontAlgn="base" latinLnBrk="0" hangingPunct="1">
+                        <a:lnSpc>
+                          <a:spcPct val="100000"/>
+                        </a:lnSpc>
+                        <a:spcBef>
+                          <a:spcPct val="20000"/>
+                        </a:spcBef>
+                        <a:spcAft>
+                          <a:spcPct val="0"/>
+                        </a:spcAft>
+                        <a:buClrTx/>
+                        <a:buSzTx/>
+                        <a:buFontTx/>
+                        <a:buNone/>
+                        <a:tabLst/>
+                      </a:pPr>
+                      <a:r>
+                        <a:rPr kumimoji="0" lang="en-US" sz="1100" b="1" i="0" u="none" strike="noStrike" cap="none" normalizeH="0" baseline="0" dirty="0">
+                          <a:ln>
+                            <a:noFill/>
+                          </a:ln>
+                          <a:solidFill>
+                            <a:schemeClr val="tx1"/>
+                          </a:solidFill>
+                          <a:effectLst/>
+                          <a:latin typeface="Arial" charset="0"/>
+                          <a:ea typeface="ＭＳ Ｐゴシック" pitchFamily="-112" charset="-128"/>
+                          <a:cs typeface="Times New Roman" pitchFamily="-112" charset="0"/>
+                        </a:rPr>
+                        <a:t>STAGE PROCEDURE: </a:t>
+                      </a:r>
+                      <a:r>
+                        <a:rPr kumimoji="0" lang="en-US" sz="1100" b="0" i="0" u="none" strike="noStrike" cap="none" normalizeH="0" baseline="0" dirty="0">
+                          <a:ln>
+                            <a:noFill/>
+                          </a:ln>
+                          <a:solidFill>
+                            <a:schemeClr val="tx1"/>
+                          </a:solidFill>
+                          <a:effectLst/>
+                          <a:latin typeface="Arial" charset="0"/>
+                          <a:ea typeface="ＭＳ Ｐゴシック" pitchFamily="-112" charset="-128"/>
+                          <a:cs typeface="Times New Roman" pitchFamily="-112" charset="0"/>
+                        </a:rPr>
+                        <a:t>At the start signal, engage T1-T3 in tactical priority, then make your way to P2. While on the way to P2, you are surprised by T4.</a:t>
+                      </a:r>
+                    </a:p>
+                  </a:txBody>
+                  <a:tcPr marL="45720" marR="45720" marT="45715" marB="45715" horzOverflow="overflow">
+                    <a:lnL w="28575" cap="flat" cmpd="sng" algn="ctr">
+                      <a:solidFill>
+                        <a:schemeClr val="tx1"/>
+                      </a:solidFill>
+                      <a:prstDash val="solid"/>
+                      <a:round/>
+                      <a:headEnd type="none" w="med" len="med"/>
+                      <a:tailEnd type="none" w="med" len="med"/>
+                    </a:lnL>
+                    <a:lnR w="28575" cap="flat" cmpd="sng" algn="ctr">
+                      <a:solidFill>
+                        <a:schemeClr val="tx1"/>
+                      </a:solidFill>
+                      <a:prstDash val="solid"/>
+                      <a:round/>
+                      <a:headEnd type="none" w="med" len="med"/>
+                      <a:tailEnd type="none" w="med" len="med"/>
+                    </a:lnR>
+                    <a:lnT w="28575" cap="flat" cmpd="sng" algn="ctr">
+                      <a:solidFill>
+                        <a:schemeClr val="tx1"/>
+                      </a:solidFill>
+                      <a:prstDash val="solid"/>
+                      <a:round/>
+                      <a:headEnd type="none" w="med" len="med"/>
+                      <a:tailEnd type="none" w="med" len="med"/>
+                    </a:lnT>
+                    <a:lnB w="28575" cap="flat" cmpd="sng" algn="ctr">
+                      <a:solidFill>
+                        <a:schemeClr val="tx1"/>
+                      </a:solidFill>
+                      <a:prstDash val="solid"/>
+                      <a:round/>
+                      <a:headEnd type="none" w="med" len="med"/>
+                      <a:tailEnd type="none" w="med" len="med"/>
+                    </a:lnB>
+                    <a:lnTlToBr>
+                      <a:noFill/>
+                    </a:lnTlToBr>
+                    <a:lnBlToTr>
+                      <a:noFill/>
+                    </a:lnBlToTr>
+                    <a:solidFill>
+                      <a:schemeClr val="bg1"/>
+                    </a:solidFill>
+                  </a:tcPr>
+                </a:tc>
+                <a:tc hMerge="1">
+                  <a:txBody>
+                    <a:bodyPr/>
+                    <a:lstStyle/>
+                    <a:p>
+                      <a:endParaRPr lang="en-US"/>
+                    </a:p>
+                  </a:txBody>
+                  <a:tcPr/>
+                </a:tc>
+                <a:tc gridSpan="2" vMerge="1">
+                  <a:txBody>
+                    <a:bodyPr/>
+                    <a:lstStyle/>
+                    <a:p>
+                      <a:endParaRPr lang="en-US"/>
+                    </a:p>
+                  </a:txBody>
+                  <a:tcPr/>
+                </a:tc>
+                <a:tc hMerge="1" vMerge="1">
+                  <a:txBody>
+                    <a:bodyPr/>
+                    <a:lstStyle/>
+                    <a:p>
+                      <a:endParaRPr lang="en-US"/>
+                    </a:p>
+                  </a:txBody>
+                  <a:tcPr/>
+                </a:tc>
+                <a:extLst>
+                  <a:ext uri="{0D108BD9-81ED-4DB2-BD59-A6C34878D82A}">
+                    <a16:rowId xmlns:a16="http://schemas.microsoft.com/office/drawing/2014/main" val="10003"/>
+                  </a:ext>
+                </a:extLst>
+              </a:tr>
+            </a:tbl>
+          </a:graphicData>
+        </a:graphic>
+      </p:graphicFrame>
+      <p:pic>
+        <p:nvPicPr>
+          <p:cNvPr id="15" name="Picture 2" descr="http://www.idpa.com/MISC/Logos/SquareLogo/SquareLOGO-IDPA180.jpg">
+            <a:extLst>
+              <a:ext uri="{FF2B5EF4-FFF2-40B4-BE49-F238E27FC236}">
+                <a16:creationId xmlns:a16="http://schemas.microsoft.com/office/drawing/2014/main" id="{78331418-D313-4EEF-827D-C41821AC6928}"/>
+              </a:ext>
+            </a:extLst>
+          </p:cNvPr>
+          <p:cNvPicPr>
+            <a:picLocks noChangeAspect="1" noChangeArrowheads="1"/>
+          </p:cNvPicPr>
+          <p:nvPr/>
+        </p:nvPicPr>
+        <p:blipFill>
+          <a:blip r:embed="rId3">
+            <a:extLst>
+              <a:ext uri="{28A0092B-C50C-407E-A947-70E740481C1C}">
+                <a14:useLocalDpi xmlns:a14="http://schemas.microsoft.com/office/drawing/2010/main" val="0"/>
+              </a:ext>
+            </a:extLst>
+          </a:blip>
+          <a:srcRect/>
+          <a:stretch>
+            <a:fillRect/>
+          </a:stretch>
+        </p:blipFill>
+        <p:spPr bwMode="auto">
+          <a:xfrm>
+            <a:off x="6249483" y="203200"/>
+            <a:ext cx="930980" cy="930980"/>
+          </a:xfrm>
+          <a:prstGeom prst="rect">
+            <a:avLst/>
+          </a:prstGeom>
+          <a:noFill/>
+          <a:extLst>
+            <a:ext uri="{909E8E84-426E-40DD-AFC4-6F175D3DCCD1}">
+              <a14:hiddenFill xmlns:a14="http://schemas.microsoft.com/office/drawing/2010/main">
+                <a:solidFill>
+                  <a:srgbClr val="FFFFFF"/>
+                </a:solidFill>
+              </a14:hiddenFill>
+            </a:ext>
+          </a:extLst>
+        </p:spPr>
+      </p:pic>
+      <p:pic>
+        <p:nvPicPr>
+          <p:cNvPr id="16" name="Picture 4" descr="http://www.rfgc.org/files/patch.png">
+            <a:extLst>
+              <a:ext uri="{FF2B5EF4-FFF2-40B4-BE49-F238E27FC236}">
+                <a16:creationId xmlns:a16="http://schemas.microsoft.com/office/drawing/2014/main" id="{156EFA39-1A0B-4256-86BF-A6696AF2AE23}"/>
+              </a:ext>
+            </a:extLst>
+          </p:cNvPr>
+          <p:cNvPicPr>
+            <a:picLocks noChangeAspect="1" noChangeArrowheads="1"/>
+          </p:cNvPicPr>
+          <p:nvPr/>
+        </p:nvPicPr>
+        <p:blipFill>
+          <a:blip r:embed="rId4">
+            <a:extLst>
+              <a:ext uri="{28A0092B-C50C-407E-A947-70E740481C1C}">
+                <a14:useLocalDpi xmlns:a14="http://schemas.microsoft.com/office/drawing/2010/main" val="0"/>
+              </a:ext>
+            </a:extLst>
+          </a:blip>
+          <a:srcRect/>
+          <a:stretch>
+            <a:fillRect/>
+          </a:stretch>
+        </p:blipFill>
+        <p:spPr bwMode="auto">
+          <a:xfrm>
+            <a:off x="53780" y="76035"/>
+            <a:ext cx="1134712" cy="1134712"/>
+          </a:xfrm>
+          <a:prstGeom prst="rect">
+            <a:avLst/>
+          </a:prstGeom>
+          <a:noFill/>
+          <a:extLst>
+            <a:ext uri="{909E8E84-426E-40DD-AFC4-6F175D3DCCD1}">
+              <a14:hiddenFill xmlns:a14="http://schemas.microsoft.com/office/drawing/2010/main">
+                <a:solidFill>
+                  <a:srgbClr val="FFFFFF"/>
+                </a:solidFill>
+              </a14:hiddenFill>
+            </a:ext>
+          </a:extLst>
+        </p:spPr>
+      </p:pic>
+      <p:grpSp>
+        <p:nvGrpSpPr>
+          <p:cNvPr id="211" name="Group 134">
+            <a:extLst>
+              <a:ext uri="{FF2B5EF4-FFF2-40B4-BE49-F238E27FC236}">
+                <a16:creationId xmlns:a16="http://schemas.microsoft.com/office/drawing/2014/main" id="{6B437151-0BE6-F64E-AFCC-2E7740056E30}"/>
+              </a:ext>
+            </a:extLst>
+          </p:cNvPr>
+          <p:cNvGrpSpPr>
+            <a:grpSpLocks/>
+          </p:cNvGrpSpPr>
+          <p:nvPr/>
+        </p:nvGrpSpPr>
+        <p:grpSpPr bwMode="auto">
+          <a:xfrm>
+            <a:off x="957263" y="5984875"/>
+            <a:ext cx="381000" cy="866775"/>
+            <a:chOff x="6553200" y="5410200"/>
+            <a:chExt cx="381000" cy="866774"/>
+          </a:xfrm>
+        </p:grpSpPr>
+        <p:grpSp>
+          <p:nvGrpSpPr>
+            <p:cNvPr id="212" name="Group 29">
+              <a:extLst>
+                <a:ext uri="{FF2B5EF4-FFF2-40B4-BE49-F238E27FC236}">
+                  <a16:creationId xmlns:a16="http://schemas.microsoft.com/office/drawing/2014/main" id="{ABC2703D-B2F5-0B40-B63B-34C41793FFA0}"/>
+                </a:ext>
+              </a:extLst>
+            </p:cNvPr>
+            <p:cNvGrpSpPr>
+              <a:grpSpLocks/>
+            </p:cNvGrpSpPr>
+            <p:nvPr/>
+          </p:nvGrpSpPr>
+          <p:grpSpPr bwMode="auto">
+            <a:xfrm>
+              <a:off x="6567675" y="5410200"/>
+              <a:ext cx="304800" cy="866774"/>
+              <a:chOff x="528" y="240"/>
+              <a:chExt cx="181" cy="498"/>
+            </a:xfrm>
+            <a:gradFill>
+              <a:gsLst>
+                <a:gs pos="0">
+                  <a:srgbClr val="FFC000"/>
+                </a:gs>
+                <a:gs pos="30000">
+                  <a:srgbClr val="D49E6C"/>
+                </a:gs>
+                <a:gs pos="70000">
+                  <a:srgbClr val="A65528"/>
+                </a:gs>
+                <a:gs pos="100000">
+                  <a:srgbClr val="663012"/>
+                </a:gs>
+              </a:gsLst>
+              <a:lin ang="5400000" scaled="0"/>
+            </a:gradFill>
+          </p:grpSpPr>
+          <p:sp>
+            <p:nvSpPr>
+              <p:cNvPr id="214" name="Line 30">
+                <a:extLst>
+                  <a:ext uri="{FF2B5EF4-FFF2-40B4-BE49-F238E27FC236}">
+                    <a16:creationId xmlns:a16="http://schemas.microsoft.com/office/drawing/2014/main" id="{13712CFB-9010-764A-9DFA-1152D7125AD8}"/>
+                  </a:ext>
+                </a:extLst>
+              </p:cNvPr>
+              <p:cNvSpPr>
+                <a:spLocks noChangeShapeType="1"/>
+              </p:cNvSpPr>
+              <p:nvPr/>
+            </p:nvSpPr>
+            <p:spPr bwMode="auto">
+              <a:xfrm>
+                <a:off x="535" y="485"/>
+                <a:ext cx="0" cy="253"/>
+              </a:xfrm>
+              <a:prstGeom prst="line">
+                <a:avLst/>
+              </a:prstGeom>
+              <a:grpFill/>
+              <a:ln w="28575">
+                <a:solidFill>
+                  <a:schemeClr val="tx1"/>
+                </a:solidFill>
+                <a:round/>
+                <a:headEnd/>
+                <a:tailEnd/>
+              </a:ln>
+            </p:spPr>
+            <p:txBody>
+              <a:bodyPr wrap="none" anchor="ctr"/>
+              <a:lstStyle/>
+              <a:p>
+                <a:pPr eaLnBrk="1" hangingPunct="1">
+                  <a:defRPr/>
+                </a:pPr>
+                <a:endParaRPr lang="en-US" b="1">
+                  <a:latin typeface="Arial" charset="0"/>
+                  <a:ea typeface="ＭＳ Ｐゴシック" charset="-128"/>
+                </a:endParaRPr>
+              </a:p>
+            </p:txBody>
+          </p:sp>
+          <p:sp>
+            <p:nvSpPr>
+              <p:cNvPr id="215" name="Line 31">
+                <a:extLst>
+                  <a:ext uri="{FF2B5EF4-FFF2-40B4-BE49-F238E27FC236}">
+                    <a16:creationId xmlns:a16="http://schemas.microsoft.com/office/drawing/2014/main" id="{6E06C2CC-7C7A-0F4F-B1FA-39F2DA675631}"/>
+                  </a:ext>
+                </a:extLst>
+              </p:cNvPr>
+              <p:cNvSpPr>
+                <a:spLocks noChangeShapeType="1"/>
+              </p:cNvSpPr>
+              <p:nvPr/>
+            </p:nvSpPr>
+            <p:spPr bwMode="auto">
+              <a:xfrm>
+                <a:off x="701" y="485"/>
+                <a:ext cx="0" cy="253"/>
+              </a:xfrm>
+              <a:prstGeom prst="line">
+                <a:avLst/>
+              </a:prstGeom>
+              <a:grpFill/>
+              <a:ln w="28575">
+                <a:solidFill>
+                  <a:schemeClr val="tx1"/>
+                </a:solidFill>
+                <a:round/>
+                <a:headEnd/>
+                <a:tailEnd/>
+              </a:ln>
+            </p:spPr>
+            <p:txBody>
+              <a:bodyPr wrap="none" anchor="ctr"/>
+              <a:lstStyle/>
+              <a:p>
+                <a:pPr eaLnBrk="1" hangingPunct="1">
+                  <a:defRPr/>
+                </a:pPr>
+                <a:endParaRPr lang="en-US" b="1">
+                  <a:latin typeface="Arial" charset="0"/>
+                  <a:ea typeface="ＭＳ Ｐゴシック" charset="-128"/>
+                </a:endParaRPr>
+              </a:p>
+            </p:txBody>
+          </p:sp>
+          <p:sp>
+            <p:nvSpPr>
+              <p:cNvPr id="216" name="Freeform 32">
+                <a:extLst>
+                  <a:ext uri="{FF2B5EF4-FFF2-40B4-BE49-F238E27FC236}">
+                    <a16:creationId xmlns:a16="http://schemas.microsoft.com/office/drawing/2014/main" id="{58845640-82E4-FA49-B173-449B6F3B6EE2}"/>
+                  </a:ext>
+                </a:extLst>
+              </p:cNvPr>
+              <p:cNvSpPr>
+                <a:spLocks/>
+              </p:cNvSpPr>
+              <p:nvPr/>
+            </p:nvSpPr>
+            <p:spPr bwMode="auto">
+              <a:xfrm>
+                <a:off x="528" y="240"/>
+                <a:ext cx="181" cy="332"/>
+              </a:xfrm>
+              <a:custGeom>
+                <a:avLst/>
+                <a:gdLst>
+                  <a:gd name="T0" fmla="*/ 16 w 277"/>
+                  <a:gd name="T1" fmla="*/ 0 h 517"/>
+                  <a:gd name="T2" fmla="*/ 35 w 277"/>
+                  <a:gd name="T3" fmla="*/ 0 h 517"/>
+                  <a:gd name="T4" fmla="*/ 35 w 277"/>
+                  <a:gd name="T5" fmla="*/ 18 h 517"/>
+                  <a:gd name="T6" fmla="*/ 41 w 277"/>
+                  <a:gd name="T7" fmla="*/ 18 h 517"/>
+                  <a:gd name="T8" fmla="*/ 50 w 277"/>
+                  <a:gd name="T9" fmla="*/ 24 h 517"/>
+                  <a:gd name="T10" fmla="*/ 50 w 277"/>
+                  <a:gd name="T11" fmla="*/ 71 h 517"/>
+                  <a:gd name="T12" fmla="*/ 41 w 277"/>
+                  <a:gd name="T13" fmla="*/ 88 h 517"/>
+                  <a:gd name="T14" fmla="*/ 9 w 277"/>
+                  <a:gd name="T15" fmla="*/ 88 h 517"/>
+                  <a:gd name="T16" fmla="*/ 0 w 277"/>
+                  <a:gd name="T17" fmla="*/ 71 h 517"/>
+                  <a:gd name="T18" fmla="*/ 0 w 277"/>
+                  <a:gd name="T19" fmla="*/ 24 h 517"/>
+                  <a:gd name="T20" fmla="*/ 9 w 277"/>
+                  <a:gd name="T21" fmla="*/ 18 h 517"/>
+                  <a:gd name="T22" fmla="*/ 16 w 277"/>
+                  <a:gd name="T23" fmla="*/ 18 h 517"/>
+                  <a:gd name="T24" fmla="*/ 16 w 277"/>
+                  <a:gd name="T25" fmla="*/ 0 h 517"/>
+                  <a:gd name="T26" fmla="*/ 0 60000 65536"/>
+                  <a:gd name="T27" fmla="*/ 0 60000 65536"/>
+                  <a:gd name="T28" fmla="*/ 0 60000 65536"/>
+                  <a:gd name="T29" fmla="*/ 0 60000 65536"/>
+                  <a:gd name="T30" fmla="*/ 0 60000 65536"/>
+                  <a:gd name="T31" fmla="*/ 0 60000 65536"/>
+                  <a:gd name="T32" fmla="*/ 0 60000 65536"/>
+                  <a:gd name="T33" fmla="*/ 0 60000 65536"/>
+                  <a:gd name="T34" fmla="*/ 0 60000 65536"/>
+                  <a:gd name="T35" fmla="*/ 0 60000 65536"/>
+                  <a:gd name="T36" fmla="*/ 0 60000 65536"/>
+                  <a:gd name="T37" fmla="*/ 0 60000 65536"/>
+                  <a:gd name="T38" fmla="*/ 0 60000 65536"/>
+                  <a:gd name="T39" fmla="*/ 0 w 277"/>
+                  <a:gd name="T40" fmla="*/ 0 h 517"/>
+                  <a:gd name="T41" fmla="*/ 277 w 277"/>
+                  <a:gd name="T42" fmla="*/ 517 h 517"/>
+                </a:gdLst>
+                <a:ahLst/>
+                <a:cxnLst>
+                  <a:cxn ang="T26">
+                    <a:pos x="T0" y="T1"/>
+                  </a:cxn>
+                  <a:cxn ang="T27">
+                    <a:pos x="T2" y="T3"/>
+                  </a:cxn>
+                  <a:cxn ang="T28">
+                    <a:pos x="T4" y="T5"/>
+                  </a:cxn>
+                  <a:cxn ang="T29">
+                    <a:pos x="T6" y="T7"/>
+                  </a:cxn>
+                  <a:cxn ang="T30">
+                    <a:pos x="T8" y="T9"/>
+                  </a:cxn>
+                  <a:cxn ang="T31">
+                    <a:pos x="T10" y="T11"/>
+                  </a:cxn>
+                  <a:cxn ang="T32">
+                    <a:pos x="T12" y="T13"/>
+                  </a:cxn>
+                  <a:cxn ang="T33">
+                    <a:pos x="T14" y="T15"/>
+                  </a:cxn>
+                  <a:cxn ang="T34">
+                    <a:pos x="T16" y="T17"/>
+                  </a:cxn>
+                  <a:cxn ang="T35">
+                    <a:pos x="T18" y="T19"/>
+                  </a:cxn>
+                  <a:cxn ang="T36">
+                    <a:pos x="T20" y="T21"/>
+                  </a:cxn>
+                  <a:cxn ang="T37">
+                    <a:pos x="T22" y="T23"/>
+                  </a:cxn>
+                  <a:cxn ang="T38">
+                    <a:pos x="T24" y="T25"/>
+                  </a:cxn>
+                </a:cxnLst>
+                <a:rect l="T39" t="T40" r="T41" b="T42"/>
+                <a:pathLst>
+                  <a:path w="277" h="517">
+                    <a:moveTo>
+                      <a:pt x="89" y="0"/>
+                    </a:moveTo>
+                    <a:lnTo>
+                      <a:pt x="191" y="0"/>
+                    </a:lnTo>
+                    <a:lnTo>
+                      <a:pt x="191" y="105"/>
+                    </a:lnTo>
+                    <a:lnTo>
+                      <a:pt x="225" y="105"/>
+                    </a:lnTo>
+                    <a:lnTo>
+                      <a:pt x="276" y="139"/>
+                    </a:lnTo>
+                    <a:lnTo>
+                      <a:pt x="276" y="415"/>
+                    </a:lnTo>
+                    <a:lnTo>
+                      <a:pt x="225" y="516"/>
+                    </a:lnTo>
+                    <a:lnTo>
+                      <a:pt x="51" y="516"/>
+                    </a:lnTo>
+                    <a:lnTo>
+                      <a:pt x="0" y="415"/>
+                    </a:lnTo>
+                    <a:lnTo>
+                      <a:pt x="0" y="139"/>
+                    </a:lnTo>
+                    <a:lnTo>
+                      <a:pt x="51" y="105"/>
+                    </a:lnTo>
+                    <a:lnTo>
+                      <a:pt x="89" y="105"/>
+                    </a:lnTo>
+                    <a:lnTo>
+                      <a:pt x="89" y="0"/>
+                    </a:lnTo>
+                  </a:path>
+                </a:pathLst>
+              </a:custGeom>
+              <a:solidFill>
+                <a:srgbClr val="FFCC99"/>
+              </a:solidFill>
+              <a:ln w="12700" cap="rnd">
+                <a:solidFill>
+                  <a:schemeClr val="tx1"/>
+                </a:solidFill>
+                <a:round/>
+                <a:headEnd/>
+                <a:tailEnd/>
+              </a:ln>
+            </p:spPr>
+            <p:txBody>
+              <a:bodyPr/>
+              <a:lstStyle/>
+              <a:p>
+                <a:pPr eaLnBrk="1" hangingPunct="1">
+                  <a:defRPr/>
+                </a:pPr>
+                <a:endParaRPr lang="en-US" sz="1000" b="1" dirty="0">
+                  <a:latin typeface="Arial" charset="0"/>
+                  <a:ea typeface="ＭＳ Ｐゴシック" charset="-128"/>
+                </a:endParaRPr>
+              </a:p>
+            </p:txBody>
+          </p:sp>
+        </p:grpSp>
+        <p:sp>
+          <p:nvSpPr>
+            <p:cNvPr id="213" name="TextBox 114">
+              <a:extLst>
+                <a:ext uri="{FF2B5EF4-FFF2-40B4-BE49-F238E27FC236}">
+                  <a16:creationId xmlns:a16="http://schemas.microsoft.com/office/drawing/2014/main" id="{D9015F8F-4DC1-0748-89B8-8EA47D2F9563}"/>
+                </a:ext>
+              </a:extLst>
+            </p:cNvPr>
+            <p:cNvSpPr txBox="1">
+              <a:spLocks noChangeArrowheads="1"/>
+            </p:cNvSpPr>
+            <p:nvPr/>
+          </p:nvSpPr>
+          <p:spPr bwMode="auto">
+            <a:xfrm>
+              <a:off x="6553200" y="5627688"/>
+              <a:ext cx="381000" cy="246062"/>
+            </a:xfrm>
+            <a:prstGeom prst="rect">
+              <a:avLst/>
+            </a:prstGeom>
+            <a:noFill/>
+            <a:ln>
+              <a:noFill/>
+            </a:ln>
+            <a:extLst>
+              <a:ext uri="{909E8E84-426E-40DD-AFC4-6F175D3DCCD1}">
+                <a14:hiddenFill xmlns:a14="http://schemas.microsoft.com/office/drawing/2010/main">
+                  <a:solidFill>
+                    <a:srgbClr val="FFFFFF"/>
+                  </a:solidFill>
+                </a14:hiddenFill>
+              </a:ext>
+              <a:ext uri="{91240B29-F687-4F45-9708-019B960494DF}">
+                <a14:hiddenLine xmlns:a14="http://schemas.microsoft.com/office/drawing/2010/main" w="9525">
+                  <a:solidFill>
+                    <a:srgbClr val="000000"/>
+                  </a:solidFill>
+                  <a:miter lim="800000"/>
+                  <a:headEnd/>
+                  <a:tailEnd/>
+                </a14:hiddenLine>
+              </a:ext>
+            </a:extLst>
+          </p:spPr>
+          <p:txBody>
+            <a:bodyPr>
+              <a:spAutoFit/>
+            </a:bodyPr>
+            <a:lstStyle>
+              <a:lvl1pPr>
+                <a:spcBef>
+                  <a:spcPct val="20000"/>
+                </a:spcBef>
+                <a:buChar char="•"/>
+                <a:defRPr sz="3400">
+                  <a:solidFill>
+                    <a:schemeClr val="tx1"/>
+                  </a:solidFill>
+                  <a:latin typeface="Arial" panose="020B0604020202020204" pitchFamily="34" charset="0"/>
+                  <a:ea typeface="ＭＳ Ｐゴシック" panose="020B0600070205080204" pitchFamily="34" charset="-128"/>
+                </a:defRPr>
+              </a:lvl1pPr>
+              <a:lvl2pPr marL="742950" indent="-285750">
+                <a:spcBef>
+                  <a:spcPct val="20000"/>
+                </a:spcBef>
+                <a:buChar char="–"/>
+                <a:defRPr sz="3000">
+                  <a:solidFill>
+                    <a:schemeClr val="tx1"/>
+                  </a:solidFill>
+                  <a:latin typeface="Arial" panose="020B0604020202020204" pitchFamily="34" charset="0"/>
+                  <a:ea typeface="ＭＳ Ｐゴシック" panose="020B0600070205080204" pitchFamily="34" charset="-128"/>
+                </a:defRPr>
+              </a:lvl2pPr>
+              <a:lvl3pPr marL="1143000" indent="-228600">
+                <a:spcBef>
+                  <a:spcPct val="20000"/>
+                </a:spcBef>
+                <a:buChar char="•"/>
+                <a:defRPr sz="2500">
+                  <a:solidFill>
+                    <a:schemeClr val="tx1"/>
+                  </a:solidFill>
+                  <a:latin typeface="Arial" panose="020B0604020202020204" pitchFamily="34" charset="0"/>
+                  <a:ea typeface="ＭＳ Ｐゴシック" panose="020B0600070205080204" pitchFamily="34" charset="-128"/>
+                </a:defRPr>
+              </a:lvl3pPr>
+              <a:lvl4pPr marL="1600200" indent="-228600">
+                <a:spcBef>
+                  <a:spcPct val="20000"/>
+                </a:spcBef>
+                <a:buChar char="–"/>
+                <a:defRPr sz="2100">
+                  <a:solidFill>
+                    <a:schemeClr val="tx1"/>
+                  </a:solidFill>
+                  <a:latin typeface="Arial" panose="020B0604020202020204" pitchFamily="34" charset="0"/>
+                  <a:ea typeface="ＭＳ Ｐゴシック" panose="020B0600070205080204" pitchFamily="34" charset="-128"/>
+                </a:defRPr>
+              </a:lvl4pPr>
+              <a:lvl5pPr marL="2057400" indent="-228600">
+                <a:spcBef>
+                  <a:spcPct val="20000"/>
+                </a:spcBef>
+                <a:buChar char="»"/>
+                <a:defRPr sz="2100">
+                  <a:solidFill>
+                    <a:schemeClr val="tx1"/>
+                  </a:solidFill>
+                  <a:latin typeface="Arial" panose="020B0604020202020204" pitchFamily="34" charset="0"/>
+                  <a:ea typeface="ＭＳ Ｐゴシック" panose="020B0600070205080204" pitchFamily="34" charset="-128"/>
+                </a:defRPr>
+              </a:lvl5pPr>
+              <a:lvl6pPr marL="2514600" indent="-228600" eaLnBrk="0" fontAlgn="base" hangingPunct="0">
+                <a:spcBef>
+                  <a:spcPct val="20000"/>
+                </a:spcBef>
+                <a:spcAft>
+                  <a:spcPct val="0"/>
+                </a:spcAft>
+                <a:buChar char="»"/>
+                <a:defRPr sz="2100">
+                  <a:solidFill>
+                    <a:schemeClr val="tx1"/>
+                  </a:solidFill>
+                  <a:latin typeface="Arial" panose="020B0604020202020204" pitchFamily="34" charset="0"/>
+                  <a:ea typeface="ＭＳ Ｐゴシック" panose="020B0600070205080204" pitchFamily="34" charset="-128"/>
+                </a:defRPr>
+              </a:lvl6pPr>
+              <a:lvl7pPr marL="2971800" indent="-228600" eaLnBrk="0" fontAlgn="base" hangingPunct="0">
+                <a:spcBef>
+                  <a:spcPct val="20000"/>
+                </a:spcBef>
+                <a:spcAft>
+                  <a:spcPct val="0"/>
+                </a:spcAft>
+                <a:buChar char="»"/>
+                <a:defRPr sz="2100">
+                  <a:solidFill>
+                    <a:schemeClr val="tx1"/>
+                  </a:solidFill>
+                  <a:latin typeface="Arial" panose="020B0604020202020204" pitchFamily="34" charset="0"/>
+                  <a:ea typeface="ＭＳ Ｐゴシック" panose="020B0600070205080204" pitchFamily="34" charset="-128"/>
+                </a:defRPr>
+              </a:lvl7pPr>
+              <a:lvl8pPr marL="3429000" indent="-228600" eaLnBrk="0" fontAlgn="base" hangingPunct="0">
+                <a:spcBef>
+                  <a:spcPct val="20000"/>
+                </a:spcBef>
+                <a:spcAft>
+                  <a:spcPct val="0"/>
+                </a:spcAft>
+                <a:buChar char="»"/>
+                <a:defRPr sz="2100">
+                  <a:solidFill>
+                    <a:schemeClr val="tx1"/>
+                  </a:solidFill>
+                  <a:latin typeface="Arial" panose="020B0604020202020204" pitchFamily="34" charset="0"/>
+                  <a:ea typeface="ＭＳ Ｐゴシック" panose="020B0600070205080204" pitchFamily="34" charset="-128"/>
+                </a:defRPr>
+              </a:lvl8pPr>
+              <a:lvl9pPr marL="3886200" indent="-228600" eaLnBrk="0" fontAlgn="base" hangingPunct="0">
+                <a:spcBef>
+                  <a:spcPct val="20000"/>
+                </a:spcBef>
+                <a:spcAft>
+                  <a:spcPct val="0"/>
+                </a:spcAft>
+                <a:buChar char="»"/>
+                <a:defRPr sz="2100">
+                  <a:solidFill>
+                    <a:schemeClr val="tx1"/>
+                  </a:solidFill>
+                  <a:latin typeface="Arial" panose="020B0604020202020204" pitchFamily="34" charset="0"/>
+                  <a:ea typeface="ＭＳ Ｐゴシック" panose="020B0600070205080204" pitchFamily="34" charset="-128"/>
+                </a:defRPr>
+              </a:lvl9pPr>
+            </a:lstStyle>
+            <a:p>
+              <a:pPr eaLnBrk="1" hangingPunct="1">
+                <a:spcBef>
+                  <a:spcPct val="0"/>
+                </a:spcBef>
+                <a:buFontTx/>
+                <a:buNone/>
+              </a:pPr>
+              <a:endParaRPr lang="en-US" altLang="en-US" sz="1000" b="1"/>
+            </a:p>
+          </p:txBody>
+        </p:sp>
+      </p:grpSp>
+      <p:grpSp>
+        <p:nvGrpSpPr>
+          <p:cNvPr id="217" name="Group 29">
+            <a:extLst>
+              <a:ext uri="{FF2B5EF4-FFF2-40B4-BE49-F238E27FC236}">
+                <a16:creationId xmlns:a16="http://schemas.microsoft.com/office/drawing/2014/main" id="{73B5D0B0-31BE-6E4A-884F-E4FF319FC132}"/>
+              </a:ext>
+            </a:extLst>
+          </p:cNvPr>
+          <p:cNvGrpSpPr>
+            <a:grpSpLocks/>
+          </p:cNvGrpSpPr>
+          <p:nvPr/>
+        </p:nvGrpSpPr>
+        <p:grpSpPr bwMode="auto">
+          <a:xfrm>
+            <a:off x="502349" y="4759873"/>
+            <a:ext cx="304800" cy="866774"/>
+            <a:chOff x="528" y="240"/>
+            <a:chExt cx="181" cy="498"/>
+          </a:xfrm>
+          <a:gradFill>
+            <a:gsLst>
+              <a:gs pos="0">
+                <a:srgbClr val="FFC000"/>
+              </a:gs>
+              <a:gs pos="30000">
+                <a:srgbClr val="D49E6C"/>
+              </a:gs>
+              <a:gs pos="70000">
+                <a:srgbClr val="A65528"/>
+              </a:gs>
+              <a:gs pos="100000">
+                <a:srgbClr val="663012"/>
+              </a:gs>
+            </a:gsLst>
+            <a:lin ang="5400000" scaled="0"/>
+          </a:gradFill>
+        </p:grpSpPr>
+        <p:sp>
+          <p:nvSpPr>
+            <p:cNvPr id="218" name="Line 30">
+              <a:extLst>
+                <a:ext uri="{FF2B5EF4-FFF2-40B4-BE49-F238E27FC236}">
+                  <a16:creationId xmlns:a16="http://schemas.microsoft.com/office/drawing/2014/main" id="{38A65848-622C-644F-9552-33DA76C02BD0}"/>
+                </a:ext>
+              </a:extLst>
+            </p:cNvPr>
+            <p:cNvSpPr>
+              <a:spLocks noChangeShapeType="1"/>
+            </p:cNvSpPr>
+            <p:nvPr/>
+          </p:nvSpPr>
+          <p:spPr bwMode="auto">
+            <a:xfrm>
+              <a:off x="535" y="485"/>
+              <a:ext cx="0" cy="253"/>
+            </a:xfrm>
+            <a:prstGeom prst="line">
+              <a:avLst/>
+            </a:prstGeom>
+            <a:grpFill/>
+            <a:ln w="28575">
+              <a:solidFill>
+                <a:schemeClr val="tx1"/>
+              </a:solidFill>
+              <a:round/>
+              <a:headEnd/>
+              <a:tailEnd/>
+            </a:ln>
+          </p:spPr>
+          <p:txBody>
+            <a:bodyPr wrap="none" anchor="ctr"/>
+            <a:lstStyle/>
+            <a:p>
+              <a:pPr eaLnBrk="1" hangingPunct="1">
+                <a:defRPr/>
+              </a:pPr>
+              <a:endParaRPr lang="en-US" b="1">
+                <a:latin typeface="Arial" charset="0"/>
+                <a:ea typeface="ＭＳ Ｐゴシック" charset="-128"/>
+              </a:endParaRPr>
+            </a:p>
+          </p:txBody>
+        </p:sp>
+        <p:sp>
+          <p:nvSpPr>
+            <p:cNvPr id="219" name="Line 31">
+              <a:extLst>
+                <a:ext uri="{FF2B5EF4-FFF2-40B4-BE49-F238E27FC236}">
+                  <a16:creationId xmlns:a16="http://schemas.microsoft.com/office/drawing/2014/main" id="{0D176F28-2F52-FE4B-9CBC-3A9B712BCD44}"/>
+                </a:ext>
+              </a:extLst>
+            </p:cNvPr>
+            <p:cNvSpPr>
+              <a:spLocks noChangeShapeType="1"/>
+            </p:cNvSpPr>
+            <p:nvPr/>
+          </p:nvSpPr>
+          <p:spPr bwMode="auto">
+            <a:xfrm>
+              <a:off x="701" y="485"/>
+              <a:ext cx="0" cy="253"/>
+            </a:xfrm>
+            <a:prstGeom prst="line">
+              <a:avLst/>
+            </a:prstGeom>
+            <a:grpFill/>
+            <a:ln w="28575">
+              <a:solidFill>
+                <a:schemeClr val="tx1"/>
+              </a:solidFill>
+              <a:round/>
+              <a:headEnd/>
+              <a:tailEnd/>
+            </a:ln>
+          </p:spPr>
+          <p:txBody>
+            <a:bodyPr wrap="none" anchor="ctr"/>
+            <a:lstStyle/>
+            <a:p>
+              <a:pPr eaLnBrk="1" hangingPunct="1">
+                <a:defRPr/>
+              </a:pPr>
+              <a:endParaRPr lang="en-US" b="1">
+                <a:latin typeface="Arial" charset="0"/>
+                <a:ea typeface="ＭＳ Ｐゴシック" charset="-128"/>
+              </a:endParaRPr>
+            </a:p>
+          </p:txBody>
+        </p:sp>
+        <p:sp>
+          <p:nvSpPr>
+            <p:cNvPr id="220" name="Freeform 32">
+              <a:extLst>
+                <a:ext uri="{FF2B5EF4-FFF2-40B4-BE49-F238E27FC236}">
+                  <a16:creationId xmlns:a16="http://schemas.microsoft.com/office/drawing/2014/main" id="{B0508738-6FA9-0C40-A8AF-8C7D43362239}"/>
+                </a:ext>
+              </a:extLst>
+            </p:cNvPr>
+            <p:cNvSpPr>
+              <a:spLocks/>
+            </p:cNvSpPr>
+            <p:nvPr/>
+          </p:nvSpPr>
+          <p:spPr bwMode="auto">
+            <a:xfrm>
+              <a:off x="528" y="240"/>
+              <a:ext cx="181" cy="332"/>
+            </a:xfrm>
+            <a:custGeom>
+              <a:avLst/>
+              <a:gdLst>
+                <a:gd name="T0" fmla="*/ 16 w 277"/>
+                <a:gd name="T1" fmla="*/ 0 h 517"/>
+                <a:gd name="T2" fmla="*/ 35 w 277"/>
+                <a:gd name="T3" fmla="*/ 0 h 517"/>
+                <a:gd name="T4" fmla="*/ 35 w 277"/>
+                <a:gd name="T5" fmla="*/ 18 h 517"/>
+                <a:gd name="T6" fmla="*/ 41 w 277"/>
+                <a:gd name="T7" fmla="*/ 18 h 517"/>
+                <a:gd name="T8" fmla="*/ 50 w 277"/>
+                <a:gd name="T9" fmla="*/ 24 h 517"/>
+                <a:gd name="T10" fmla="*/ 50 w 277"/>
+                <a:gd name="T11" fmla="*/ 71 h 517"/>
+                <a:gd name="T12" fmla="*/ 41 w 277"/>
+                <a:gd name="T13" fmla="*/ 88 h 517"/>
+                <a:gd name="T14" fmla="*/ 9 w 277"/>
+                <a:gd name="T15" fmla="*/ 88 h 517"/>
+                <a:gd name="T16" fmla="*/ 0 w 277"/>
+                <a:gd name="T17" fmla="*/ 71 h 517"/>
+                <a:gd name="T18" fmla="*/ 0 w 277"/>
+                <a:gd name="T19" fmla="*/ 24 h 517"/>
+                <a:gd name="T20" fmla="*/ 9 w 277"/>
+                <a:gd name="T21" fmla="*/ 18 h 517"/>
+                <a:gd name="T22" fmla="*/ 16 w 277"/>
+                <a:gd name="T23" fmla="*/ 18 h 517"/>
+                <a:gd name="T24" fmla="*/ 16 w 277"/>
+                <a:gd name="T25" fmla="*/ 0 h 517"/>
+                <a:gd name="T26" fmla="*/ 0 60000 65536"/>
+                <a:gd name="T27" fmla="*/ 0 60000 65536"/>
+                <a:gd name="T28" fmla="*/ 0 60000 65536"/>
+                <a:gd name="T29" fmla="*/ 0 60000 65536"/>
+                <a:gd name="T30" fmla="*/ 0 60000 65536"/>
+                <a:gd name="T31" fmla="*/ 0 60000 65536"/>
+                <a:gd name="T32" fmla="*/ 0 60000 65536"/>
+                <a:gd name="T33" fmla="*/ 0 60000 65536"/>
+                <a:gd name="T34" fmla="*/ 0 60000 65536"/>
+                <a:gd name="T35" fmla="*/ 0 60000 65536"/>
+                <a:gd name="T36" fmla="*/ 0 60000 65536"/>
+                <a:gd name="T37" fmla="*/ 0 60000 65536"/>
+                <a:gd name="T38" fmla="*/ 0 60000 65536"/>
+                <a:gd name="T39" fmla="*/ 0 w 277"/>
+                <a:gd name="T40" fmla="*/ 0 h 517"/>
+                <a:gd name="T41" fmla="*/ 277 w 277"/>
+                <a:gd name="T42" fmla="*/ 517 h 517"/>
+              </a:gdLst>
+              <a:ahLst/>
+              <a:cxnLst>
+                <a:cxn ang="T26">
+                  <a:pos x="T0" y="T1"/>
+                </a:cxn>
+                <a:cxn ang="T27">
+                  <a:pos x="T2" y="T3"/>
+                </a:cxn>
+                <a:cxn ang="T28">
+                  <a:pos x="T4" y="T5"/>
+                </a:cxn>
+                <a:cxn ang="T29">
+                  <a:pos x="T6" y="T7"/>
+                </a:cxn>
+                <a:cxn ang="T30">
+                  <a:pos x="T8" y="T9"/>
+                </a:cxn>
+                <a:cxn ang="T31">
+                  <a:pos x="T10" y="T11"/>
+                </a:cxn>
+                <a:cxn ang="T32">
+                  <a:pos x="T12" y="T13"/>
+                </a:cxn>
+                <a:cxn ang="T33">
+                  <a:pos x="T14" y="T15"/>
+                </a:cxn>
+                <a:cxn ang="T34">
+                  <a:pos x="T16" y="T17"/>
+                </a:cxn>
+                <a:cxn ang="T35">
+                  <a:pos x="T18" y="T19"/>
+                </a:cxn>
+                <a:cxn ang="T36">
+                  <a:pos x="T20" y="T21"/>
+                </a:cxn>
+                <a:cxn ang="T37">
+                  <a:pos x="T22" y="T23"/>
+                </a:cxn>
+                <a:cxn ang="T38">
+                  <a:pos x="T24" y="T25"/>
+                </a:cxn>
+              </a:cxnLst>
+              <a:rect l="T39" t="T40" r="T41" b="T42"/>
+              <a:pathLst>
+                <a:path w="277" h="517">
+                  <a:moveTo>
+                    <a:pt x="89" y="0"/>
+                  </a:moveTo>
+                  <a:lnTo>
+                    <a:pt x="191" y="0"/>
+                  </a:lnTo>
+                  <a:lnTo>
+                    <a:pt x="191" y="105"/>
+                  </a:lnTo>
+                  <a:lnTo>
+                    <a:pt x="225" y="105"/>
+                  </a:lnTo>
+                  <a:lnTo>
+                    <a:pt x="276" y="139"/>
+                  </a:lnTo>
+                  <a:lnTo>
+                    <a:pt x="276" y="415"/>
+                  </a:lnTo>
+                  <a:lnTo>
+                    <a:pt x="225" y="516"/>
+                  </a:lnTo>
+                  <a:lnTo>
+                    <a:pt x="51" y="516"/>
+                  </a:lnTo>
+                  <a:lnTo>
+                    <a:pt x="0" y="415"/>
+                  </a:lnTo>
+                  <a:lnTo>
+                    <a:pt x="0" y="139"/>
+                  </a:lnTo>
+                  <a:lnTo>
+                    <a:pt x="51" y="105"/>
+                  </a:lnTo>
+                  <a:lnTo>
+                    <a:pt x="89" y="105"/>
+                  </a:lnTo>
+                  <a:lnTo>
+                    <a:pt x="89" y="0"/>
+                  </a:lnTo>
+                </a:path>
+              </a:pathLst>
+            </a:custGeom>
+            <a:solidFill>
+              <a:srgbClr val="FFCC99"/>
+            </a:solidFill>
+            <a:ln w="12700" cap="rnd">
+              <a:solidFill>
+                <a:schemeClr val="tx1"/>
+              </a:solidFill>
+              <a:round/>
+              <a:headEnd/>
+              <a:tailEnd/>
+            </a:ln>
+          </p:spPr>
+          <p:txBody>
+            <a:bodyPr/>
+            <a:lstStyle/>
+            <a:p>
+              <a:pPr eaLnBrk="1" hangingPunct="1">
+                <a:defRPr/>
+              </a:pPr>
+              <a:endParaRPr lang="en-US" sz="1000" b="1" dirty="0">
+                <a:latin typeface="Arial" charset="0"/>
+                <a:ea typeface="ＭＳ Ｐゴシック" charset="-128"/>
+              </a:endParaRPr>
+            </a:p>
+          </p:txBody>
+        </p:sp>
+      </p:grpSp>
       <p:sp>
         <p:nvSpPr>
-          <p:cNvPr id="259" name="TextBox 10">
+          <p:cNvPr id="221" name="TextBox 158">
             <a:extLst>
               <a:ext uri="{FF2B5EF4-FFF2-40B4-BE49-F238E27FC236}">
-                <a16:creationId xmlns:a16="http://schemas.microsoft.com/office/drawing/2014/main" id="{349DDD00-A417-9E41-A93C-3EBC8C49BFC8}"/>
+                <a16:creationId xmlns:a16="http://schemas.microsoft.com/office/drawing/2014/main" id="{C6C6B10E-2697-FA4F-8DBC-84E5DB64E9F2}"/>
               </a:ext>
             </a:extLst>
           </p:cNvPr>
@@ -10201,8 +9081,8 @@
         </p:nvSpPr>
         <p:spPr bwMode="auto">
           <a:xfrm>
-            <a:off x="1412875" y="4806950"/>
-            <a:ext cx="595313" cy="277812"/>
+            <a:off x="914400" y="7250112"/>
+            <a:ext cx="914400" cy="261938"/>
           </a:xfrm>
           <a:prstGeom prst="rect">
             <a:avLst/>
@@ -10232,7 +9112,7 @@
           </a:extLst>
         </p:spPr>
         <p:txBody>
-          <a:bodyPr wrap="none">
+          <a:bodyPr>
             <a:spAutoFit/>
           </a:bodyPr>
           <a:lstStyle>
@@ -10375,18 +9255,18 @@
               <a:buNone/>
             </a:pPr>
             <a:r>
-              <a:rPr lang="en-US" altLang="en-US" sz="1200" b="1"/>
-              <a:t>T2-T3</a:t>
+              <a:rPr lang="en-US" altLang="en-US" sz="1100" b="1"/>
+              <a:t> </a:t>
             </a:r>
           </a:p>
         </p:txBody>
       </p:sp>
       <p:sp>
         <p:nvSpPr>
-          <p:cNvPr id="260" name="TextBox 11">
+          <p:cNvPr id="222" name="TextBox 114">
             <a:extLst>
               <a:ext uri="{FF2B5EF4-FFF2-40B4-BE49-F238E27FC236}">
-                <a16:creationId xmlns:a16="http://schemas.microsoft.com/office/drawing/2014/main" id="{27850428-0E66-CB43-8E8B-13BC1D51CC3C}"/>
+                <a16:creationId xmlns:a16="http://schemas.microsoft.com/office/drawing/2014/main" id="{110800E1-2661-024E-A5B9-A1DB937227A8}"/>
               </a:ext>
             </a:extLst>
           </p:cNvPr>
@@ -10397,8 +9277,8 @@
         </p:nvSpPr>
         <p:spPr bwMode="auto">
           <a:xfrm>
-            <a:off x="5264150" y="7280275"/>
-            <a:ext cx="595313" cy="277812"/>
+            <a:off x="665163" y="8027987"/>
+            <a:ext cx="381000" cy="246063"/>
           </a:xfrm>
           <a:prstGeom prst="rect">
             <a:avLst/>
@@ -10428,7 +9308,7 @@
           </a:extLst>
         </p:spPr>
         <p:txBody>
-          <a:bodyPr wrap="none">
+          <a:bodyPr>
             <a:spAutoFit/>
           </a:bodyPr>
           <a:lstStyle>
@@ -10571,12 +9451,634 @@
               <a:buNone/>
             </a:pPr>
             <a:r>
-              <a:rPr lang="en-US" altLang="en-US" sz="1200" b="1"/>
-              <a:t>T5-T7</a:t>
+              <a:rPr lang="en-US" altLang="en-US" sz="1000" b="1"/>
+              <a:t> </a:t>
             </a:r>
           </a:p>
         </p:txBody>
       </p:sp>
+      <p:grpSp>
+        <p:nvGrpSpPr>
+          <p:cNvPr id="223" name="Group 29">
+            <a:extLst>
+              <a:ext uri="{FF2B5EF4-FFF2-40B4-BE49-F238E27FC236}">
+                <a16:creationId xmlns:a16="http://schemas.microsoft.com/office/drawing/2014/main" id="{AD6B9FB5-8AAD-8E40-9133-F495079627F8}"/>
+              </a:ext>
+            </a:extLst>
+          </p:cNvPr>
+          <p:cNvGrpSpPr>
+            <a:grpSpLocks/>
+          </p:cNvGrpSpPr>
+          <p:nvPr/>
+        </p:nvGrpSpPr>
+        <p:grpSpPr bwMode="auto">
+          <a:xfrm>
+            <a:off x="5085622" y="5023316"/>
+            <a:ext cx="304800" cy="866774"/>
+            <a:chOff x="528" y="240"/>
+            <a:chExt cx="181" cy="498"/>
+          </a:xfrm>
+          <a:gradFill>
+            <a:gsLst>
+              <a:gs pos="0">
+                <a:srgbClr val="FFC000"/>
+              </a:gs>
+              <a:gs pos="30000">
+                <a:srgbClr val="D49E6C"/>
+              </a:gs>
+              <a:gs pos="70000">
+                <a:srgbClr val="A65528"/>
+              </a:gs>
+              <a:gs pos="100000">
+                <a:srgbClr val="663012"/>
+              </a:gs>
+            </a:gsLst>
+            <a:lin ang="5400000" scaled="0"/>
+          </a:gradFill>
+        </p:grpSpPr>
+        <p:sp>
+          <p:nvSpPr>
+            <p:cNvPr id="224" name="Line 30">
+              <a:extLst>
+                <a:ext uri="{FF2B5EF4-FFF2-40B4-BE49-F238E27FC236}">
+                  <a16:creationId xmlns:a16="http://schemas.microsoft.com/office/drawing/2014/main" id="{474D8ED0-D520-6A46-8233-A0BEB257309E}"/>
+                </a:ext>
+              </a:extLst>
+            </p:cNvPr>
+            <p:cNvSpPr>
+              <a:spLocks noChangeShapeType="1"/>
+            </p:cNvSpPr>
+            <p:nvPr/>
+          </p:nvSpPr>
+          <p:spPr bwMode="auto">
+            <a:xfrm>
+              <a:off x="535" y="485"/>
+              <a:ext cx="0" cy="253"/>
+            </a:xfrm>
+            <a:prstGeom prst="line">
+              <a:avLst/>
+            </a:prstGeom>
+            <a:grpFill/>
+            <a:ln w="28575">
+              <a:solidFill>
+                <a:schemeClr val="tx1"/>
+              </a:solidFill>
+              <a:round/>
+              <a:headEnd/>
+              <a:tailEnd/>
+            </a:ln>
+          </p:spPr>
+          <p:txBody>
+            <a:bodyPr wrap="none" anchor="ctr"/>
+            <a:lstStyle/>
+            <a:p>
+              <a:pPr eaLnBrk="1" hangingPunct="1">
+                <a:defRPr/>
+              </a:pPr>
+              <a:endParaRPr lang="en-US" b="1">
+                <a:latin typeface="Arial" charset="0"/>
+                <a:ea typeface="ＭＳ Ｐゴシック" charset="-128"/>
+              </a:endParaRPr>
+            </a:p>
+          </p:txBody>
+        </p:sp>
+        <p:sp>
+          <p:nvSpPr>
+            <p:cNvPr id="225" name="Line 31">
+              <a:extLst>
+                <a:ext uri="{FF2B5EF4-FFF2-40B4-BE49-F238E27FC236}">
+                  <a16:creationId xmlns:a16="http://schemas.microsoft.com/office/drawing/2014/main" id="{1BC8D938-E837-BC4C-A4DF-A0E41B786238}"/>
+                </a:ext>
+              </a:extLst>
+            </p:cNvPr>
+            <p:cNvSpPr>
+              <a:spLocks noChangeShapeType="1"/>
+            </p:cNvSpPr>
+            <p:nvPr/>
+          </p:nvSpPr>
+          <p:spPr bwMode="auto">
+            <a:xfrm>
+              <a:off x="701" y="485"/>
+              <a:ext cx="0" cy="253"/>
+            </a:xfrm>
+            <a:prstGeom prst="line">
+              <a:avLst/>
+            </a:prstGeom>
+            <a:grpFill/>
+            <a:ln w="28575">
+              <a:solidFill>
+                <a:schemeClr val="tx1"/>
+              </a:solidFill>
+              <a:round/>
+              <a:headEnd/>
+              <a:tailEnd/>
+            </a:ln>
+          </p:spPr>
+          <p:txBody>
+            <a:bodyPr wrap="none" anchor="ctr"/>
+            <a:lstStyle/>
+            <a:p>
+              <a:pPr eaLnBrk="1" hangingPunct="1">
+                <a:defRPr/>
+              </a:pPr>
+              <a:endParaRPr lang="en-US" b="1">
+                <a:latin typeface="Arial" charset="0"/>
+                <a:ea typeface="ＭＳ Ｐゴシック" charset="-128"/>
+              </a:endParaRPr>
+            </a:p>
+          </p:txBody>
+        </p:sp>
+        <p:sp>
+          <p:nvSpPr>
+            <p:cNvPr id="226" name="Freeform 32">
+              <a:extLst>
+                <a:ext uri="{FF2B5EF4-FFF2-40B4-BE49-F238E27FC236}">
+                  <a16:creationId xmlns:a16="http://schemas.microsoft.com/office/drawing/2014/main" id="{8F37C180-A1DC-6448-A602-A9A809052279}"/>
+                </a:ext>
+              </a:extLst>
+            </p:cNvPr>
+            <p:cNvSpPr>
+              <a:spLocks/>
+            </p:cNvSpPr>
+            <p:nvPr/>
+          </p:nvSpPr>
+          <p:spPr bwMode="auto">
+            <a:xfrm>
+              <a:off x="528" y="240"/>
+              <a:ext cx="181" cy="332"/>
+            </a:xfrm>
+            <a:custGeom>
+              <a:avLst/>
+              <a:gdLst>
+                <a:gd name="T0" fmla="*/ 16 w 277"/>
+                <a:gd name="T1" fmla="*/ 0 h 517"/>
+                <a:gd name="T2" fmla="*/ 35 w 277"/>
+                <a:gd name="T3" fmla="*/ 0 h 517"/>
+                <a:gd name="T4" fmla="*/ 35 w 277"/>
+                <a:gd name="T5" fmla="*/ 18 h 517"/>
+                <a:gd name="T6" fmla="*/ 41 w 277"/>
+                <a:gd name="T7" fmla="*/ 18 h 517"/>
+                <a:gd name="T8" fmla="*/ 50 w 277"/>
+                <a:gd name="T9" fmla="*/ 24 h 517"/>
+                <a:gd name="T10" fmla="*/ 50 w 277"/>
+                <a:gd name="T11" fmla="*/ 71 h 517"/>
+                <a:gd name="T12" fmla="*/ 41 w 277"/>
+                <a:gd name="T13" fmla="*/ 88 h 517"/>
+                <a:gd name="T14" fmla="*/ 9 w 277"/>
+                <a:gd name="T15" fmla="*/ 88 h 517"/>
+                <a:gd name="T16" fmla="*/ 0 w 277"/>
+                <a:gd name="T17" fmla="*/ 71 h 517"/>
+                <a:gd name="T18" fmla="*/ 0 w 277"/>
+                <a:gd name="T19" fmla="*/ 24 h 517"/>
+                <a:gd name="T20" fmla="*/ 9 w 277"/>
+                <a:gd name="T21" fmla="*/ 18 h 517"/>
+                <a:gd name="T22" fmla="*/ 16 w 277"/>
+                <a:gd name="T23" fmla="*/ 18 h 517"/>
+                <a:gd name="T24" fmla="*/ 16 w 277"/>
+                <a:gd name="T25" fmla="*/ 0 h 517"/>
+                <a:gd name="T26" fmla="*/ 0 60000 65536"/>
+                <a:gd name="T27" fmla="*/ 0 60000 65536"/>
+                <a:gd name="T28" fmla="*/ 0 60000 65536"/>
+                <a:gd name="T29" fmla="*/ 0 60000 65536"/>
+                <a:gd name="T30" fmla="*/ 0 60000 65536"/>
+                <a:gd name="T31" fmla="*/ 0 60000 65536"/>
+                <a:gd name="T32" fmla="*/ 0 60000 65536"/>
+                <a:gd name="T33" fmla="*/ 0 60000 65536"/>
+                <a:gd name="T34" fmla="*/ 0 60000 65536"/>
+                <a:gd name="T35" fmla="*/ 0 60000 65536"/>
+                <a:gd name="T36" fmla="*/ 0 60000 65536"/>
+                <a:gd name="T37" fmla="*/ 0 60000 65536"/>
+                <a:gd name="T38" fmla="*/ 0 60000 65536"/>
+                <a:gd name="T39" fmla="*/ 0 w 277"/>
+                <a:gd name="T40" fmla="*/ 0 h 517"/>
+                <a:gd name="T41" fmla="*/ 277 w 277"/>
+                <a:gd name="T42" fmla="*/ 517 h 517"/>
+              </a:gdLst>
+              <a:ahLst/>
+              <a:cxnLst>
+                <a:cxn ang="T26">
+                  <a:pos x="T0" y="T1"/>
+                </a:cxn>
+                <a:cxn ang="T27">
+                  <a:pos x="T2" y="T3"/>
+                </a:cxn>
+                <a:cxn ang="T28">
+                  <a:pos x="T4" y="T5"/>
+                </a:cxn>
+                <a:cxn ang="T29">
+                  <a:pos x="T6" y="T7"/>
+                </a:cxn>
+                <a:cxn ang="T30">
+                  <a:pos x="T8" y="T9"/>
+                </a:cxn>
+                <a:cxn ang="T31">
+                  <a:pos x="T10" y="T11"/>
+                </a:cxn>
+                <a:cxn ang="T32">
+                  <a:pos x="T12" y="T13"/>
+                </a:cxn>
+                <a:cxn ang="T33">
+                  <a:pos x="T14" y="T15"/>
+                </a:cxn>
+                <a:cxn ang="T34">
+                  <a:pos x="T16" y="T17"/>
+                </a:cxn>
+                <a:cxn ang="T35">
+                  <a:pos x="T18" y="T19"/>
+                </a:cxn>
+                <a:cxn ang="T36">
+                  <a:pos x="T20" y="T21"/>
+                </a:cxn>
+                <a:cxn ang="T37">
+                  <a:pos x="T22" y="T23"/>
+                </a:cxn>
+                <a:cxn ang="T38">
+                  <a:pos x="T24" y="T25"/>
+                </a:cxn>
+              </a:cxnLst>
+              <a:rect l="T39" t="T40" r="T41" b="T42"/>
+              <a:pathLst>
+                <a:path w="277" h="517">
+                  <a:moveTo>
+                    <a:pt x="89" y="0"/>
+                  </a:moveTo>
+                  <a:lnTo>
+                    <a:pt x="191" y="0"/>
+                  </a:lnTo>
+                  <a:lnTo>
+                    <a:pt x="191" y="105"/>
+                  </a:lnTo>
+                  <a:lnTo>
+                    <a:pt x="225" y="105"/>
+                  </a:lnTo>
+                  <a:lnTo>
+                    <a:pt x="276" y="139"/>
+                  </a:lnTo>
+                  <a:lnTo>
+                    <a:pt x="276" y="415"/>
+                  </a:lnTo>
+                  <a:lnTo>
+                    <a:pt x="225" y="516"/>
+                  </a:lnTo>
+                  <a:lnTo>
+                    <a:pt x="51" y="516"/>
+                  </a:lnTo>
+                  <a:lnTo>
+                    <a:pt x="0" y="415"/>
+                  </a:lnTo>
+                  <a:lnTo>
+                    <a:pt x="0" y="139"/>
+                  </a:lnTo>
+                  <a:lnTo>
+                    <a:pt x="51" y="105"/>
+                  </a:lnTo>
+                  <a:lnTo>
+                    <a:pt x="89" y="105"/>
+                  </a:lnTo>
+                  <a:lnTo>
+                    <a:pt x="89" y="0"/>
+                  </a:lnTo>
+                </a:path>
+              </a:pathLst>
+            </a:custGeom>
+            <a:solidFill>
+              <a:srgbClr val="FFCC99"/>
+            </a:solidFill>
+            <a:ln w="12700" cap="rnd">
+              <a:solidFill>
+                <a:schemeClr val="tx1"/>
+              </a:solidFill>
+              <a:round/>
+              <a:headEnd/>
+              <a:tailEnd/>
+            </a:ln>
+          </p:spPr>
+          <p:txBody>
+            <a:bodyPr/>
+            <a:lstStyle/>
+            <a:p>
+              <a:pPr eaLnBrk="1" hangingPunct="1">
+                <a:defRPr/>
+              </a:pPr>
+              <a:endParaRPr lang="en-US" sz="1000" b="1" dirty="0">
+                <a:latin typeface="Arial" charset="0"/>
+                <a:ea typeface="ＭＳ Ｐゴシック" charset="-128"/>
+              </a:endParaRPr>
+            </a:p>
+          </p:txBody>
+        </p:sp>
+      </p:grpSp>
+      <p:grpSp>
+        <p:nvGrpSpPr>
+          <p:cNvPr id="227" name="Group 29">
+            <a:extLst>
+              <a:ext uri="{FF2B5EF4-FFF2-40B4-BE49-F238E27FC236}">
+                <a16:creationId xmlns:a16="http://schemas.microsoft.com/office/drawing/2014/main" id="{0087D02D-A1EF-B94F-A20B-4F779C1C99EE}"/>
+              </a:ext>
+            </a:extLst>
+          </p:cNvPr>
+          <p:cNvGrpSpPr>
+            <a:grpSpLocks/>
+          </p:cNvGrpSpPr>
+          <p:nvPr/>
+        </p:nvGrpSpPr>
+        <p:grpSpPr bwMode="auto">
+          <a:xfrm>
+            <a:off x="5344109" y="6300788"/>
+            <a:ext cx="304800" cy="866774"/>
+            <a:chOff x="528" y="240"/>
+            <a:chExt cx="181" cy="498"/>
+          </a:xfrm>
+          <a:gradFill>
+            <a:gsLst>
+              <a:gs pos="0">
+                <a:srgbClr val="FFC000"/>
+              </a:gs>
+              <a:gs pos="30000">
+                <a:srgbClr val="D49E6C"/>
+              </a:gs>
+              <a:gs pos="70000">
+                <a:srgbClr val="A65528"/>
+              </a:gs>
+              <a:gs pos="100000">
+                <a:srgbClr val="663012"/>
+              </a:gs>
+            </a:gsLst>
+            <a:lin ang="5400000" scaled="0"/>
+          </a:gradFill>
+        </p:grpSpPr>
+        <p:sp>
+          <p:nvSpPr>
+            <p:cNvPr id="228" name="Line 30">
+              <a:extLst>
+                <a:ext uri="{FF2B5EF4-FFF2-40B4-BE49-F238E27FC236}">
+                  <a16:creationId xmlns:a16="http://schemas.microsoft.com/office/drawing/2014/main" id="{755BEDAB-4989-FF4D-AF89-9936099AC4C9}"/>
+                </a:ext>
+              </a:extLst>
+            </p:cNvPr>
+            <p:cNvSpPr>
+              <a:spLocks noChangeShapeType="1"/>
+            </p:cNvSpPr>
+            <p:nvPr/>
+          </p:nvSpPr>
+          <p:spPr bwMode="auto">
+            <a:xfrm>
+              <a:off x="535" y="485"/>
+              <a:ext cx="0" cy="253"/>
+            </a:xfrm>
+            <a:prstGeom prst="line">
+              <a:avLst/>
+            </a:prstGeom>
+            <a:grpFill/>
+            <a:ln w="28575">
+              <a:solidFill>
+                <a:schemeClr val="tx1"/>
+              </a:solidFill>
+              <a:round/>
+              <a:headEnd/>
+              <a:tailEnd/>
+            </a:ln>
+          </p:spPr>
+          <p:txBody>
+            <a:bodyPr wrap="none" anchor="ctr"/>
+            <a:lstStyle/>
+            <a:p>
+              <a:pPr eaLnBrk="1" hangingPunct="1">
+                <a:defRPr/>
+              </a:pPr>
+              <a:endParaRPr lang="en-US" b="1">
+                <a:latin typeface="Arial" charset="0"/>
+                <a:ea typeface="ＭＳ Ｐゴシック" charset="-128"/>
+              </a:endParaRPr>
+            </a:p>
+          </p:txBody>
+        </p:sp>
+        <p:sp>
+          <p:nvSpPr>
+            <p:cNvPr id="229" name="Line 31">
+              <a:extLst>
+                <a:ext uri="{FF2B5EF4-FFF2-40B4-BE49-F238E27FC236}">
+                  <a16:creationId xmlns:a16="http://schemas.microsoft.com/office/drawing/2014/main" id="{4C6BA49D-441A-DA40-B1CC-EEC1BB6F38D2}"/>
+                </a:ext>
+              </a:extLst>
+            </p:cNvPr>
+            <p:cNvSpPr>
+              <a:spLocks noChangeShapeType="1"/>
+            </p:cNvSpPr>
+            <p:nvPr/>
+          </p:nvSpPr>
+          <p:spPr bwMode="auto">
+            <a:xfrm>
+              <a:off x="701" y="485"/>
+              <a:ext cx="0" cy="253"/>
+            </a:xfrm>
+            <a:prstGeom prst="line">
+              <a:avLst/>
+            </a:prstGeom>
+            <a:grpFill/>
+            <a:ln w="28575">
+              <a:solidFill>
+                <a:schemeClr val="tx1"/>
+              </a:solidFill>
+              <a:round/>
+              <a:headEnd/>
+              <a:tailEnd/>
+            </a:ln>
+          </p:spPr>
+          <p:txBody>
+            <a:bodyPr wrap="none" anchor="ctr"/>
+            <a:lstStyle/>
+            <a:p>
+              <a:pPr eaLnBrk="1" hangingPunct="1">
+                <a:defRPr/>
+              </a:pPr>
+              <a:endParaRPr lang="en-US" b="1">
+                <a:latin typeface="Arial" charset="0"/>
+                <a:ea typeface="ＭＳ Ｐゴシック" charset="-128"/>
+              </a:endParaRPr>
+            </a:p>
+          </p:txBody>
+        </p:sp>
+        <p:sp>
+          <p:nvSpPr>
+            <p:cNvPr id="230" name="Freeform 32">
+              <a:extLst>
+                <a:ext uri="{FF2B5EF4-FFF2-40B4-BE49-F238E27FC236}">
+                  <a16:creationId xmlns:a16="http://schemas.microsoft.com/office/drawing/2014/main" id="{96C2A4A2-927B-7A49-9836-F1B65BB63EBC}"/>
+                </a:ext>
+              </a:extLst>
+            </p:cNvPr>
+            <p:cNvSpPr>
+              <a:spLocks/>
+            </p:cNvSpPr>
+            <p:nvPr/>
+          </p:nvSpPr>
+          <p:spPr bwMode="auto">
+            <a:xfrm>
+              <a:off x="528" y="240"/>
+              <a:ext cx="181" cy="332"/>
+            </a:xfrm>
+            <a:custGeom>
+              <a:avLst/>
+              <a:gdLst>
+                <a:gd name="T0" fmla="*/ 16 w 277"/>
+                <a:gd name="T1" fmla="*/ 0 h 517"/>
+                <a:gd name="T2" fmla="*/ 35 w 277"/>
+                <a:gd name="T3" fmla="*/ 0 h 517"/>
+                <a:gd name="T4" fmla="*/ 35 w 277"/>
+                <a:gd name="T5" fmla="*/ 18 h 517"/>
+                <a:gd name="T6" fmla="*/ 41 w 277"/>
+                <a:gd name="T7" fmla="*/ 18 h 517"/>
+                <a:gd name="T8" fmla="*/ 50 w 277"/>
+                <a:gd name="T9" fmla="*/ 24 h 517"/>
+                <a:gd name="T10" fmla="*/ 50 w 277"/>
+                <a:gd name="T11" fmla="*/ 71 h 517"/>
+                <a:gd name="T12" fmla="*/ 41 w 277"/>
+                <a:gd name="T13" fmla="*/ 88 h 517"/>
+                <a:gd name="T14" fmla="*/ 9 w 277"/>
+                <a:gd name="T15" fmla="*/ 88 h 517"/>
+                <a:gd name="T16" fmla="*/ 0 w 277"/>
+                <a:gd name="T17" fmla="*/ 71 h 517"/>
+                <a:gd name="T18" fmla="*/ 0 w 277"/>
+                <a:gd name="T19" fmla="*/ 24 h 517"/>
+                <a:gd name="T20" fmla="*/ 9 w 277"/>
+                <a:gd name="T21" fmla="*/ 18 h 517"/>
+                <a:gd name="T22" fmla="*/ 16 w 277"/>
+                <a:gd name="T23" fmla="*/ 18 h 517"/>
+                <a:gd name="T24" fmla="*/ 16 w 277"/>
+                <a:gd name="T25" fmla="*/ 0 h 517"/>
+                <a:gd name="T26" fmla="*/ 0 60000 65536"/>
+                <a:gd name="T27" fmla="*/ 0 60000 65536"/>
+                <a:gd name="T28" fmla="*/ 0 60000 65536"/>
+                <a:gd name="T29" fmla="*/ 0 60000 65536"/>
+                <a:gd name="T30" fmla="*/ 0 60000 65536"/>
+                <a:gd name="T31" fmla="*/ 0 60000 65536"/>
+                <a:gd name="T32" fmla="*/ 0 60000 65536"/>
+                <a:gd name="T33" fmla="*/ 0 60000 65536"/>
+                <a:gd name="T34" fmla="*/ 0 60000 65536"/>
+                <a:gd name="T35" fmla="*/ 0 60000 65536"/>
+                <a:gd name="T36" fmla="*/ 0 60000 65536"/>
+                <a:gd name="T37" fmla="*/ 0 60000 65536"/>
+                <a:gd name="T38" fmla="*/ 0 60000 65536"/>
+                <a:gd name="T39" fmla="*/ 0 w 277"/>
+                <a:gd name="T40" fmla="*/ 0 h 517"/>
+                <a:gd name="T41" fmla="*/ 277 w 277"/>
+                <a:gd name="T42" fmla="*/ 517 h 517"/>
+              </a:gdLst>
+              <a:ahLst/>
+              <a:cxnLst>
+                <a:cxn ang="T26">
+                  <a:pos x="T0" y="T1"/>
+                </a:cxn>
+                <a:cxn ang="T27">
+                  <a:pos x="T2" y="T3"/>
+                </a:cxn>
+                <a:cxn ang="T28">
+                  <a:pos x="T4" y="T5"/>
+                </a:cxn>
+                <a:cxn ang="T29">
+                  <a:pos x="T6" y="T7"/>
+                </a:cxn>
+                <a:cxn ang="T30">
+                  <a:pos x="T8" y="T9"/>
+                </a:cxn>
+                <a:cxn ang="T31">
+                  <a:pos x="T10" y="T11"/>
+                </a:cxn>
+                <a:cxn ang="T32">
+                  <a:pos x="T12" y="T13"/>
+                </a:cxn>
+                <a:cxn ang="T33">
+                  <a:pos x="T14" y="T15"/>
+                </a:cxn>
+                <a:cxn ang="T34">
+                  <a:pos x="T16" y="T17"/>
+                </a:cxn>
+                <a:cxn ang="T35">
+                  <a:pos x="T18" y="T19"/>
+                </a:cxn>
+                <a:cxn ang="T36">
+                  <a:pos x="T20" y="T21"/>
+                </a:cxn>
+                <a:cxn ang="T37">
+                  <a:pos x="T22" y="T23"/>
+                </a:cxn>
+                <a:cxn ang="T38">
+                  <a:pos x="T24" y="T25"/>
+                </a:cxn>
+              </a:cxnLst>
+              <a:rect l="T39" t="T40" r="T41" b="T42"/>
+              <a:pathLst>
+                <a:path w="277" h="517">
+                  <a:moveTo>
+                    <a:pt x="89" y="0"/>
+                  </a:moveTo>
+                  <a:lnTo>
+                    <a:pt x="191" y="0"/>
+                  </a:lnTo>
+                  <a:lnTo>
+                    <a:pt x="191" y="105"/>
+                  </a:lnTo>
+                  <a:lnTo>
+                    <a:pt x="225" y="105"/>
+                  </a:lnTo>
+                  <a:lnTo>
+                    <a:pt x="276" y="139"/>
+                  </a:lnTo>
+                  <a:lnTo>
+                    <a:pt x="276" y="415"/>
+                  </a:lnTo>
+                  <a:lnTo>
+                    <a:pt x="225" y="516"/>
+                  </a:lnTo>
+                  <a:lnTo>
+                    <a:pt x="51" y="516"/>
+                  </a:lnTo>
+                  <a:lnTo>
+                    <a:pt x="0" y="415"/>
+                  </a:lnTo>
+                  <a:lnTo>
+                    <a:pt x="0" y="139"/>
+                  </a:lnTo>
+                  <a:lnTo>
+                    <a:pt x="51" y="105"/>
+                  </a:lnTo>
+                  <a:lnTo>
+                    <a:pt x="89" y="105"/>
+                  </a:lnTo>
+                  <a:lnTo>
+                    <a:pt x="89" y="0"/>
+                  </a:lnTo>
+                </a:path>
+              </a:pathLst>
+            </a:custGeom>
+            <a:solidFill>
+              <a:srgbClr val="FFCC99"/>
+            </a:solidFill>
+            <a:ln w="12700" cap="rnd">
+              <a:solidFill>
+                <a:schemeClr val="tx1"/>
+              </a:solidFill>
+              <a:round/>
+              <a:headEnd/>
+              <a:tailEnd/>
+            </a:ln>
+          </p:spPr>
+          <p:txBody>
+            <a:bodyPr/>
+            <a:lstStyle/>
+            <a:p>
+              <a:pPr eaLnBrk="1" hangingPunct="1">
+                <a:defRPr/>
+              </a:pPr>
+              <a:endParaRPr lang="en-US" sz="1000" b="1" dirty="0">
+                <a:latin typeface="Arial" charset="0"/>
+                <a:ea typeface="ＭＳ Ｐゴシック" charset="-128"/>
+              </a:endParaRPr>
+            </a:p>
+          </p:txBody>
+        </p:sp>
+      </p:grpSp>
       <p:sp>
         <p:nvSpPr>
           <p:cNvPr id="261" name="TextBox 13">
@@ -10767,202 +10269,6 @@
               <a:buNone/>
             </a:pPr>
             <a:endParaRPr lang="en-US" altLang="en-US" sz="1800" b="1"/>
-          </a:p>
-        </p:txBody>
-      </p:sp>
-      <p:sp>
-        <p:nvSpPr>
-          <p:cNvPr id="262" name="TextBox 17">
-            <a:extLst>
-              <a:ext uri="{FF2B5EF4-FFF2-40B4-BE49-F238E27FC236}">
-                <a16:creationId xmlns:a16="http://schemas.microsoft.com/office/drawing/2014/main" id="{0AD76A0B-BBE6-094F-8017-65A5B9F16B92}"/>
-              </a:ext>
-            </a:extLst>
-          </p:cNvPr>
-          <p:cNvSpPr txBox="1">
-            <a:spLocks noChangeArrowheads="1"/>
-          </p:cNvSpPr>
-          <p:nvPr/>
-        </p:nvSpPr>
-        <p:spPr bwMode="auto">
-          <a:xfrm>
-            <a:off x="1658938" y="6727825"/>
-            <a:ext cx="339725" cy="246062"/>
-          </a:xfrm>
-          <a:prstGeom prst="rect">
-            <a:avLst/>
-          </a:prstGeom>
-          <a:noFill/>
-          <a:ln>
-            <a:noFill/>
-          </a:ln>
-          <a:extLst>
-            <a:ext uri="{909E8E84-426E-40DD-AFC4-6F175D3DCCD1}">
-              <a14:hiddenFill xmlns:a14="http://schemas.microsoft.com/office/drawing/2010/main">
-                <a:solidFill>
-                  <a:srgbClr val="FFFFFF"/>
-                </a:solidFill>
-              </a14:hiddenFill>
-            </a:ext>
-            <a:ext uri="{91240B29-F687-4F45-9708-019B960494DF}">
-              <a14:hiddenLine xmlns:a14="http://schemas.microsoft.com/office/drawing/2010/main" w="9525">
-                <a:solidFill>
-                  <a:srgbClr val="000000"/>
-                </a:solidFill>
-                <a:miter lim="800000"/>
-                <a:headEnd/>
-                <a:tailEnd/>
-              </a14:hiddenLine>
-            </a:ext>
-          </a:extLst>
-        </p:spPr>
-        <p:txBody>
-          <a:bodyPr>
-            <a:spAutoFit/>
-          </a:bodyPr>
-          <a:lstStyle>
-            <a:lvl1pPr>
-              <a:spcBef>
-                <a:spcPct val="20000"/>
-              </a:spcBef>
-              <a:buChar char="•"/>
-              <a:defRPr sz="3400">
-                <a:solidFill>
-                  <a:schemeClr val="tx1"/>
-                </a:solidFill>
-                <a:latin typeface="Arial" panose="020B0604020202020204" pitchFamily="34" charset="0"/>
-                <a:ea typeface="ＭＳ Ｐゴシック" panose="020B0600070205080204" pitchFamily="34" charset="-128"/>
-              </a:defRPr>
-            </a:lvl1pPr>
-            <a:lvl2pPr marL="742950" indent="-285750">
-              <a:spcBef>
-                <a:spcPct val="20000"/>
-              </a:spcBef>
-              <a:buChar char="–"/>
-              <a:defRPr sz="3000">
-                <a:solidFill>
-                  <a:schemeClr val="tx1"/>
-                </a:solidFill>
-                <a:latin typeface="Arial" panose="020B0604020202020204" pitchFamily="34" charset="0"/>
-                <a:ea typeface="ＭＳ Ｐゴシック" panose="020B0600070205080204" pitchFamily="34" charset="-128"/>
-              </a:defRPr>
-            </a:lvl2pPr>
-            <a:lvl3pPr marL="1143000" indent="-228600">
-              <a:spcBef>
-                <a:spcPct val="20000"/>
-              </a:spcBef>
-              <a:buChar char="•"/>
-              <a:defRPr sz="2500">
-                <a:solidFill>
-                  <a:schemeClr val="tx1"/>
-                </a:solidFill>
-                <a:latin typeface="Arial" panose="020B0604020202020204" pitchFamily="34" charset="0"/>
-                <a:ea typeface="ＭＳ Ｐゴシック" panose="020B0600070205080204" pitchFamily="34" charset="-128"/>
-              </a:defRPr>
-            </a:lvl3pPr>
-            <a:lvl4pPr marL="1600200" indent="-228600">
-              <a:spcBef>
-                <a:spcPct val="20000"/>
-              </a:spcBef>
-              <a:buChar char="–"/>
-              <a:defRPr sz="2100">
-                <a:solidFill>
-                  <a:schemeClr val="tx1"/>
-                </a:solidFill>
-                <a:latin typeface="Arial" panose="020B0604020202020204" pitchFamily="34" charset="0"/>
-                <a:ea typeface="ＭＳ Ｐゴシック" panose="020B0600070205080204" pitchFamily="34" charset="-128"/>
-              </a:defRPr>
-            </a:lvl4pPr>
-            <a:lvl5pPr marL="2057400" indent="-228600">
-              <a:spcBef>
-                <a:spcPct val="20000"/>
-              </a:spcBef>
-              <a:buChar char="»"/>
-              <a:defRPr sz="2100">
-                <a:solidFill>
-                  <a:schemeClr val="tx1"/>
-                </a:solidFill>
-                <a:latin typeface="Arial" panose="020B0604020202020204" pitchFamily="34" charset="0"/>
-                <a:ea typeface="ＭＳ Ｐゴシック" panose="020B0600070205080204" pitchFamily="34" charset="-128"/>
-              </a:defRPr>
-            </a:lvl5pPr>
-            <a:lvl6pPr marL="2514600" indent="-228600" eaLnBrk="0" fontAlgn="base" hangingPunct="0">
-              <a:spcBef>
-                <a:spcPct val="20000"/>
-              </a:spcBef>
-              <a:spcAft>
-                <a:spcPct val="0"/>
-              </a:spcAft>
-              <a:buChar char="»"/>
-              <a:defRPr sz="2100">
-                <a:solidFill>
-                  <a:schemeClr val="tx1"/>
-                </a:solidFill>
-                <a:latin typeface="Arial" panose="020B0604020202020204" pitchFamily="34" charset="0"/>
-                <a:ea typeface="ＭＳ Ｐゴシック" panose="020B0600070205080204" pitchFamily="34" charset="-128"/>
-              </a:defRPr>
-            </a:lvl6pPr>
-            <a:lvl7pPr marL="2971800" indent="-228600" eaLnBrk="0" fontAlgn="base" hangingPunct="0">
-              <a:spcBef>
-                <a:spcPct val="20000"/>
-              </a:spcBef>
-              <a:spcAft>
-                <a:spcPct val="0"/>
-              </a:spcAft>
-              <a:buChar char="»"/>
-              <a:defRPr sz="2100">
-                <a:solidFill>
-                  <a:schemeClr val="tx1"/>
-                </a:solidFill>
-                <a:latin typeface="Arial" panose="020B0604020202020204" pitchFamily="34" charset="0"/>
-                <a:ea typeface="ＭＳ Ｐゴシック" panose="020B0600070205080204" pitchFamily="34" charset="-128"/>
-              </a:defRPr>
-            </a:lvl7pPr>
-            <a:lvl8pPr marL="3429000" indent="-228600" eaLnBrk="0" fontAlgn="base" hangingPunct="0">
-              <a:spcBef>
-                <a:spcPct val="20000"/>
-              </a:spcBef>
-              <a:spcAft>
-                <a:spcPct val="0"/>
-              </a:spcAft>
-              <a:buChar char="»"/>
-              <a:defRPr sz="2100">
-                <a:solidFill>
-                  <a:schemeClr val="tx1"/>
-                </a:solidFill>
-                <a:latin typeface="Arial" panose="020B0604020202020204" pitchFamily="34" charset="0"/>
-                <a:ea typeface="ＭＳ Ｐゴシック" panose="020B0600070205080204" pitchFamily="34" charset="-128"/>
-              </a:defRPr>
-            </a:lvl8pPr>
-            <a:lvl9pPr marL="3886200" indent="-228600" eaLnBrk="0" fontAlgn="base" hangingPunct="0">
-              <a:spcBef>
-                <a:spcPct val="20000"/>
-              </a:spcBef>
-              <a:spcAft>
-                <a:spcPct val="0"/>
-              </a:spcAft>
-              <a:buChar char="»"/>
-              <a:defRPr sz="2100">
-                <a:solidFill>
-                  <a:schemeClr val="tx1"/>
-                </a:solidFill>
-                <a:latin typeface="Arial" panose="020B0604020202020204" pitchFamily="34" charset="0"/>
-                <a:ea typeface="ＭＳ Ｐゴシック" panose="020B0600070205080204" pitchFamily="34" charset="-128"/>
-              </a:defRPr>
-            </a:lvl9pPr>
-          </a:lstStyle>
-          <a:p>
-            <a:pPr eaLnBrk="1" hangingPunct="1">
-              <a:spcBef>
-                <a:spcPct val="0"/>
-              </a:spcBef>
-              <a:buFontTx/>
-              <a:buNone/>
-            </a:pPr>
-            <a:r>
-              <a:rPr lang="en-US" altLang="en-US" sz="1000" b="1"/>
-              <a:t>P1</a:t>
-            </a:r>
           </a:p>
         </p:txBody>
       </p:sp>
@@ -11277,42 +10583,6 @@
           </p:txBody>
         </p:sp>
       </p:grpSp>
-      <p:cxnSp>
-        <p:nvCxnSpPr>
-          <p:cNvPr id="267" name="Straight Connector 266">
-            <a:extLst>
-              <a:ext uri="{FF2B5EF4-FFF2-40B4-BE49-F238E27FC236}">
-                <a16:creationId xmlns:a16="http://schemas.microsoft.com/office/drawing/2014/main" id="{EDAC10E0-A4FA-6F49-809C-C62E338B24FC}"/>
-              </a:ext>
-            </a:extLst>
-          </p:cNvPr>
-          <p:cNvCxnSpPr/>
-          <p:nvPr/>
-        </p:nvCxnSpPr>
-        <p:spPr>
-          <a:xfrm flipV="1">
-            <a:off x="1371600" y="6207125"/>
-            <a:ext cx="627063" cy="631825"/>
-          </a:xfrm>
-          <a:prstGeom prst="line">
-            <a:avLst/>
-          </a:prstGeom>
-        </p:spPr>
-        <p:style>
-          <a:lnRef idx="2">
-            <a:schemeClr val="accent1"/>
-          </a:lnRef>
-          <a:fillRef idx="0">
-            <a:schemeClr val="accent1"/>
-          </a:fillRef>
-          <a:effectRef idx="1">
-            <a:schemeClr val="accent1"/>
-          </a:effectRef>
-          <a:fontRef idx="minor">
-            <a:schemeClr val="tx1"/>
-          </a:fontRef>
-        </p:style>
-      </p:cxnSp>
       <p:grpSp>
         <p:nvGrpSpPr>
           <p:cNvPr id="268" name="Group 29">
@@ -11756,24 +11026,32 @@
       </p:pic>
       <p:cxnSp>
         <p:nvCxnSpPr>
-          <p:cNvPr id="274" name="Straight Connector 273">
+          <p:cNvPr id="72" name="Straight Connector 71">
             <a:extLst>
               <a:ext uri="{FF2B5EF4-FFF2-40B4-BE49-F238E27FC236}">
-                <a16:creationId xmlns:a16="http://schemas.microsoft.com/office/drawing/2014/main" id="{E9DB18A1-290D-684A-989D-ED78F9C96828}"/>
+                <a16:creationId xmlns:a16="http://schemas.microsoft.com/office/drawing/2014/main" id="{268885F6-E4D2-584A-AA27-6F5E5AEE21FE}"/>
               </a:ext>
             </a:extLst>
           </p:cNvPr>
-          <p:cNvCxnSpPr/>
+          <p:cNvCxnSpPr>
+            <a:cxnSpLocks/>
+          </p:cNvCxnSpPr>
           <p:nvPr/>
         </p:nvCxnSpPr>
         <p:spPr>
-          <a:xfrm>
-            <a:off x="4343400" y="5245100"/>
-            <a:ext cx="152400" cy="2782887"/>
+          <a:xfrm flipH="1">
+            <a:off x="4343400" y="8312881"/>
+            <a:ext cx="154181" cy="373919"/>
           </a:xfrm>
           <a:prstGeom prst="line">
             <a:avLst/>
           </a:prstGeom>
+          <a:ln>
+            <a:solidFill>
+              <a:srgbClr val="FF0000"/>
+            </a:solidFill>
+          </a:ln>
+          <a:effectLst/>
         </p:spPr>
         <p:style>
           <a:lnRef idx="2">
@@ -11792,369 +11070,973 @@
       </p:cxnSp>
       <p:sp>
         <p:nvSpPr>
-          <p:cNvPr id="275" name="TextBox 6">
+          <p:cNvPr id="73" name="TextBox 72">
             <a:extLst>
               <a:ext uri="{FF2B5EF4-FFF2-40B4-BE49-F238E27FC236}">
-                <a16:creationId xmlns:a16="http://schemas.microsoft.com/office/drawing/2014/main" id="{D61F35C1-E9BB-3046-AC39-C95B95E64A5F}"/>
+                <a16:creationId xmlns:a16="http://schemas.microsoft.com/office/drawing/2014/main" id="{F292D114-0F97-354A-BCBA-5111DB3DF5AC}"/>
               </a:ext>
             </a:extLst>
           </p:cNvPr>
-          <p:cNvSpPr txBox="1">
-            <a:spLocks noChangeArrowheads="1"/>
+          <p:cNvSpPr txBox="1"/>
+          <p:nvPr/>
+        </p:nvSpPr>
+        <p:spPr>
+          <a:xfrm>
+            <a:off x="1548888" y="6935787"/>
+            <a:ext cx="533400" cy="369332"/>
+          </a:xfrm>
+          <a:prstGeom prst="rect">
+            <a:avLst/>
+          </a:prstGeom>
+          <a:noFill/>
+          <a:effectLst/>
+        </p:spPr>
+        <p:txBody>
+          <a:bodyPr wrap="square" rtlCol="0">
+            <a:spAutoFit/>
+          </a:bodyPr>
+          <a:lstStyle/>
+          <a:p>
+            <a:r>
+              <a:rPr lang="en-US" b="1" dirty="0"/>
+              <a:t>P1</a:t>
+            </a:r>
+          </a:p>
+        </p:txBody>
+      </p:sp>
+      <p:sp>
+        <p:nvSpPr>
+          <p:cNvPr id="74" name="TextBox 73">
+            <a:extLst>
+              <a:ext uri="{FF2B5EF4-FFF2-40B4-BE49-F238E27FC236}">
+                <a16:creationId xmlns:a16="http://schemas.microsoft.com/office/drawing/2014/main" id="{D0257BEF-5B52-A94D-82EB-682B476938B7}"/>
+              </a:ext>
+            </a:extLst>
+          </p:cNvPr>
+          <p:cNvSpPr txBox="1"/>
+          <p:nvPr/>
+        </p:nvSpPr>
+        <p:spPr>
+          <a:xfrm>
+            <a:off x="538198" y="5812418"/>
+            <a:ext cx="533400" cy="369332"/>
+          </a:xfrm>
+          <a:prstGeom prst="rect">
+            <a:avLst/>
+          </a:prstGeom>
+          <a:noFill/>
+        </p:spPr>
+        <p:txBody>
+          <a:bodyPr wrap="square" rtlCol="0">
+            <a:spAutoFit/>
+          </a:bodyPr>
+          <a:lstStyle/>
+          <a:p>
+            <a:r>
+              <a:rPr lang="en-US" b="1" dirty="0"/>
+              <a:t>T1</a:t>
+            </a:r>
+          </a:p>
+        </p:txBody>
+      </p:sp>
+      <p:sp>
+        <p:nvSpPr>
+          <p:cNvPr id="77" name="TextBox 76">
+            <a:extLst>
+              <a:ext uri="{FF2B5EF4-FFF2-40B4-BE49-F238E27FC236}">
+                <a16:creationId xmlns:a16="http://schemas.microsoft.com/office/drawing/2014/main" id="{DDCC2E6D-D37D-454E-A052-7C905E53A23C}"/>
+              </a:ext>
+            </a:extLst>
+          </p:cNvPr>
+          <p:cNvSpPr txBox="1"/>
+          <p:nvPr/>
+        </p:nvSpPr>
+        <p:spPr>
+          <a:xfrm>
+            <a:off x="3851972" y="8312881"/>
+            <a:ext cx="533400" cy="369332"/>
+          </a:xfrm>
+          <a:prstGeom prst="rect">
+            <a:avLst/>
+          </a:prstGeom>
+          <a:noFill/>
+          <a:effectLst/>
+        </p:spPr>
+        <p:txBody>
+          <a:bodyPr wrap="square" rtlCol="0">
+            <a:spAutoFit/>
+          </a:bodyPr>
+          <a:lstStyle/>
+          <a:p>
+            <a:r>
+              <a:rPr lang="en-US" b="1" dirty="0"/>
+              <a:t>P2</a:t>
+            </a:r>
+          </a:p>
+        </p:txBody>
+      </p:sp>
+      <p:sp>
+        <p:nvSpPr>
+          <p:cNvPr id="86" name="TextBox 85">
+            <a:extLst>
+              <a:ext uri="{FF2B5EF4-FFF2-40B4-BE49-F238E27FC236}">
+                <a16:creationId xmlns:a16="http://schemas.microsoft.com/office/drawing/2014/main" id="{E265EE53-55A0-7148-A1F6-61837270D98F}"/>
+              </a:ext>
+            </a:extLst>
+          </p:cNvPr>
+          <p:cNvSpPr txBox="1"/>
+          <p:nvPr/>
+        </p:nvSpPr>
+        <p:spPr>
+          <a:xfrm>
+            <a:off x="166779" y="4414902"/>
+            <a:ext cx="533400" cy="369332"/>
+          </a:xfrm>
+          <a:prstGeom prst="rect">
+            <a:avLst/>
+          </a:prstGeom>
+          <a:noFill/>
+        </p:spPr>
+        <p:txBody>
+          <a:bodyPr wrap="square" rtlCol="0">
+            <a:spAutoFit/>
+          </a:bodyPr>
+          <a:lstStyle/>
+          <a:p>
+            <a:r>
+              <a:rPr lang="en-US" b="1" dirty="0"/>
+              <a:t>T2</a:t>
+            </a:r>
+          </a:p>
+        </p:txBody>
+      </p:sp>
+      <p:sp>
+        <p:nvSpPr>
+          <p:cNvPr id="87" name="TextBox 86">
+            <a:extLst>
+              <a:ext uri="{FF2B5EF4-FFF2-40B4-BE49-F238E27FC236}">
+                <a16:creationId xmlns:a16="http://schemas.microsoft.com/office/drawing/2014/main" id="{C7027806-0079-AF48-8DC8-4DE62345B4C1}"/>
+              </a:ext>
+            </a:extLst>
+          </p:cNvPr>
+          <p:cNvSpPr txBox="1"/>
+          <p:nvPr/>
+        </p:nvSpPr>
+        <p:spPr>
+          <a:xfrm>
+            <a:off x="1200613" y="4428966"/>
+            <a:ext cx="533400" cy="369332"/>
+          </a:xfrm>
+          <a:prstGeom prst="rect">
+            <a:avLst/>
+          </a:prstGeom>
+          <a:noFill/>
+        </p:spPr>
+        <p:txBody>
+          <a:bodyPr wrap="square" rtlCol="0">
+            <a:spAutoFit/>
+          </a:bodyPr>
+          <a:lstStyle/>
+          <a:p>
+            <a:r>
+              <a:rPr lang="en-US" b="1" dirty="0"/>
+              <a:t>T3</a:t>
+            </a:r>
+          </a:p>
+        </p:txBody>
+      </p:sp>
+      <p:sp>
+        <p:nvSpPr>
+          <p:cNvPr id="88" name="TextBox 87">
+            <a:extLst>
+              <a:ext uri="{FF2B5EF4-FFF2-40B4-BE49-F238E27FC236}">
+                <a16:creationId xmlns:a16="http://schemas.microsoft.com/office/drawing/2014/main" id="{5965F36F-4B88-B14D-A3A7-237ECE887F1F}"/>
+              </a:ext>
+            </a:extLst>
+          </p:cNvPr>
+          <p:cNvSpPr txBox="1"/>
+          <p:nvPr/>
+        </p:nvSpPr>
+        <p:spPr>
+          <a:xfrm>
+            <a:off x="3519740" y="4865092"/>
+            <a:ext cx="533400" cy="369332"/>
+          </a:xfrm>
+          <a:prstGeom prst="rect">
+            <a:avLst/>
+          </a:prstGeom>
+          <a:noFill/>
+        </p:spPr>
+        <p:txBody>
+          <a:bodyPr wrap="square" rtlCol="0">
+            <a:spAutoFit/>
+          </a:bodyPr>
+          <a:lstStyle/>
+          <a:p>
+            <a:r>
+              <a:rPr lang="en-US" b="1" dirty="0"/>
+              <a:t>T4</a:t>
+            </a:r>
+          </a:p>
+        </p:txBody>
+      </p:sp>
+      <p:sp>
+        <p:nvSpPr>
+          <p:cNvPr id="89" name="TextBox 88">
+            <a:extLst>
+              <a:ext uri="{FF2B5EF4-FFF2-40B4-BE49-F238E27FC236}">
+                <a16:creationId xmlns:a16="http://schemas.microsoft.com/office/drawing/2014/main" id="{3A0589A9-309B-3A42-B79A-ECAE0A66AA92}"/>
+              </a:ext>
+            </a:extLst>
+          </p:cNvPr>
+          <p:cNvSpPr txBox="1"/>
+          <p:nvPr/>
+        </p:nvSpPr>
+        <p:spPr>
+          <a:xfrm>
+            <a:off x="6334208" y="6498700"/>
+            <a:ext cx="533400" cy="369332"/>
+          </a:xfrm>
+          <a:prstGeom prst="rect">
+            <a:avLst/>
+          </a:prstGeom>
+          <a:noFill/>
+        </p:spPr>
+        <p:txBody>
+          <a:bodyPr wrap="square" rtlCol="0">
+            <a:spAutoFit/>
+          </a:bodyPr>
+          <a:lstStyle/>
+          <a:p>
+            <a:r>
+              <a:rPr lang="en-US" b="1" dirty="0"/>
+              <a:t>T5</a:t>
+            </a:r>
+          </a:p>
+        </p:txBody>
+      </p:sp>
+      <p:sp>
+        <p:nvSpPr>
+          <p:cNvPr id="90" name="TextBox 89">
+            <a:extLst>
+              <a:ext uri="{FF2B5EF4-FFF2-40B4-BE49-F238E27FC236}">
+                <a16:creationId xmlns:a16="http://schemas.microsoft.com/office/drawing/2014/main" id="{F676E43F-4293-8A40-A8B2-74CD217D80C9}"/>
+              </a:ext>
+            </a:extLst>
+          </p:cNvPr>
+          <p:cNvSpPr txBox="1"/>
+          <p:nvPr/>
+        </p:nvSpPr>
+        <p:spPr>
+          <a:xfrm>
+            <a:off x="5239088" y="5977791"/>
+            <a:ext cx="533400" cy="369332"/>
+          </a:xfrm>
+          <a:prstGeom prst="rect">
+            <a:avLst/>
+          </a:prstGeom>
+          <a:noFill/>
+        </p:spPr>
+        <p:txBody>
+          <a:bodyPr wrap="square" rtlCol="0">
+            <a:spAutoFit/>
+          </a:bodyPr>
+          <a:lstStyle/>
+          <a:p>
+            <a:r>
+              <a:rPr lang="en-US" b="1" dirty="0"/>
+              <a:t>T6</a:t>
+            </a:r>
+          </a:p>
+        </p:txBody>
+      </p:sp>
+      <p:sp>
+        <p:nvSpPr>
+          <p:cNvPr id="91" name="TextBox 90">
+            <a:extLst>
+              <a:ext uri="{FF2B5EF4-FFF2-40B4-BE49-F238E27FC236}">
+                <a16:creationId xmlns:a16="http://schemas.microsoft.com/office/drawing/2014/main" id="{41B813DC-F059-DC41-AFC6-410673D7D379}"/>
+              </a:ext>
+            </a:extLst>
+          </p:cNvPr>
+          <p:cNvSpPr txBox="1"/>
+          <p:nvPr/>
+        </p:nvSpPr>
+        <p:spPr>
+          <a:xfrm>
+            <a:off x="5077409" y="4566283"/>
+            <a:ext cx="533400" cy="369332"/>
+          </a:xfrm>
+          <a:prstGeom prst="rect">
+            <a:avLst/>
+          </a:prstGeom>
+          <a:noFill/>
+        </p:spPr>
+        <p:txBody>
+          <a:bodyPr wrap="square" rtlCol="0">
+            <a:spAutoFit/>
+          </a:bodyPr>
+          <a:lstStyle/>
+          <a:p>
+            <a:r>
+              <a:rPr lang="en-US" b="1" dirty="0"/>
+              <a:t>T7</a:t>
+            </a:r>
+          </a:p>
+        </p:txBody>
+      </p:sp>
+      <p:sp>
+        <p:nvSpPr>
+          <p:cNvPr id="110" name="Freeform 300">
+            <a:extLst>
+              <a:ext uri="{FF2B5EF4-FFF2-40B4-BE49-F238E27FC236}">
+                <a16:creationId xmlns:a16="http://schemas.microsoft.com/office/drawing/2014/main" id="{53B99497-6790-CA42-A837-3402C3C04B15}"/>
+              </a:ext>
+            </a:extLst>
+          </p:cNvPr>
+          <p:cNvSpPr>
+            <a:spLocks/>
           </p:cNvSpPr>
           <p:nvPr/>
         </p:nvSpPr>
         <p:spPr bwMode="auto">
           <a:xfrm>
-            <a:off x="3565525" y="6207125"/>
-            <a:ext cx="363538" cy="277812"/>
+            <a:off x="4489887" y="5120143"/>
+            <a:ext cx="71500" cy="1380426"/>
           </a:xfrm>
-          <a:prstGeom prst="rect">
+          <a:custGeom>
             <a:avLst/>
-          </a:prstGeom>
-          <a:noFill/>
-          <a:ln>
-            <a:noFill/>
+            <a:gdLst>
+              <a:gd name="T0" fmla="*/ 37683 w 42"/>
+              <a:gd name="T1" fmla="*/ 37473 h 916"/>
+              <a:gd name="T2" fmla="*/ 0 w 42"/>
+              <a:gd name="T3" fmla="*/ 71520 h 916"/>
+              <a:gd name="T4" fmla="*/ 0 w 42"/>
+              <a:gd name="T5" fmla="*/ 9914 h 916"/>
+              <a:gd name="T6" fmla="*/ 37683 w 42"/>
+              <a:gd name="T7" fmla="*/ 0 h 916"/>
+              <a:gd name="T8" fmla="*/ 37683 w 42"/>
+              <a:gd name="T9" fmla="*/ 37473 h 916"/>
+              <a:gd name="T10" fmla="*/ 0 60000 65536"/>
+              <a:gd name="T11" fmla="*/ 0 60000 65536"/>
+              <a:gd name="T12" fmla="*/ 0 60000 65536"/>
+              <a:gd name="T13" fmla="*/ 0 60000 65536"/>
+              <a:gd name="T14" fmla="*/ 0 60000 65536"/>
+              <a:gd name="T15" fmla="*/ 0 w 42"/>
+              <a:gd name="T16" fmla="*/ 0 h 916"/>
+              <a:gd name="T17" fmla="*/ 42 w 42"/>
+              <a:gd name="T18" fmla="*/ 916 h 916"/>
+            </a:gdLst>
+            <a:ahLst/>
+            <a:cxnLst>
+              <a:cxn ang="T10">
+                <a:pos x="T0" y="T1"/>
+              </a:cxn>
+              <a:cxn ang="T11">
+                <a:pos x="T2" y="T3"/>
+              </a:cxn>
+              <a:cxn ang="T12">
+                <a:pos x="T4" y="T5"/>
+              </a:cxn>
+              <a:cxn ang="T13">
+                <a:pos x="T6" y="T7"/>
+              </a:cxn>
+              <a:cxn ang="T14">
+                <a:pos x="T8" y="T9"/>
+              </a:cxn>
+            </a:cxnLst>
+            <a:rect l="T15" t="T16" r="T17" b="T18"/>
+            <a:pathLst>
+              <a:path w="42" h="916">
+                <a:moveTo>
+                  <a:pt x="42" y="480"/>
+                </a:moveTo>
+                <a:lnTo>
+                  <a:pt x="0" y="916"/>
+                </a:lnTo>
+                <a:lnTo>
+                  <a:pt x="0" y="127"/>
+                </a:lnTo>
+                <a:lnTo>
+                  <a:pt x="42" y="0"/>
+                </a:lnTo>
+                <a:lnTo>
+                  <a:pt x="42" y="480"/>
+                </a:lnTo>
+                <a:close/>
+              </a:path>
+            </a:pathLst>
+          </a:custGeom>
+          <a:solidFill>
+            <a:schemeClr val="accent1"/>
+          </a:solidFill>
+          <a:ln w="9525">
+            <a:solidFill>
+              <a:schemeClr val="tx1"/>
+            </a:solidFill>
+            <a:round/>
+            <a:headEnd/>
+            <a:tailEnd/>
           </a:ln>
-          <a:extLst>
-            <a:ext uri="{909E8E84-426E-40DD-AFC4-6F175D3DCCD1}">
-              <a14:hiddenFill xmlns:a14="http://schemas.microsoft.com/office/drawing/2010/main">
-                <a:solidFill>
-                  <a:srgbClr val="FFFFFF"/>
-                </a:solidFill>
-              </a14:hiddenFill>
-            </a:ext>
-            <a:ext uri="{91240B29-F687-4F45-9708-019B960494DF}">
-              <a14:hiddenLine xmlns:a14="http://schemas.microsoft.com/office/drawing/2010/main" w="9525">
-                <a:solidFill>
-                  <a:srgbClr val="000000"/>
-                </a:solidFill>
-                <a:miter lim="800000"/>
-                <a:headEnd/>
-                <a:tailEnd/>
-              </a14:hiddenLine>
-            </a:ext>
-          </a:extLst>
         </p:spPr>
         <p:txBody>
-          <a:bodyPr wrap="none">
-            <a:spAutoFit/>
-          </a:bodyPr>
-          <a:lstStyle>
-            <a:lvl1pPr>
-              <a:defRPr>
-                <a:solidFill>
-                  <a:schemeClr val="tx1"/>
-                </a:solidFill>
-                <a:latin typeface="Arial" panose="020B0604020202020204" pitchFamily="34" charset="0"/>
-                <a:ea typeface="ＭＳ Ｐゴシック" panose="020B0600070205080204" pitchFamily="34" charset="-128"/>
-              </a:defRPr>
-            </a:lvl1pPr>
-            <a:lvl2pPr marL="742950" indent="-285750">
-              <a:defRPr>
-                <a:solidFill>
-                  <a:schemeClr val="tx1"/>
-                </a:solidFill>
-                <a:latin typeface="Arial" panose="020B0604020202020204" pitchFamily="34" charset="0"/>
-                <a:ea typeface="ＭＳ Ｐゴシック" panose="020B0600070205080204" pitchFamily="34" charset="-128"/>
-              </a:defRPr>
-            </a:lvl2pPr>
-            <a:lvl3pPr marL="1143000" indent="-228600">
-              <a:defRPr>
-                <a:solidFill>
-                  <a:schemeClr val="tx1"/>
-                </a:solidFill>
-                <a:latin typeface="Arial" panose="020B0604020202020204" pitchFamily="34" charset="0"/>
-                <a:ea typeface="ＭＳ Ｐゴシック" panose="020B0600070205080204" pitchFamily="34" charset="-128"/>
-              </a:defRPr>
-            </a:lvl3pPr>
-            <a:lvl4pPr marL="1600200" indent="-228600">
-              <a:defRPr>
-                <a:solidFill>
-                  <a:schemeClr val="tx1"/>
-                </a:solidFill>
-                <a:latin typeface="Arial" panose="020B0604020202020204" pitchFamily="34" charset="0"/>
-                <a:ea typeface="ＭＳ Ｐゴシック" panose="020B0600070205080204" pitchFamily="34" charset="-128"/>
-              </a:defRPr>
-            </a:lvl4pPr>
-            <a:lvl5pPr marL="2057400" indent="-228600">
-              <a:defRPr>
-                <a:solidFill>
-                  <a:schemeClr val="tx1"/>
-                </a:solidFill>
-                <a:latin typeface="Arial" panose="020B0604020202020204" pitchFamily="34" charset="0"/>
-                <a:ea typeface="ＭＳ Ｐゴシック" panose="020B0600070205080204" pitchFamily="34" charset="-128"/>
-              </a:defRPr>
-            </a:lvl5pPr>
-            <a:lvl6pPr marL="2514600" indent="-228600" eaLnBrk="0" fontAlgn="base" hangingPunct="0">
-              <a:spcBef>
-                <a:spcPct val="0"/>
-              </a:spcBef>
-              <a:spcAft>
-                <a:spcPct val="0"/>
-              </a:spcAft>
-              <a:defRPr>
-                <a:solidFill>
-                  <a:schemeClr val="tx1"/>
-                </a:solidFill>
-                <a:latin typeface="Arial" panose="020B0604020202020204" pitchFamily="34" charset="0"/>
-                <a:ea typeface="ＭＳ Ｐゴシック" panose="020B0600070205080204" pitchFamily="34" charset="-128"/>
-              </a:defRPr>
-            </a:lvl6pPr>
-            <a:lvl7pPr marL="2971800" indent="-228600" eaLnBrk="0" fontAlgn="base" hangingPunct="0">
-              <a:spcBef>
-                <a:spcPct val="0"/>
-              </a:spcBef>
-              <a:spcAft>
-                <a:spcPct val="0"/>
-              </a:spcAft>
-              <a:defRPr>
-                <a:solidFill>
-                  <a:schemeClr val="tx1"/>
-                </a:solidFill>
-                <a:latin typeface="Arial" panose="020B0604020202020204" pitchFamily="34" charset="0"/>
-                <a:ea typeface="ＭＳ Ｐゴシック" panose="020B0600070205080204" pitchFamily="34" charset="-128"/>
-              </a:defRPr>
-            </a:lvl7pPr>
-            <a:lvl8pPr marL="3429000" indent="-228600" eaLnBrk="0" fontAlgn="base" hangingPunct="0">
-              <a:spcBef>
-                <a:spcPct val="0"/>
-              </a:spcBef>
-              <a:spcAft>
-                <a:spcPct val="0"/>
-              </a:spcAft>
-              <a:defRPr>
-                <a:solidFill>
-                  <a:schemeClr val="tx1"/>
-                </a:solidFill>
-                <a:latin typeface="Arial" panose="020B0604020202020204" pitchFamily="34" charset="0"/>
-                <a:ea typeface="ＭＳ Ｐゴシック" panose="020B0600070205080204" pitchFamily="34" charset="-128"/>
-              </a:defRPr>
-            </a:lvl8pPr>
-            <a:lvl9pPr marL="3886200" indent="-228600" eaLnBrk="0" fontAlgn="base" hangingPunct="0">
-              <a:spcBef>
-                <a:spcPct val="0"/>
-              </a:spcBef>
-              <a:spcAft>
-                <a:spcPct val="0"/>
-              </a:spcAft>
-              <a:defRPr>
-                <a:solidFill>
-                  <a:schemeClr val="tx1"/>
-                </a:solidFill>
-                <a:latin typeface="Arial" panose="020B0604020202020204" pitchFamily="34" charset="0"/>
-                <a:ea typeface="ＭＳ Ｐゴシック" panose="020B0600070205080204" pitchFamily="34" charset="-128"/>
-              </a:defRPr>
-            </a:lvl9pPr>
-          </a:lstStyle>
+          <a:bodyPr wrap="none" anchor="ctr"/>
+          <a:lstStyle/>
           <a:p>
-            <a:pPr eaLnBrk="1" hangingPunct="1"/>
-            <a:r>
-              <a:rPr lang="en-US" altLang="en-US" sz="1200" b="1"/>
-              <a:t>T4</a:t>
-            </a:r>
+            <a:endParaRPr lang="en-US"/>
           </a:p>
         </p:txBody>
       </p:sp>
-      <p:cxnSp>
-        <p:nvCxnSpPr>
-          <p:cNvPr id="276" name="Straight Connector 275">
+      <p:sp>
+        <p:nvSpPr>
+          <p:cNvPr id="111" name="Freeform 301">
             <a:extLst>
               <a:ext uri="{FF2B5EF4-FFF2-40B4-BE49-F238E27FC236}">
-                <a16:creationId xmlns:a16="http://schemas.microsoft.com/office/drawing/2014/main" id="{F81D59E3-0D5A-3C4A-8E45-6FD12BDA17E6}"/>
+                <a16:creationId xmlns:a16="http://schemas.microsoft.com/office/drawing/2014/main" id="{06DD911C-C55C-A840-9ECD-C9DCCAF67839}"/>
               </a:ext>
             </a:extLst>
           </p:cNvPr>
-          <p:cNvCxnSpPr/>
-          <p:nvPr/>
-        </p:nvCxnSpPr>
-        <p:spPr>
-          <a:xfrm flipH="1">
-            <a:off x="3883025" y="8027987"/>
-            <a:ext cx="765175" cy="517525"/>
-          </a:xfrm>
-          <a:prstGeom prst="line">
-            <a:avLst/>
-          </a:prstGeom>
-        </p:spPr>
-        <p:style>
-          <a:lnRef idx="2">
-            <a:schemeClr val="accent1"/>
-          </a:lnRef>
-          <a:fillRef idx="0">
-            <a:schemeClr val="accent1"/>
-          </a:fillRef>
-          <a:effectRef idx="1">
-            <a:schemeClr val="accent1"/>
-          </a:effectRef>
-          <a:fontRef idx="minor">
-            <a:schemeClr val="tx1"/>
-          </a:fontRef>
-        </p:style>
-      </p:cxnSp>
-      <p:sp>
-        <p:nvSpPr>
-          <p:cNvPr id="277" name="TextBox 11">
-            <a:extLst>
-              <a:ext uri="{FF2B5EF4-FFF2-40B4-BE49-F238E27FC236}">
-                <a16:creationId xmlns:a16="http://schemas.microsoft.com/office/drawing/2014/main" id="{845CF3DE-95BD-2C46-BD2C-6FCE2F57E7DB}"/>
-              </a:ext>
-            </a:extLst>
-          </p:cNvPr>
-          <p:cNvSpPr txBox="1">
-            <a:spLocks noChangeArrowheads="1"/>
+          <p:cNvSpPr>
+            <a:spLocks/>
           </p:cNvSpPr>
           <p:nvPr/>
         </p:nvSpPr>
         <p:spPr bwMode="auto">
           <a:xfrm>
-            <a:off x="490538" y="6438900"/>
-            <a:ext cx="363537" cy="276225"/>
+            <a:off x="2782466" y="5651994"/>
+            <a:ext cx="747636" cy="1386485"/>
           </a:xfrm>
-          <a:prstGeom prst="rect">
+          <a:custGeom>
             <a:avLst/>
-          </a:prstGeom>
-          <a:noFill/>
-          <a:ln>
-            <a:noFill/>
+            <a:gdLst>
+              <a:gd name="T0" fmla="*/ 0 w 240"/>
+              <a:gd name="T1" fmla="*/ 231401 h 840"/>
+              <a:gd name="T2" fmla="*/ 75637390 w 240"/>
+              <a:gd name="T3" fmla="*/ 404798 h 840"/>
+              <a:gd name="T4" fmla="*/ 75637390 w 240"/>
+              <a:gd name="T5" fmla="*/ 57599 h 840"/>
+              <a:gd name="T6" fmla="*/ 0 w 240"/>
+              <a:gd name="T7" fmla="*/ 0 h 840"/>
+              <a:gd name="T8" fmla="*/ 0 w 240"/>
+              <a:gd name="T9" fmla="*/ 231401 h 840"/>
+              <a:gd name="T10" fmla="*/ 0 60000 65536"/>
+              <a:gd name="T11" fmla="*/ 0 60000 65536"/>
+              <a:gd name="T12" fmla="*/ 0 60000 65536"/>
+              <a:gd name="T13" fmla="*/ 0 60000 65536"/>
+              <a:gd name="T14" fmla="*/ 0 60000 65536"/>
+              <a:gd name="T15" fmla="*/ 0 w 240"/>
+              <a:gd name="T16" fmla="*/ 0 h 840"/>
+              <a:gd name="T17" fmla="*/ 240 w 240"/>
+              <a:gd name="T18" fmla="*/ 840 h 840"/>
+            </a:gdLst>
+            <a:ahLst/>
+            <a:cxnLst>
+              <a:cxn ang="T10">
+                <a:pos x="T0" y="T1"/>
+              </a:cxn>
+              <a:cxn ang="T11">
+                <a:pos x="T2" y="T3"/>
+              </a:cxn>
+              <a:cxn ang="T12">
+                <a:pos x="T4" y="T5"/>
+              </a:cxn>
+              <a:cxn ang="T13">
+                <a:pos x="T6" y="T7"/>
+              </a:cxn>
+              <a:cxn ang="T14">
+                <a:pos x="T8" y="T9"/>
+              </a:cxn>
+            </a:cxnLst>
+            <a:rect l="T15" t="T16" r="T17" b="T18"/>
+            <a:pathLst>
+              <a:path w="240" h="840">
+                <a:moveTo>
+                  <a:pt x="0" y="480"/>
+                </a:moveTo>
+                <a:lnTo>
+                  <a:pt x="240" y="840"/>
+                </a:lnTo>
+                <a:lnTo>
+                  <a:pt x="240" y="120"/>
+                </a:lnTo>
+                <a:lnTo>
+                  <a:pt x="0" y="0"/>
+                </a:lnTo>
+                <a:lnTo>
+                  <a:pt x="0" y="480"/>
+                </a:lnTo>
+                <a:close/>
+              </a:path>
+            </a:pathLst>
+          </a:custGeom>
+          <a:solidFill>
+            <a:schemeClr val="accent1"/>
+          </a:solidFill>
+          <a:ln w="9525">
+            <a:solidFill>
+              <a:schemeClr val="tx1"/>
+            </a:solidFill>
+            <a:round/>
+            <a:headEnd/>
+            <a:tailEnd/>
           </a:ln>
-          <a:extLst>
-            <a:ext uri="{909E8E84-426E-40DD-AFC4-6F175D3DCCD1}">
-              <a14:hiddenFill xmlns:a14="http://schemas.microsoft.com/office/drawing/2010/main">
-                <a:solidFill>
-                  <a:srgbClr val="FFFFFF"/>
-                </a:solidFill>
-              </a14:hiddenFill>
-            </a:ext>
-            <a:ext uri="{91240B29-F687-4F45-9708-019B960494DF}">
-              <a14:hiddenLine xmlns:a14="http://schemas.microsoft.com/office/drawing/2010/main" w="9525">
-                <a:solidFill>
-                  <a:srgbClr val="000000"/>
-                </a:solidFill>
-                <a:miter lim="800000"/>
-                <a:headEnd/>
-                <a:tailEnd/>
-              </a14:hiddenLine>
-            </a:ext>
-          </a:extLst>
         </p:spPr>
         <p:txBody>
-          <a:bodyPr wrap="none">
-            <a:spAutoFit/>
-          </a:bodyPr>
-          <a:lstStyle>
-            <a:lvl1pPr>
-              <a:defRPr>
-                <a:solidFill>
-                  <a:schemeClr val="tx1"/>
-                </a:solidFill>
-                <a:latin typeface="Arial" panose="020B0604020202020204" pitchFamily="34" charset="0"/>
-                <a:ea typeface="ＭＳ Ｐゴシック" panose="020B0600070205080204" pitchFamily="34" charset="-128"/>
-              </a:defRPr>
-            </a:lvl1pPr>
-            <a:lvl2pPr marL="742950" indent="-285750">
-              <a:defRPr>
-                <a:solidFill>
-                  <a:schemeClr val="tx1"/>
-                </a:solidFill>
-                <a:latin typeface="Arial" panose="020B0604020202020204" pitchFamily="34" charset="0"/>
-                <a:ea typeface="ＭＳ Ｐゴシック" panose="020B0600070205080204" pitchFamily="34" charset="-128"/>
-              </a:defRPr>
-            </a:lvl2pPr>
-            <a:lvl3pPr marL="1143000" indent="-228600">
-              <a:defRPr>
-                <a:solidFill>
-                  <a:schemeClr val="tx1"/>
-                </a:solidFill>
-                <a:latin typeface="Arial" panose="020B0604020202020204" pitchFamily="34" charset="0"/>
-                <a:ea typeface="ＭＳ Ｐゴシック" panose="020B0600070205080204" pitchFamily="34" charset="-128"/>
-              </a:defRPr>
-            </a:lvl3pPr>
-            <a:lvl4pPr marL="1600200" indent="-228600">
-              <a:defRPr>
-                <a:solidFill>
-                  <a:schemeClr val="tx1"/>
-                </a:solidFill>
-                <a:latin typeface="Arial" panose="020B0604020202020204" pitchFamily="34" charset="0"/>
-                <a:ea typeface="ＭＳ Ｐゴシック" panose="020B0600070205080204" pitchFamily="34" charset="-128"/>
-              </a:defRPr>
-            </a:lvl4pPr>
-            <a:lvl5pPr marL="2057400" indent="-228600">
-              <a:defRPr>
-                <a:solidFill>
-                  <a:schemeClr val="tx1"/>
-                </a:solidFill>
-                <a:latin typeface="Arial" panose="020B0604020202020204" pitchFamily="34" charset="0"/>
-                <a:ea typeface="ＭＳ Ｐゴシック" panose="020B0600070205080204" pitchFamily="34" charset="-128"/>
-              </a:defRPr>
-            </a:lvl5pPr>
-            <a:lvl6pPr marL="2514600" indent="-228600" eaLnBrk="0" fontAlgn="base" hangingPunct="0">
-              <a:spcBef>
-                <a:spcPct val="0"/>
-              </a:spcBef>
-              <a:spcAft>
-                <a:spcPct val="0"/>
-              </a:spcAft>
-              <a:defRPr>
-                <a:solidFill>
-                  <a:schemeClr val="tx1"/>
-                </a:solidFill>
-                <a:latin typeface="Arial" panose="020B0604020202020204" pitchFamily="34" charset="0"/>
-                <a:ea typeface="ＭＳ Ｐゴシック" panose="020B0600070205080204" pitchFamily="34" charset="-128"/>
-              </a:defRPr>
-            </a:lvl6pPr>
-            <a:lvl7pPr marL="2971800" indent="-228600" eaLnBrk="0" fontAlgn="base" hangingPunct="0">
-              <a:spcBef>
-                <a:spcPct val="0"/>
-              </a:spcBef>
-              <a:spcAft>
-                <a:spcPct val="0"/>
-              </a:spcAft>
-              <a:defRPr>
-                <a:solidFill>
-                  <a:schemeClr val="tx1"/>
-                </a:solidFill>
-                <a:latin typeface="Arial" panose="020B0604020202020204" pitchFamily="34" charset="0"/>
-                <a:ea typeface="ＭＳ Ｐゴシック" panose="020B0600070205080204" pitchFamily="34" charset="-128"/>
-              </a:defRPr>
-            </a:lvl7pPr>
-            <a:lvl8pPr marL="3429000" indent="-228600" eaLnBrk="0" fontAlgn="base" hangingPunct="0">
-              <a:spcBef>
-                <a:spcPct val="0"/>
-              </a:spcBef>
-              <a:spcAft>
-                <a:spcPct val="0"/>
-              </a:spcAft>
-              <a:defRPr>
-                <a:solidFill>
-                  <a:schemeClr val="tx1"/>
-                </a:solidFill>
-                <a:latin typeface="Arial" panose="020B0604020202020204" pitchFamily="34" charset="0"/>
-                <a:ea typeface="ＭＳ Ｐゴシック" panose="020B0600070205080204" pitchFamily="34" charset="-128"/>
-              </a:defRPr>
-            </a:lvl8pPr>
-            <a:lvl9pPr marL="3886200" indent="-228600" eaLnBrk="0" fontAlgn="base" hangingPunct="0">
-              <a:spcBef>
-                <a:spcPct val="0"/>
-              </a:spcBef>
-              <a:spcAft>
-                <a:spcPct val="0"/>
-              </a:spcAft>
-              <a:defRPr>
-                <a:solidFill>
-                  <a:schemeClr val="tx1"/>
-                </a:solidFill>
-                <a:latin typeface="Arial" panose="020B0604020202020204" pitchFamily="34" charset="0"/>
-                <a:ea typeface="ＭＳ Ｐゴシック" panose="020B0600070205080204" pitchFamily="34" charset="-128"/>
-              </a:defRPr>
-            </a:lvl9pPr>
-          </a:lstStyle>
+          <a:bodyPr wrap="none" anchor="ctr"/>
+          <a:lstStyle/>
           <a:p>
-            <a:pPr eaLnBrk="1" hangingPunct="1"/>
-            <a:r>
-              <a:rPr lang="en-US" altLang="en-US" sz="1200" b="1"/>
-              <a:t>T1</a:t>
-            </a:r>
+            <a:endParaRPr lang="en-US"/>
+          </a:p>
+        </p:txBody>
+      </p:sp>
+      <p:grpSp>
+        <p:nvGrpSpPr>
+          <p:cNvPr id="114" name="Group 50">
+            <a:extLst>
+              <a:ext uri="{FF2B5EF4-FFF2-40B4-BE49-F238E27FC236}">
+                <a16:creationId xmlns:a16="http://schemas.microsoft.com/office/drawing/2014/main" id="{BBB6CADF-C726-9541-B214-4BE70D8C69B9}"/>
+              </a:ext>
+            </a:extLst>
+          </p:cNvPr>
+          <p:cNvGrpSpPr>
+            <a:grpSpLocks/>
+          </p:cNvGrpSpPr>
+          <p:nvPr/>
+        </p:nvGrpSpPr>
+        <p:grpSpPr bwMode="auto">
+          <a:xfrm>
+            <a:off x="1557524" y="5132874"/>
+            <a:ext cx="244475" cy="1814513"/>
+            <a:chOff x="240" y="3600"/>
+            <a:chExt cx="154" cy="1143"/>
+          </a:xfrm>
+        </p:grpSpPr>
+        <p:sp>
+          <p:nvSpPr>
+            <p:cNvPr id="115" name="Freeform 51">
+              <a:extLst>
+                <a:ext uri="{FF2B5EF4-FFF2-40B4-BE49-F238E27FC236}">
+                  <a16:creationId xmlns:a16="http://schemas.microsoft.com/office/drawing/2014/main" id="{E9B07125-6590-5F41-ABAB-C5B4B7453826}"/>
+                </a:ext>
+              </a:extLst>
+            </p:cNvPr>
+            <p:cNvSpPr>
+              <a:spLocks/>
+            </p:cNvSpPr>
+            <p:nvPr/>
+          </p:nvSpPr>
+          <p:spPr bwMode="auto">
+            <a:xfrm>
+              <a:off x="240" y="3600"/>
+              <a:ext cx="154" cy="1143"/>
+            </a:xfrm>
+            <a:custGeom>
+              <a:avLst/>
+              <a:gdLst>
+                <a:gd name="T0" fmla="*/ 0 w 432"/>
+                <a:gd name="T1" fmla="*/ 8 h 1488"/>
+                <a:gd name="T2" fmla="*/ 0 w 432"/>
+                <a:gd name="T3" fmla="*/ 5 h 1488"/>
+                <a:gd name="T4" fmla="*/ 0 w 432"/>
+                <a:gd name="T5" fmla="*/ 0 h 1488"/>
+                <a:gd name="T6" fmla="*/ 0 w 432"/>
+                <a:gd name="T7" fmla="*/ 2 h 1488"/>
+                <a:gd name="T8" fmla="*/ 0 w 432"/>
+                <a:gd name="T9" fmla="*/ 8 h 1488"/>
+                <a:gd name="T10" fmla="*/ 0 w 432"/>
+                <a:gd name="T11" fmla="*/ 8 h 1488"/>
+                <a:gd name="T12" fmla="*/ 0 w 432"/>
+                <a:gd name="T13" fmla="*/ 8 h 1488"/>
+                <a:gd name="T14" fmla="*/ 0 60000 65536"/>
+                <a:gd name="T15" fmla="*/ 0 60000 65536"/>
+                <a:gd name="T16" fmla="*/ 0 60000 65536"/>
+                <a:gd name="T17" fmla="*/ 0 60000 65536"/>
+                <a:gd name="T18" fmla="*/ 0 60000 65536"/>
+                <a:gd name="T19" fmla="*/ 0 60000 65536"/>
+                <a:gd name="T20" fmla="*/ 0 60000 65536"/>
+                <a:gd name="T21" fmla="*/ 0 w 432"/>
+                <a:gd name="T22" fmla="*/ 0 h 1488"/>
+                <a:gd name="T23" fmla="*/ 432 w 432"/>
+                <a:gd name="T24" fmla="*/ 1488 h 1488"/>
+              </a:gdLst>
+              <a:ahLst/>
+              <a:cxnLst>
+                <a:cxn ang="T14">
+                  <a:pos x="T0" y="T1"/>
+                </a:cxn>
+                <a:cxn ang="T15">
+                  <a:pos x="T2" y="T3"/>
+                </a:cxn>
+                <a:cxn ang="T16">
+                  <a:pos x="T4" y="T5"/>
+                </a:cxn>
+                <a:cxn ang="T17">
+                  <a:pos x="T6" y="T7"/>
+                </a:cxn>
+                <a:cxn ang="T18">
+                  <a:pos x="T8" y="T9"/>
+                </a:cxn>
+                <a:cxn ang="T19">
+                  <a:pos x="T10" y="T11"/>
+                </a:cxn>
+                <a:cxn ang="T20">
+                  <a:pos x="T12" y="T13"/>
+                </a:cxn>
+              </a:cxnLst>
+              <a:rect l="T21" t="T22" r="T23" b="T24"/>
+              <a:pathLst>
+                <a:path w="432" h="1488">
+                  <a:moveTo>
+                    <a:pt x="48" y="1440"/>
+                  </a:moveTo>
+                  <a:lnTo>
+                    <a:pt x="432" y="1056"/>
+                  </a:lnTo>
+                  <a:lnTo>
+                    <a:pt x="432" y="0"/>
+                  </a:lnTo>
+                  <a:lnTo>
+                    <a:pt x="0" y="336"/>
+                  </a:lnTo>
+                  <a:lnTo>
+                    <a:pt x="0" y="1440"/>
+                  </a:lnTo>
+                  <a:lnTo>
+                    <a:pt x="0" y="1488"/>
+                  </a:lnTo>
+                  <a:lnTo>
+                    <a:pt x="48" y="1440"/>
+                  </a:lnTo>
+                  <a:close/>
+                </a:path>
+              </a:pathLst>
+            </a:custGeom>
+            <a:solidFill>
+              <a:schemeClr val="accent1">
+                <a:alpha val="50195"/>
+              </a:schemeClr>
+            </a:solidFill>
+            <a:ln w="9525">
+              <a:solidFill>
+                <a:schemeClr val="tx1"/>
+              </a:solidFill>
+              <a:round/>
+              <a:headEnd/>
+              <a:tailEnd/>
+            </a:ln>
+          </p:spPr>
+          <p:txBody>
+            <a:bodyPr wrap="none" anchor="ctr"/>
+            <a:lstStyle/>
+            <a:p>
+              <a:endParaRPr lang="en-US"/>
+            </a:p>
+          </p:txBody>
+        </p:sp>
+        <p:sp>
+          <p:nvSpPr>
+            <p:cNvPr id="116" name="Freeform 52">
+              <a:extLst>
+                <a:ext uri="{FF2B5EF4-FFF2-40B4-BE49-F238E27FC236}">
+                  <a16:creationId xmlns:a16="http://schemas.microsoft.com/office/drawing/2014/main" id="{8850D0EA-B42B-A641-A932-90B291F1DA68}"/>
+                </a:ext>
+              </a:extLst>
+            </p:cNvPr>
+            <p:cNvSpPr>
+              <a:spLocks/>
+            </p:cNvSpPr>
+            <p:nvPr/>
+          </p:nvSpPr>
+          <p:spPr bwMode="auto">
+            <a:xfrm flipH="1">
+              <a:off x="281" y="3943"/>
+              <a:ext cx="32" cy="320"/>
+            </a:xfrm>
+            <a:custGeom>
+              <a:avLst/>
+              <a:gdLst>
+                <a:gd name="T0" fmla="*/ 32 w 32"/>
+                <a:gd name="T1" fmla="*/ 64 h 320"/>
+                <a:gd name="T2" fmla="*/ 0 w 32"/>
+                <a:gd name="T3" fmla="*/ 0 h 320"/>
+                <a:gd name="T4" fmla="*/ 0 w 32"/>
+                <a:gd name="T5" fmla="*/ 264 h 320"/>
+                <a:gd name="T6" fmla="*/ 32 w 32"/>
+                <a:gd name="T7" fmla="*/ 320 h 320"/>
+                <a:gd name="T8" fmla="*/ 32 w 32"/>
+                <a:gd name="T9" fmla="*/ 64 h 320"/>
+                <a:gd name="T10" fmla="*/ 0 60000 65536"/>
+                <a:gd name="T11" fmla="*/ 0 60000 65536"/>
+                <a:gd name="T12" fmla="*/ 0 60000 65536"/>
+                <a:gd name="T13" fmla="*/ 0 60000 65536"/>
+                <a:gd name="T14" fmla="*/ 0 60000 65536"/>
+                <a:gd name="T15" fmla="*/ 0 w 32"/>
+                <a:gd name="T16" fmla="*/ 0 h 320"/>
+                <a:gd name="T17" fmla="*/ 32 w 32"/>
+                <a:gd name="T18" fmla="*/ 320 h 320"/>
+              </a:gdLst>
+              <a:ahLst/>
+              <a:cxnLst>
+                <a:cxn ang="T10">
+                  <a:pos x="T0" y="T1"/>
+                </a:cxn>
+                <a:cxn ang="T11">
+                  <a:pos x="T2" y="T3"/>
+                </a:cxn>
+                <a:cxn ang="T12">
+                  <a:pos x="T4" y="T5"/>
+                </a:cxn>
+                <a:cxn ang="T13">
+                  <a:pos x="T6" y="T7"/>
+                </a:cxn>
+                <a:cxn ang="T14">
+                  <a:pos x="T8" y="T9"/>
+                </a:cxn>
+              </a:cxnLst>
+              <a:rect l="T15" t="T16" r="T17" b="T18"/>
+              <a:pathLst>
+                <a:path w="32" h="320">
+                  <a:moveTo>
+                    <a:pt x="32" y="64"/>
+                  </a:moveTo>
+                  <a:lnTo>
+                    <a:pt x="0" y="0"/>
+                  </a:lnTo>
+                  <a:lnTo>
+                    <a:pt x="0" y="264"/>
+                  </a:lnTo>
+                  <a:lnTo>
+                    <a:pt x="32" y="320"/>
+                  </a:lnTo>
+                  <a:lnTo>
+                    <a:pt x="32" y="64"/>
+                  </a:lnTo>
+                  <a:close/>
+                </a:path>
+              </a:pathLst>
+            </a:custGeom>
+            <a:solidFill>
+              <a:schemeClr val="bg1"/>
+            </a:solidFill>
+            <a:ln w="9525">
+              <a:solidFill>
+                <a:schemeClr val="tx1"/>
+              </a:solidFill>
+              <a:round/>
+              <a:headEnd/>
+              <a:tailEnd/>
+            </a:ln>
+          </p:spPr>
+          <p:txBody>
+            <a:bodyPr/>
+            <a:lstStyle/>
+            <a:p>
+              <a:endParaRPr lang="en-US"/>
+            </a:p>
+          </p:txBody>
+        </p:sp>
+      </p:grpSp>
+      <p:sp>
+        <p:nvSpPr>
+          <p:cNvPr id="117" name="Freeform 300">
+            <a:extLst>
+              <a:ext uri="{FF2B5EF4-FFF2-40B4-BE49-F238E27FC236}">
+                <a16:creationId xmlns:a16="http://schemas.microsoft.com/office/drawing/2014/main" id="{4CE0B03D-FE5E-4B41-86EC-96E91748E3F1}"/>
+              </a:ext>
+            </a:extLst>
+          </p:cNvPr>
+          <p:cNvSpPr>
+            <a:spLocks/>
+          </p:cNvSpPr>
+          <p:nvPr/>
+        </p:nvSpPr>
+        <p:spPr bwMode="auto">
+          <a:xfrm>
+            <a:off x="4510569" y="6021163"/>
+            <a:ext cx="71500" cy="1380426"/>
+          </a:xfrm>
+          <a:custGeom>
+            <a:avLst/>
+            <a:gdLst>
+              <a:gd name="T0" fmla="*/ 37683 w 42"/>
+              <a:gd name="T1" fmla="*/ 37473 h 916"/>
+              <a:gd name="T2" fmla="*/ 0 w 42"/>
+              <a:gd name="T3" fmla="*/ 71520 h 916"/>
+              <a:gd name="T4" fmla="*/ 0 w 42"/>
+              <a:gd name="T5" fmla="*/ 9914 h 916"/>
+              <a:gd name="T6" fmla="*/ 37683 w 42"/>
+              <a:gd name="T7" fmla="*/ 0 h 916"/>
+              <a:gd name="T8" fmla="*/ 37683 w 42"/>
+              <a:gd name="T9" fmla="*/ 37473 h 916"/>
+              <a:gd name="T10" fmla="*/ 0 60000 65536"/>
+              <a:gd name="T11" fmla="*/ 0 60000 65536"/>
+              <a:gd name="T12" fmla="*/ 0 60000 65536"/>
+              <a:gd name="T13" fmla="*/ 0 60000 65536"/>
+              <a:gd name="T14" fmla="*/ 0 60000 65536"/>
+              <a:gd name="T15" fmla="*/ 0 w 42"/>
+              <a:gd name="T16" fmla="*/ 0 h 916"/>
+              <a:gd name="T17" fmla="*/ 42 w 42"/>
+              <a:gd name="T18" fmla="*/ 916 h 916"/>
+            </a:gdLst>
+            <a:ahLst/>
+            <a:cxnLst>
+              <a:cxn ang="T10">
+                <a:pos x="T0" y="T1"/>
+              </a:cxn>
+              <a:cxn ang="T11">
+                <a:pos x="T2" y="T3"/>
+              </a:cxn>
+              <a:cxn ang="T12">
+                <a:pos x="T4" y="T5"/>
+              </a:cxn>
+              <a:cxn ang="T13">
+                <a:pos x="T6" y="T7"/>
+              </a:cxn>
+              <a:cxn ang="T14">
+                <a:pos x="T8" y="T9"/>
+              </a:cxn>
+            </a:cxnLst>
+            <a:rect l="T15" t="T16" r="T17" b="T18"/>
+            <a:pathLst>
+              <a:path w="42" h="916">
+                <a:moveTo>
+                  <a:pt x="42" y="480"/>
+                </a:moveTo>
+                <a:lnTo>
+                  <a:pt x="0" y="916"/>
+                </a:lnTo>
+                <a:lnTo>
+                  <a:pt x="0" y="127"/>
+                </a:lnTo>
+                <a:lnTo>
+                  <a:pt x="42" y="0"/>
+                </a:lnTo>
+                <a:lnTo>
+                  <a:pt x="42" y="480"/>
+                </a:lnTo>
+                <a:close/>
+              </a:path>
+            </a:pathLst>
+          </a:custGeom>
+          <a:solidFill>
+            <a:schemeClr val="accent1"/>
+          </a:solidFill>
+          <a:ln w="9525">
+            <a:solidFill>
+              <a:schemeClr val="tx1"/>
+            </a:solidFill>
+            <a:round/>
+            <a:headEnd/>
+            <a:tailEnd/>
+          </a:ln>
+        </p:spPr>
+        <p:txBody>
+          <a:bodyPr wrap="none" anchor="ctr"/>
+          <a:lstStyle/>
+          <a:p>
+            <a:endParaRPr lang="en-US"/>
+          </a:p>
+        </p:txBody>
+      </p:sp>
+      <p:sp>
+        <p:nvSpPr>
+          <p:cNvPr id="118" name="Freeform 300">
+            <a:extLst>
+              <a:ext uri="{FF2B5EF4-FFF2-40B4-BE49-F238E27FC236}">
+                <a16:creationId xmlns:a16="http://schemas.microsoft.com/office/drawing/2014/main" id="{DCFB42B0-6684-9745-A174-81CB616E5214}"/>
+              </a:ext>
+            </a:extLst>
+          </p:cNvPr>
+          <p:cNvSpPr>
+            <a:spLocks/>
+          </p:cNvSpPr>
+          <p:nvPr/>
+        </p:nvSpPr>
+        <p:spPr bwMode="auto">
+          <a:xfrm>
+            <a:off x="4518569" y="7026665"/>
+            <a:ext cx="71500" cy="1380426"/>
+          </a:xfrm>
+          <a:custGeom>
+            <a:avLst/>
+            <a:gdLst>
+              <a:gd name="T0" fmla="*/ 37683 w 42"/>
+              <a:gd name="T1" fmla="*/ 37473 h 916"/>
+              <a:gd name="T2" fmla="*/ 0 w 42"/>
+              <a:gd name="T3" fmla="*/ 71520 h 916"/>
+              <a:gd name="T4" fmla="*/ 0 w 42"/>
+              <a:gd name="T5" fmla="*/ 9914 h 916"/>
+              <a:gd name="T6" fmla="*/ 37683 w 42"/>
+              <a:gd name="T7" fmla="*/ 0 h 916"/>
+              <a:gd name="T8" fmla="*/ 37683 w 42"/>
+              <a:gd name="T9" fmla="*/ 37473 h 916"/>
+              <a:gd name="T10" fmla="*/ 0 60000 65536"/>
+              <a:gd name="T11" fmla="*/ 0 60000 65536"/>
+              <a:gd name="T12" fmla="*/ 0 60000 65536"/>
+              <a:gd name="T13" fmla="*/ 0 60000 65536"/>
+              <a:gd name="T14" fmla="*/ 0 60000 65536"/>
+              <a:gd name="T15" fmla="*/ 0 w 42"/>
+              <a:gd name="T16" fmla="*/ 0 h 916"/>
+              <a:gd name="T17" fmla="*/ 42 w 42"/>
+              <a:gd name="T18" fmla="*/ 916 h 916"/>
+            </a:gdLst>
+            <a:ahLst/>
+            <a:cxnLst>
+              <a:cxn ang="T10">
+                <a:pos x="T0" y="T1"/>
+              </a:cxn>
+              <a:cxn ang="T11">
+                <a:pos x="T2" y="T3"/>
+              </a:cxn>
+              <a:cxn ang="T12">
+                <a:pos x="T4" y="T5"/>
+              </a:cxn>
+              <a:cxn ang="T13">
+                <a:pos x="T6" y="T7"/>
+              </a:cxn>
+              <a:cxn ang="T14">
+                <a:pos x="T8" y="T9"/>
+              </a:cxn>
+            </a:cxnLst>
+            <a:rect l="T15" t="T16" r="T17" b="T18"/>
+            <a:pathLst>
+              <a:path w="42" h="916">
+                <a:moveTo>
+                  <a:pt x="42" y="480"/>
+                </a:moveTo>
+                <a:lnTo>
+                  <a:pt x="0" y="916"/>
+                </a:lnTo>
+                <a:lnTo>
+                  <a:pt x="0" y="127"/>
+                </a:lnTo>
+                <a:lnTo>
+                  <a:pt x="42" y="0"/>
+                </a:lnTo>
+                <a:lnTo>
+                  <a:pt x="42" y="480"/>
+                </a:lnTo>
+                <a:close/>
+              </a:path>
+            </a:pathLst>
+          </a:custGeom>
+          <a:solidFill>
+            <a:schemeClr val="accent1"/>
+          </a:solidFill>
+          <a:ln w="9525">
+            <a:solidFill>
+              <a:schemeClr val="tx1"/>
+            </a:solidFill>
+            <a:round/>
+            <a:headEnd/>
+            <a:tailEnd/>
+          </a:ln>
+        </p:spPr>
+        <p:txBody>
+          <a:bodyPr wrap="none" anchor="ctr"/>
+          <a:lstStyle/>
+          <a:p>
+            <a:endParaRPr lang="en-US"/>
           </a:p>
         </p:txBody>
       </p:sp>
